--- a/class-notes/cs321-winter-2023-lecture-polymorphism.pptx
+++ b/class-notes/cs321-winter-2023-lecture-polymorphism.pptx
@@ -5,27 +5,59 @@
     <p:sldMasterId id="2147484010" r:id="rId1"/>
   </p:sldMasterIdLst>
   <p:notesMasterIdLst>
-    <p:notesMasterId r:id="rId3"/>
+    <p:notesMasterId r:id="rId35"/>
   </p:notesMasterIdLst>
   <p:sldIdLst>
     <p:sldId id="449" r:id="rId2"/>
+    <p:sldId id="450" r:id="rId3"/>
+    <p:sldId id="488" r:id="rId4"/>
+    <p:sldId id="489" r:id="rId5"/>
+    <p:sldId id="460" r:id="rId6"/>
+    <p:sldId id="451" r:id="rId7"/>
+    <p:sldId id="453" r:id="rId8"/>
+    <p:sldId id="452" r:id="rId9"/>
+    <p:sldId id="484" r:id="rId10"/>
+    <p:sldId id="485" r:id="rId11"/>
+    <p:sldId id="459" r:id="rId12"/>
+    <p:sldId id="455" r:id="rId13"/>
+    <p:sldId id="461" r:id="rId14"/>
+    <p:sldId id="462" r:id="rId15"/>
+    <p:sldId id="486" r:id="rId16"/>
+    <p:sldId id="465" r:id="rId17"/>
+    <p:sldId id="466" r:id="rId18"/>
+    <p:sldId id="467" r:id="rId19"/>
+    <p:sldId id="468" r:id="rId20"/>
+    <p:sldId id="469" r:id="rId21"/>
+    <p:sldId id="456" r:id="rId22"/>
+    <p:sldId id="472" r:id="rId23"/>
+    <p:sldId id="473" r:id="rId24"/>
+    <p:sldId id="474" r:id="rId25"/>
+    <p:sldId id="475" r:id="rId26"/>
+    <p:sldId id="476" r:id="rId27"/>
+    <p:sldId id="477" r:id="rId28"/>
+    <p:sldId id="478" r:id="rId29"/>
+    <p:sldId id="487" r:id="rId30"/>
+    <p:sldId id="480" r:id="rId31"/>
+    <p:sldId id="481" r:id="rId32"/>
+    <p:sldId id="482" r:id="rId33"/>
+    <p:sldId id="483" r:id="rId34"/>
   </p:sldIdLst>
   <p:sldSz cx="18288000" cy="10287000"/>
   <p:notesSz cx="18288000" cy="10287000"/>
   <p:embeddedFontLst>
     <p:embeddedFont>
       <p:font typeface="Calibri" panose="020F0502020204030204" pitchFamily="34" charset="0"/>
-      <p:regular r:id="rId4"/>
-      <p:bold r:id="rId5"/>
-      <p:italic r:id="rId6"/>
-      <p:boldItalic r:id="rId7"/>
+      <p:regular r:id="rId36"/>
+      <p:bold r:id="rId37"/>
+      <p:italic r:id="rId38"/>
+      <p:boldItalic r:id="rId39"/>
     </p:embeddedFont>
     <p:embeddedFont>
       <p:font typeface="Corbel" panose="020B0503020204020204" pitchFamily="34" charset="0"/>
-      <p:regular r:id="rId8"/>
-      <p:bold r:id="rId9"/>
-      <p:italic r:id="rId10"/>
-      <p:boldItalic r:id="rId11"/>
+      <p:regular r:id="rId40"/>
+      <p:bold r:id="rId41"/>
+      <p:italic r:id="rId42"/>
+      <p:boldItalic r:id="rId43"/>
     </p:embeddedFont>
   </p:embeddedFontLst>
   <p:defaultTextStyle>
@@ -124,6 +156,47 @@
     </a:lvl9pPr>
   </p:defaultTextStyle>
   <p:extLst>
+    <p:ext uri="{521415D9-36F7-43E2-AB2F-B90AF26B5E84}">
+      <p14:sectionLst xmlns:p14="http://schemas.microsoft.com/office/powerpoint/2010/main">
+        <p14:section name="Default Section" id="{06EFA048-3FDE-40E0-B5CC-43ED924C85EA}">
+          <p14:sldIdLst>
+            <p14:sldId id="449"/>
+            <p14:sldId id="450"/>
+            <p14:sldId id="488"/>
+            <p14:sldId id="489"/>
+            <p14:sldId id="460"/>
+            <p14:sldId id="451"/>
+            <p14:sldId id="453"/>
+            <p14:sldId id="452"/>
+            <p14:sldId id="484"/>
+            <p14:sldId id="485"/>
+            <p14:sldId id="459"/>
+            <p14:sldId id="455"/>
+            <p14:sldId id="461"/>
+            <p14:sldId id="462"/>
+            <p14:sldId id="486"/>
+            <p14:sldId id="465"/>
+            <p14:sldId id="466"/>
+            <p14:sldId id="467"/>
+            <p14:sldId id="468"/>
+            <p14:sldId id="469"/>
+            <p14:sldId id="456"/>
+            <p14:sldId id="472"/>
+            <p14:sldId id="473"/>
+            <p14:sldId id="474"/>
+            <p14:sldId id="475"/>
+            <p14:sldId id="476"/>
+            <p14:sldId id="477"/>
+            <p14:sldId id="478"/>
+            <p14:sldId id="487"/>
+            <p14:sldId id="480"/>
+            <p14:sldId id="481"/>
+            <p14:sldId id="482"/>
+            <p14:sldId id="483"/>
+          </p14:sldIdLst>
+        </p14:section>
+      </p14:sectionLst>
+    </p:ext>
     <p:ext uri="{EFAFB233-063F-42B5-8137-9DF3F51BA10A}">
       <p15:sldGuideLst xmlns:p15="http://schemas.microsoft.com/office/powerpoint/2012/main">
         <p15:guide id="1" orient="horz" pos="2880">
@@ -282,6 +355,3439 @@
 </pc:chgInfo>
 </file>
 
+<file path=ppt/diagrams/colors1.xml><?xml version="1.0" encoding="utf-8"?>
+<dgm:colorsDef xmlns:dgm="http://schemas.openxmlformats.org/drawingml/2006/diagram" xmlns:a="http://schemas.openxmlformats.org/drawingml/2006/main" uniqueId="urn:microsoft.com/office/officeart/2005/8/colors/accent1_2">
+  <dgm:title val=""/>
+  <dgm:desc val=""/>
+  <dgm:catLst>
+    <dgm:cat type="accent1" pri="11200"/>
+  </dgm:catLst>
+  <dgm:styleLbl name="node0">
+    <dgm:fillClrLst meth="repeat">
+      <a:schemeClr val="accent1"/>
+    </dgm:fillClrLst>
+    <dgm:linClrLst meth="repeat">
+      <a:schemeClr val="lt1"/>
+    </dgm:linClrLst>
+    <dgm:effectClrLst/>
+    <dgm:txLinClrLst/>
+    <dgm:txFillClrLst/>
+    <dgm:txEffectClrLst/>
+  </dgm:styleLbl>
+  <dgm:styleLbl name="alignNode1">
+    <dgm:fillClrLst meth="repeat">
+      <a:schemeClr val="accent1"/>
+    </dgm:fillClrLst>
+    <dgm:linClrLst meth="repeat">
+      <a:schemeClr val="accent1"/>
+    </dgm:linClrLst>
+    <dgm:effectClrLst/>
+    <dgm:txLinClrLst/>
+    <dgm:txFillClrLst/>
+    <dgm:txEffectClrLst/>
+  </dgm:styleLbl>
+  <dgm:styleLbl name="node1">
+    <dgm:fillClrLst meth="repeat">
+      <a:schemeClr val="accent1"/>
+    </dgm:fillClrLst>
+    <dgm:linClrLst meth="repeat">
+      <a:schemeClr val="lt1"/>
+    </dgm:linClrLst>
+    <dgm:effectClrLst/>
+    <dgm:txLinClrLst/>
+    <dgm:txFillClrLst/>
+    <dgm:txEffectClrLst/>
+  </dgm:styleLbl>
+  <dgm:styleLbl name="lnNode1">
+    <dgm:fillClrLst meth="repeat">
+      <a:schemeClr val="accent1"/>
+    </dgm:fillClrLst>
+    <dgm:linClrLst meth="repeat">
+      <a:schemeClr val="lt1"/>
+    </dgm:linClrLst>
+    <dgm:effectClrLst/>
+    <dgm:txLinClrLst/>
+    <dgm:txFillClrLst/>
+    <dgm:txEffectClrLst/>
+  </dgm:styleLbl>
+  <dgm:styleLbl name="vennNode1">
+    <dgm:fillClrLst meth="repeat">
+      <a:schemeClr val="accent1">
+        <a:alpha val="50000"/>
+      </a:schemeClr>
+    </dgm:fillClrLst>
+    <dgm:linClrLst meth="repeat">
+      <a:schemeClr val="lt1"/>
+    </dgm:linClrLst>
+    <dgm:effectClrLst/>
+    <dgm:txLinClrLst/>
+    <dgm:txFillClrLst/>
+    <dgm:txEffectClrLst/>
+  </dgm:styleLbl>
+  <dgm:styleLbl name="node2">
+    <dgm:fillClrLst meth="repeat">
+      <a:schemeClr val="accent1"/>
+    </dgm:fillClrLst>
+    <dgm:linClrLst meth="repeat">
+      <a:schemeClr val="lt1"/>
+    </dgm:linClrLst>
+    <dgm:effectClrLst/>
+    <dgm:txLinClrLst/>
+    <dgm:txFillClrLst/>
+    <dgm:txEffectClrLst/>
+  </dgm:styleLbl>
+  <dgm:styleLbl name="node3">
+    <dgm:fillClrLst meth="repeat">
+      <a:schemeClr val="accent1"/>
+    </dgm:fillClrLst>
+    <dgm:linClrLst meth="repeat">
+      <a:schemeClr val="lt1"/>
+    </dgm:linClrLst>
+    <dgm:effectClrLst/>
+    <dgm:txLinClrLst/>
+    <dgm:txFillClrLst/>
+    <dgm:txEffectClrLst/>
+  </dgm:styleLbl>
+  <dgm:styleLbl name="node4">
+    <dgm:fillClrLst meth="repeat">
+      <a:schemeClr val="accent1"/>
+    </dgm:fillClrLst>
+    <dgm:linClrLst meth="repeat">
+      <a:schemeClr val="lt1"/>
+    </dgm:linClrLst>
+    <dgm:effectClrLst/>
+    <dgm:txLinClrLst/>
+    <dgm:txFillClrLst/>
+    <dgm:txEffectClrLst/>
+  </dgm:styleLbl>
+  <dgm:styleLbl name="fgImgPlace1">
+    <dgm:fillClrLst meth="repeat">
+      <a:schemeClr val="accent1">
+        <a:tint val="50000"/>
+      </a:schemeClr>
+    </dgm:fillClrLst>
+    <dgm:linClrLst meth="repeat">
+      <a:schemeClr val="lt1"/>
+    </dgm:linClrLst>
+    <dgm:effectClrLst/>
+    <dgm:txLinClrLst/>
+    <dgm:txFillClrLst meth="repeat">
+      <a:schemeClr val="lt1"/>
+    </dgm:txFillClrLst>
+    <dgm:txEffectClrLst/>
+  </dgm:styleLbl>
+  <dgm:styleLbl name="alignImgPlace1">
+    <dgm:fillClrLst meth="repeat">
+      <a:schemeClr val="accent1">
+        <a:tint val="50000"/>
+      </a:schemeClr>
+    </dgm:fillClrLst>
+    <dgm:linClrLst meth="repeat">
+      <a:schemeClr val="lt1"/>
+    </dgm:linClrLst>
+    <dgm:effectClrLst/>
+    <dgm:txLinClrLst/>
+    <dgm:txFillClrLst meth="repeat">
+      <a:schemeClr val="lt1"/>
+    </dgm:txFillClrLst>
+    <dgm:txEffectClrLst/>
+  </dgm:styleLbl>
+  <dgm:styleLbl name="bgImgPlace1">
+    <dgm:fillClrLst meth="repeat">
+      <a:schemeClr val="accent1">
+        <a:tint val="50000"/>
+      </a:schemeClr>
+    </dgm:fillClrLst>
+    <dgm:linClrLst meth="repeat">
+      <a:schemeClr val="lt1"/>
+    </dgm:linClrLst>
+    <dgm:effectClrLst/>
+    <dgm:txLinClrLst/>
+    <dgm:txFillClrLst meth="repeat">
+      <a:schemeClr val="lt1"/>
+    </dgm:txFillClrLst>
+    <dgm:txEffectClrLst/>
+  </dgm:styleLbl>
+  <dgm:styleLbl name="sibTrans2D1">
+    <dgm:fillClrLst meth="repeat">
+      <a:schemeClr val="accent1">
+        <a:tint val="60000"/>
+      </a:schemeClr>
+    </dgm:fillClrLst>
+    <dgm:linClrLst meth="repeat">
+      <a:schemeClr val="accent1">
+        <a:tint val="60000"/>
+      </a:schemeClr>
+    </dgm:linClrLst>
+    <dgm:effectClrLst/>
+    <dgm:txLinClrLst/>
+    <dgm:txFillClrLst/>
+    <dgm:txEffectClrLst/>
+  </dgm:styleLbl>
+  <dgm:styleLbl name="fgSibTrans2D1">
+    <dgm:fillClrLst meth="repeat">
+      <a:schemeClr val="accent1">
+        <a:tint val="60000"/>
+      </a:schemeClr>
+    </dgm:fillClrLst>
+    <dgm:linClrLst meth="repeat">
+      <a:schemeClr val="accent1">
+        <a:tint val="60000"/>
+      </a:schemeClr>
+    </dgm:linClrLst>
+    <dgm:effectClrLst/>
+    <dgm:txLinClrLst/>
+    <dgm:txFillClrLst/>
+    <dgm:txEffectClrLst/>
+  </dgm:styleLbl>
+  <dgm:styleLbl name="bgSibTrans2D1">
+    <dgm:fillClrLst meth="repeat">
+      <a:schemeClr val="accent1">
+        <a:tint val="60000"/>
+      </a:schemeClr>
+    </dgm:fillClrLst>
+    <dgm:linClrLst meth="repeat">
+      <a:schemeClr val="accent1">
+        <a:tint val="60000"/>
+      </a:schemeClr>
+    </dgm:linClrLst>
+    <dgm:effectClrLst/>
+    <dgm:txLinClrLst/>
+    <dgm:txFillClrLst/>
+    <dgm:txEffectClrLst/>
+  </dgm:styleLbl>
+  <dgm:styleLbl name="sibTrans1D1">
+    <dgm:fillClrLst meth="repeat">
+      <a:schemeClr val="accent1"/>
+    </dgm:fillClrLst>
+    <dgm:linClrLst meth="repeat">
+      <a:schemeClr val="accent1"/>
+    </dgm:linClrLst>
+    <dgm:effectClrLst/>
+    <dgm:txLinClrLst/>
+    <dgm:txFillClrLst meth="repeat">
+      <a:schemeClr val="tx1"/>
+    </dgm:txFillClrLst>
+    <dgm:txEffectClrLst/>
+  </dgm:styleLbl>
+  <dgm:styleLbl name="callout">
+    <dgm:fillClrLst meth="repeat">
+      <a:schemeClr val="accent1"/>
+    </dgm:fillClrLst>
+    <dgm:linClrLst meth="repeat">
+      <a:schemeClr val="accent1">
+        <a:tint val="50000"/>
+      </a:schemeClr>
+    </dgm:linClrLst>
+    <dgm:effectClrLst/>
+    <dgm:txLinClrLst/>
+    <dgm:txFillClrLst meth="repeat">
+      <a:schemeClr val="tx1"/>
+    </dgm:txFillClrLst>
+    <dgm:txEffectClrLst/>
+  </dgm:styleLbl>
+  <dgm:styleLbl name="asst0">
+    <dgm:fillClrLst meth="repeat">
+      <a:schemeClr val="accent1"/>
+    </dgm:fillClrLst>
+    <dgm:linClrLst meth="repeat">
+      <a:schemeClr val="lt1"/>
+    </dgm:linClrLst>
+    <dgm:effectClrLst/>
+    <dgm:txLinClrLst/>
+    <dgm:txFillClrLst/>
+    <dgm:txEffectClrLst/>
+  </dgm:styleLbl>
+  <dgm:styleLbl name="asst1">
+    <dgm:fillClrLst meth="repeat">
+      <a:schemeClr val="accent1"/>
+    </dgm:fillClrLst>
+    <dgm:linClrLst meth="repeat">
+      <a:schemeClr val="lt1"/>
+    </dgm:linClrLst>
+    <dgm:effectClrLst/>
+    <dgm:txLinClrLst/>
+    <dgm:txFillClrLst/>
+    <dgm:txEffectClrLst/>
+  </dgm:styleLbl>
+  <dgm:styleLbl name="asst2">
+    <dgm:fillClrLst meth="repeat">
+      <a:schemeClr val="accent1"/>
+    </dgm:fillClrLst>
+    <dgm:linClrLst meth="repeat">
+      <a:schemeClr val="lt1"/>
+    </dgm:linClrLst>
+    <dgm:effectClrLst/>
+    <dgm:txLinClrLst/>
+    <dgm:txFillClrLst/>
+    <dgm:txEffectClrLst/>
+  </dgm:styleLbl>
+  <dgm:styleLbl name="asst3">
+    <dgm:fillClrLst meth="repeat">
+      <a:schemeClr val="accent1"/>
+    </dgm:fillClrLst>
+    <dgm:linClrLst meth="repeat">
+      <a:schemeClr val="lt1"/>
+    </dgm:linClrLst>
+    <dgm:effectClrLst/>
+    <dgm:txLinClrLst/>
+    <dgm:txFillClrLst/>
+    <dgm:txEffectClrLst/>
+  </dgm:styleLbl>
+  <dgm:styleLbl name="asst4">
+    <dgm:fillClrLst meth="repeat">
+      <a:schemeClr val="accent1"/>
+    </dgm:fillClrLst>
+    <dgm:linClrLst meth="repeat">
+      <a:schemeClr val="lt1"/>
+    </dgm:linClrLst>
+    <dgm:effectClrLst/>
+    <dgm:txLinClrLst/>
+    <dgm:txFillClrLst/>
+    <dgm:txEffectClrLst/>
+  </dgm:styleLbl>
+  <dgm:styleLbl name="parChTrans2D1">
+    <dgm:fillClrLst meth="repeat">
+      <a:schemeClr val="accent1">
+        <a:tint val="60000"/>
+      </a:schemeClr>
+    </dgm:fillClrLst>
+    <dgm:linClrLst meth="repeat">
+      <a:schemeClr val="accent1">
+        <a:tint val="60000"/>
+      </a:schemeClr>
+    </dgm:linClrLst>
+    <dgm:effectClrLst/>
+    <dgm:txLinClrLst/>
+    <dgm:txFillClrLst meth="repeat">
+      <a:schemeClr val="lt1"/>
+    </dgm:txFillClrLst>
+    <dgm:txEffectClrLst/>
+  </dgm:styleLbl>
+  <dgm:styleLbl name="parChTrans2D2">
+    <dgm:fillClrLst meth="repeat">
+      <a:schemeClr val="accent1"/>
+    </dgm:fillClrLst>
+    <dgm:linClrLst meth="repeat">
+      <a:schemeClr val="accent1"/>
+    </dgm:linClrLst>
+    <dgm:effectClrLst/>
+    <dgm:txLinClrLst/>
+    <dgm:txFillClrLst meth="repeat">
+      <a:schemeClr val="lt1"/>
+    </dgm:txFillClrLst>
+    <dgm:txEffectClrLst/>
+  </dgm:styleLbl>
+  <dgm:styleLbl name="parChTrans2D3">
+    <dgm:fillClrLst meth="repeat">
+      <a:schemeClr val="accent1"/>
+    </dgm:fillClrLst>
+    <dgm:linClrLst meth="repeat">
+      <a:schemeClr val="accent1"/>
+    </dgm:linClrLst>
+    <dgm:effectClrLst/>
+    <dgm:txLinClrLst/>
+    <dgm:txFillClrLst meth="repeat">
+      <a:schemeClr val="lt1"/>
+    </dgm:txFillClrLst>
+    <dgm:txEffectClrLst/>
+  </dgm:styleLbl>
+  <dgm:styleLbl name="parChTrans2D4">
+    <dgm:fillClrLst meth="repeat">
+      <a:schemeClr val="accent1"/>
+    </dgm:fillClrLst>
+    <dgm:linClrLst meth="repeat">
+      <a:schemeClr val="accent1"/>
+    </dgm:linClrLst>
+    <dgm:effectClrLst/>
+    <dgm:txLinClrLst/>
+    <dgm:txFillClrLst meth="repeat">
+      <a:schemeClr val="lt1"/>
+    </dgm:txFillClrLst>
+    <dgm:txEffectClrLst/>
+  </dgm:styleLbl>
+  <dgm:styleLbl name="parChTrans1D1">
+    <dgm:fillClrLst meth="repeat">
+      <a:schemeClr val="accent1"/>
+    </dgm:fillClrLst>
+    <dgm:linClrLst meth="repeat">
+      <a:schemeClr val="accent1">
+        <a:shade val="60000"/>
+      </a:schemeClr>
+    </dgm:linClrLst>
+    <dgm:effectClrLst/>
+    <dgm:txLinClrLst/>
+    <dgm:txFillClrLst meth="repeat">
+      <a:schemeClr val="tx1"/>
+    </dgm:txFillClrLst>
+    <dgm:txEffectClrLst/>
+  </dgm:styleLbl>
+  <dgm:styleLbl name="parChTrans1D2">
+    <dgm:fillClrLst meth="repeat">
+      <a:schemeClr val="accent1"/>
+    </dgm:fillClrLst>
+    <dgm:linClrLst meth="repeat">
+      <a:schemeClr val="accent1">
+        <a:shade val="60000"/>
+      </a:schemeClr>
+    </dgm:linClrLst>
+    <dgm:effectClrLst/>
+    <dgm:txLinClrLst/>
+    <dgm:txFillClrLst meth="repeat">
+      <a:schemeClr val="tx1"/>
+    </dgm:txFillClrLst>
+    <dgm:txEffectClrLst/>
+  </dgm:styleLbl>
+  <dgm:styleLbl name="parChTrans1D3">
+    <dgm:fillClrLst meth="repeat">
+      <a:schemeClr val="accent1"/>
+    </dgm:fillClrLst>
+    <dgm:linClrLst meth="repeat">
+      <a:schemeClr val="accent1">
+        <a:shade val="80000"/>
+      </a:schemeClr>
+    </dgm:linClrLst>
+    <dgm:effectClrLst/>
+    <dgm:txLinClrLst/>
+    <dgm:txFillClrLst meth="repeat">
+      <a:schemeClr val="tx1"/>
+    </dgm:txFillClrLst>
+    <dgm:txEffectClrLst/>
+  </dgm:styleLbl>
+  <dgm:styleLbl name="parChTrans1D4">
+    <dgm:fillClrLst meth="repeat">
+      <a:schemeClr val="accent1"/>
+    </dgm:fillClrLst>
+    <dgm:linClrLst meth="repeat">
+      <a:schemeClr val="accent1">
+        <a:shade val="80000"/>
+      </a:schemeClr>
+    </dgm:linClrLst>
+    <dgm:effectClrLst/>
+    <dgm:txLinClrLst/>
+    <dgm:txFillClrLst meth="repeat">
+      <a:schemeClr val="tx1"/>
+    </dgm:txFillClrLst>
+    <dgm:txEffectClrLst/>
+  </dgm:styleLbl>
+  <dgm:styleLbl name="fgAcc1">
+    <dgm:fillClrLst meth="repeat">
+      <a:schemeClr val="lt1">
+        <a:alpha val="90000"/>
+      </a:schemeClr>
+    </dgm:fillClrLst>
+    <dgm:linClrLst meth="repeat">
+      <a:schemeClr val="accent1"/>
+    </dgm:linClrLst>
+    <dgm:effectClrLst/>
+    <dgm:txLinClrLst/>
+    <dgm:txFillClrLst meth="repeat">
+      <a:schemeClr val="dk1"/>
+    </dgm:txFillClrLst>
+    <dgm:txEffectClrLst/>
+  </dgm:styleLbl>
+  <dgm:styleLbl name="conFgAcc1">
+    <dgm:fillClrLst meth="repeat">
+      <a:schemeClr val="lt1">
+        <a:alpha val="90000"/>
+      </a:schemeClr>
+    </dgm:fillClrLst>
+    <dgm:linClrLst meth="repeat">
+      <a:schemeClr val="accent1"/>
+    </dgm:linClrLst>
+    <dgm:effectClrLst/>
+    <dgm:txLinClrLst/>
+    <dgm:txFillClrLst meth="repeat">
+      <a:schemeClr val="dk1"/>
+    </dgm:txFillClrLst>
+    <dgm:txEffectClrLst/>
+  </dgm:styleLbl>
+  <dgm:styleLbl name="alignAcc1">
+    <dgm:fillClrLst meth="repeat">
+      <a:schemeClr val="lt1">
+        <a:alpha val="90000"/>
+      </a:schemeClr>
+    </dgm:fillClrLst>
+    <dgm:linClrLst meth="repeat">
+      <a:schemeClr val="accent1"/>
+    </dgm:linClrLst>
+    <dgm:effectClrLst/>
+    <dgm:txLinClrLst/>
+    <dgm:txFillClrLst meth="repeat">
+      <a:schemeClr val="dk1"/>
+    </dgm:txFillClrLst>
+    <dgm:txEffectClrLst/>
+  </dgm:styleLbl>
+  <dgm:styleLbl name="trAlignAcc1">
+    <dgm:fillClrLst meth="repeat">
+      <a:schemeClr val="lt1">
+        <a:alpha val="40000"/>
+      </a:schemeClr>
+    </dgm:fillClrLst>
+    <dgm:linClrLst meth="repeat">
+      <a:schemeClr val="accent1"/>
+    </dgm:linClrLst>
+    <dgm:effectClrLst/>
+    <dgm:txLinClrLst/>
+    <dgm:txFillClrLst meth="repeat">
+      <a:schemeClr val="dk1"/>
+    </dgm:txFillClrLst>
+    <dgm:txEffectClrLst/>
+  </dgm:styleLbl>
+  <dgm:styleLbl name="bgAcc1">
+    <dgm:fillClrLst meth="repeat">
+      <a:schemeClr val="lt1">
+        <a:alpha val="90000"/>
+      </a:schemeClr>
+    </dgm:fillClrLst>
+    <dgm:linClrLst meth="repeat">
+      <a:schemeClr val="accent1"/>
+    </dgm:linClrLst>
+    <dgm:effectClrLst/>
+    <dgm:txLinClrLst/>
+    <dgm:txFillClrLst meth="repeat">
+      <a:schemeClr val="dk1"/>
+    </dgm:txFillClrLst>
+    <dgm:txEffectClrLst/>
+  </dgm:styleLbl>
+  <dgm:styleLbl name="solidFgAcc1">
+    <dgm:fillClrLst meth="repeat">
+      <a:schemeClr val="lt1"/>
+    </dgm:fillClrLst>
+    <dgm:linClrLst meth="repeat">
+      <a:schemeClr val="accent1"/>
+    </dgm:linClrLst>
+    <dgm:effectClrLst/>
+    <dgm:txLinClrLst/>
+    <dgm:txFillClrLst meth="repeat">
+      <a:schemeClr val="dk1"/>
+    </dgm:txFillClrLst>
+    <dgm:txEffectClrLst/>
+  </dgm:styleLbl>
+  <dgm:styleLbl name="solidAlignAcc1">
+    <dgm:fillClrLst meth="repeat">
+      <a:schemeClr val="lt1"/>
+    </dgm:fillClrLst>
+    <dgm:linClrLst meth="repeat">
+      <a:schemeClr val="accent1"/>
+    </dgm:linClrLst>
+    <dgm:effectClrLst/>
+    <dgm:txLinClrLst/>
+    <dgm:txFillClrLst meth="repeat">
+      <a:schemeClr val="dk1"/>
+    </dgm:txFillClrLst>
+    <dgm:txEffectClrLst/>
+  </dgm:styleLbl>
+  <dgm:styleLbl name="solidBgAcc1">
+    <dgm:fillClrLst meth="repeat">
+      <a:schemeClr val="lt1"/>
+    </dgm:fillClrLst>
+    <dgm:linClrLst meth="repeat">
+      <a:schemeClr val="accent1"/>
+    </dgm:linClrLst>
+    <dgm:effectClrLst/>
+    <dgm:txLinClrLst/>
+    <dgm:txFillClrLst meth="repeat">
+      <a:schemeClr val="dk1"/>
+    </dgm:txFillClrLst>
+    <dgm:txEffectClrLst/>
+  </dgm:styleLbl>
+  <dgm:styleLbl name="fgAccFollowNode1">
+    <dgm:fillClrLst meth="repeat">
+      <a:schemeClr val="accent1">
+        <a:alpha val="90000"/>
+        <a:tint val="40000"/>
+      </a:schemeClr>
+    </dgm:fillClrLst>
+    <dgm:linClrLst meth="repeat">
+      <a:schemeClr val="accent1">
+        <a:alpha val="90000"/>
+        <a:tint val="40000"/>
+      </a:schemeClr>
+    </dgm:linClrLst>
+    <dgm:effectClrLst/>
+    <dgm:txLinClrLst/>
+    <dgm:txFillClrLst meth="repeat">
+      <a:schemeClr val="dk1"/>
+    </dgm:txFillClrLst>
+    <dgm:txEffectClrLst/>
+  </dgm:styleLbl>
+  <dgm:styleLbl name="alignAccFollowNode1">
+    <dgm:fillClrLst meth="repeat">
+      <a:schemeClr val="accent1">
+        <a:alpha val="90000"/>
+        <a:tint val="40000"/>
+      </a:schemeClr>
+    </dgm:fillClrLst>
+    <dgm:linClrLst meth="repeat">
+      <a:schemeClr val="accent1">
+        <a:alpha val="90000"/>
+        <a:tint val="40000"/>
+      </a:schemeClr>
+    </dgm:linClrLst>
+    <dgm:effectClrLst/>
+    <dgm:txLinClrLst/>
+    <dgm:txFillClrLst meth="repeat">
+      <a:schemeClr val="dk1"/>
+    </dgm:txFillClrLst>
+    <dgm:txEffectClrLst/>
+  </dgm:styleLbl>
+  <dgm:styleLbl name="bgAccFollowNode1">
+    <dgm:fillClrLst meth="repeat">
+      <a:schemeClr val="accent1">
+        <a:alpha val="90000"/>
+        <a:tint val="40000"/>
+      </a:schemeClr>
+    </dgm:fillClrLst>
+    <dgm:linClrLst meth="repeat">
+      <a:schemeClr val="accent1">
+        <a:alpha val="90000"/>
+        <a:tint val="40000"/>
+      </a:schemeClr>
+    </dgm:linClrLst>
+    <dgm:effectClrLst/>
+    <dgm:txLinClrLst/>
+    <dgm:txFillClrLst meth="repeat">
+      <a:schemeClr val="dk1"/>
+    </dgm:txFillClrLst>
+    <dgm:txEffectClrLst/>
+  </dgm:styleLbl>
+  <dgm:styleLbl name="fgAcc0">
+    <dgm:fillClrLst meth="repeat">
+      <a:schemeClr val="lt1">
+        <a:alpha val="90000"/>
+      </a:schemeClr>
+    </dgm:fillClrLst>
+    <dgm:linClrLst meth="repeat">
+      <a:schemeClr val="accent1"/>
+    </dgm:linClrLst>
+    <dgm:effectClrLst/>
+    <dgm:txLinClrLst/>
+    <dgm:txFillClrLst meth="repeat">
+      <a:schemeClr val="dk1"/>
+    </dgm:txFillClrLst>
+    <dgm:txEffectClrLst/>
+  </dgm:styleLbl>
+  <dgm:styleLbl name="fgAcc2">
+    <dgm:fillClrLst meth="repeat">
+      <a:schemeClr val="lt1">
+        <a:alpha val="90000"/>
+      </a:schemeClr>
+    </dgm:fillClrLst>
+    <dgm:linClrLst meth="repeat">
+      <a:schemeClr val="accent1"/>
+    </dgm:linClrLst>
+    <dgm:effectClrLst/>
+    <dgm:txLinClrLst/>
+    <dgm:txFillClrLst meth="repeat">
+      <a:schemeClr val="dk1"/>
+    </dgm:txFillClrLst>
+    <dgm:txEffectClrLst/>
+  </dgm:styleLbl>
+  <dgm:styleLbl name="fgAcc3">
+    <dgm:fillClrLst meth="repeat">
+      <a:schemeClr val="lt1">
+        <a:alpha val="90000"/>
+      </a:schemeClr>
+    </dgm:fillClrLst>
+    <dgm:linClrLst meth="repeat">
+      <a:schemeClr val="accent1"/>
+    </dgm:linClrLst>
+    <dgm:effectClrLst/>
+    <dgm:txLinClrLst/>
+    <dgm:txFillClrLst meth="repeat">
+      <a:schemeClr val="dk1"/>
+    </dgm:txFillClrLst>
+    <dgm:txEffectClrLst/>
+  </dgm:styleLbl>
+  <dgm:styleLbl name="fgAcc4">
+    <dgm:fillClrLst meth="repeat">
+      <a:schemeClr val="lt1">
+        <a:alpha val="90000"/>
+      </a:schemeClr>
+    </dgm:fillClrLst>
+    <dgm:linClrLst meth="repeat">
+      <a:schemeClr val="accent1"/>
+    </dgm:linClrLst>
+    <dgm:effectClrLst/>
+    <dgm:txLinClrLst/>
+    <dgm:txFillClrLst meth="repeat">
+      <a:schemeClr val="dk1"/>
+    </dgm:txFillClrLst>
+    <dgm:txEffectClrLst/>
+  </dgm:styleLbl>
+  <dgm:styleLbl name="bgShp">
+    <dgm:fillClrLst meth="repeat">
+      <a:schemeClr val="accent1">
+        <a:tint val="40000"/>
+      </a:schemeClr>
+    </dgm:fillClrLst>
+    <dgm:linClrLst meth="repeat">
+      <a:schemeClr val="accent1"/>
+    </dgm:linClrLst>
+    <dgm:effectClrLst/>
+    <dgm:txLinClrLst/>
+    <dgm:txFillClrLst meth="repeat">
+      <a:schemeClr val="dk1"/>
+    </dgm:txFillClrLst>
+    <dgm:txEffectClrLst/>
+  </dgm:styleLbl>
+  <dgm:styleLbl name="dkBgShp">
+    <dgm:fillClrLst meth="repeat">
+      <a:schemeClr val="accent1">
+        <a:shade val="80000"/>
+      </a:schemeClr>
+    </dgm:fillClrLst>
+    <dgm:linClrLst meth="repeat">
+      <a:schemeClr val="accent1"/>
+    </dgm:linClrLst>
+    <dgm:effectClrLst/>
+    <dgm:txLinClrLst/>
+    <dgm:txFillClrLst meth="repeat">
+      <a:schemeClr val="lt1"/>
+    </dgm:txFillClrLst>
+    <dgm:txEffectClrLst/>
+  </dgm:styleLbl>
+  <dgm:styleLbl name="trBgShp">
+    <dgm:fillClrLst meth="repeat">
+      <a:schemeClr val="accent1">
+        <a:tint val="50000"/>
+        <a:alpha val="40000"/>
+      </a:schemeClr>
+    </dgm:fillClrLst>
+    <dgm:linClrLst meth="repeat">
+      <a:schemeClr val="accent1"/>
+    </dgm:linClrLst>
+    <dgm:effectClrLst/>
+    <dgm:txLinClrLst/>
+    <dgm:txFillClrLst meth="repeat">
+      <a:schemeClr val="lt1"/>
+    </dgm:txFillClrLst>
+    <dgm:txEffectClrLst/>
+  </dgm:styleLbl>
+  <dgm:styleLbl name="fgShp">
+    <dgm:fillClrLst meth="repeat">
+      <a:schemeClr val="accent1">
+        <a:tint val="60000"/>
+      </a:schemeClr>
+    </dgm:fillClrLst>
+    <dgm:linClrLst meth="repeat">
+      <a:schemeClr val="lt1"/>
+    </dgm:linClrLst>
+    <dgm:effectClrLst/>
+    <dgm:txLinClrLst/>
+    <dgm:txFillClrLst meth="repeat">
+      <a:schemeClr val="dk1"/>
+    </dgm:txFillClrLst>
+    <dgm:txEffectClrLst/>
+  </dgm:styleLbl>
+  <dgm:styleLbl name="revTx">
+    <dgm:fillClrLst meth="repeat">
+      <a:schemeClr val="lt1">
+        <a:alpha val="0"/>
+      </a:schemeClr>
+    </dgm:fillClrLst>
+    <dgm:linClrLst meth="repeat">
+      <a:schemeClr val="dk1">
+        <a:alpha val="0"/>
+      </a:schemeClr>
+    </dgm:linClrLst>
+    <dgm:effectClrLst/>
+    <dgm:txLinClrLst/>
+    <dgm:txFillClrLst meth="repeat">
+      <a:schemeClr val="tx1"/>
+    </dgm:txFillClrLst>
+    <dgm:txEffectClrLst/>
+  </dgm:styleLbl>
+</dgm:colorsDef>
+</file>
+
+<file path=ppt/diagrams/data1.xml><?xml version="1.0" encoding="utf-8"?>
+<dgm:dataModel xmlns:dgm="http://schemas.openxmlformats.org/drawingml/2006/diagram" xmlns:a="http://schemas.openxmlformats.org/drawingml/2006/main">
+  <dgm:ptLst>
+    <dgm:pt modelId="{25545F77-70D8-4231-B205-EE8FF45E8AD1}" type="doc">
+      <dgm:prSet loTypeId="urn:microsoft.com/office/officeart/2005/8/layout/hierarchy2" loCatId="hierarchy" qsTypeId="urn:microsoft.com/office/officeart/2005/8/quickstyle/simple1" qsCatId="simple" csTypeId="urn:microsoft.com/office/officeart/2005/8/colors/accent1_2" csCatId="accent1" phldr="1"/>
+      <dgm:spPr/>
+      <dgm:t>
+        <a:bodyPr/>
+        <a:lstStyle/>
+        <a:p>
+          <a:endParaRPr lang="en-CA"/>
+        </a:p>
+      </dgm:t>
+    </dgm:pt>
+    <dgm:pt modelId="{E735FEA6-C505-4B72-8107-C2B0508B3430}">
+      <dgm:prSet/>
+      <dgm:spPr/>
+      <dgm:t>
+        <a:bodyPr/>
+        <a:lstStyle/>
+        <a:p>
+          <a:r>
+            <a:rPr lang="en-CA"/>
+            <a:t>ScheduledItem </a:t>
+          </a:r>
+          <a:endParaRPr lang="en-CA" dirty="0"/>
+        </a:p>
+      </dgm:t>
+    </dgm:pt>
+    <dgm:pt modelId="{58F66E73-5265-4425-8E66-31999CECDB7C}" type="parTrans" cxnId="{E8536734-EC08-4EFC-80C5-FE6441A4D6F1}">
+      <dgm:prSet/>
+      <dgm:spPr/>
+      <dgm:t>
+        <a:bodyPr/>
+        <a:lstStyle/>
+        <a:p>
+          <a:endParaRPr lang="en-CA"/>
+        </a:p>
+      </dgm:t>
+    </dgm:pt>
+    <dgm:pt modelId="{AB2C4D4D-2028-438D-8E70-DD8127C5037B}" type="sibTrans" cxnId="{E8536734-EC08-4EFC-80C5-FE6441A4D6F1}">
+      <dgm:prSet/>
+      <dgm:spPr/>
+      <dgm:t>
+        <a:bodyPr/>
+        <a:lstStyle/>
+        <a:p>
+          <a:endParaRPr lang="en-CA"/>
+        </a:p>
+      </dgm:t>
+    </dgm:pt>
+    <dgm:pt modelId="{8F7BBBE5-2497-4D25-B4AC-9B6506A7C250}">
+      <dgm:prSet/>
+      <dgm:spPr/>
+      <dgm:t>
+        <a:bodyPr/>
+        <a:lstStyle/>
+        <a:p>
+          <a:r>
+            <a:rPr lang="en-CA"/>
+            <a:t>Task</a:t>
+          </a:r>
+          <a:endParaRPr lang="en-CA" dirty="0"/>
+        </a:p>
+      </dgm:t>
+    </dgm:pt>
+    <dgm:pt modelId="{47431F5B-7CE4-4E75-9740-4D7959C91DBF}" type="parTrans" cxnId="{DFB626EB-1823-44A6-8FC2-BE82C3354EB3}">
+      <dgm:prSet/>
+      <dgm:spPr/>
+      <dgm:t>
+        <a:bodyPr/>
+        <a:lstStyle/>
+        <a:p>
+          <a:endParaRPr lang="en-CA"/>
+        </a:p>
+      </dgm:t>
+    </dgm:pt>
+    <dgm:pt modelId="{66021A26-99F0-4D09-92C1-EAF8DAACD585}" type="sibTrans" cxnId="{DFB626EB-1823-44A6-8FC2-BE82C3354EB3}">
+      <dgm:prSet/>
+      <dgm:spPr/>
+      <dgm:t>
+        <a:bodyPr/>
+        <a:lstStyle/>
+        <a:p>
+          <a:endParaRPr lang="en-CA"/>
+        </a:p>
+      </dgm:t>
+    </dgm:pt>
+    <dgm:pt modelId="{44430D4F-C06A-4C99-9778-9B211EC17A87}">
+      <dgm:prSet/>
+      <dgm:spPr/>
+      <dgm:t>
+        <a:bodyPr/>
+        <a:lstStyle/>
+        <a:p>
+          <a:r>
+            <a:rPr lang="en-CA" dirty="0"/>
+            <a:t>Checklist</a:t>
+          </a:r>
+        </a:p>
+      </dgm:t>
+    </dgm:pt>
+    <dgm:pt modelId="{267C7ED4-351A-421D-9487-35D2594CB51F}" type="parTrans" cxnId="{E374253D-AD65-469F-B092-AC6D4C2EB028}">
+      <dgm:prSet/>
+      <dgm:spPr/>
+      <dgm:t>
+        <a:bodyPr/>
+        <a:lstStyle/>
+        <a:p>
+          <a:endParaRPr lang="en-CA"/>
+        </a:p>
+      </dgm:t>
+    </dgm:pt>
+    <dgm:pt modelId="{A949BE13-19DF-4CE5-94A2-CE4F9C8C4D5F}" type="sibTrans" cxnId="{E374253D-AD65-469F-B092-AC6D4C2EB028}">
+      <dgm:prSet/>
+      <dgm:spPr/>
+      <dgm:t>
+        <a:bodyPr/>
+        <a:lstStyle/>
+        <a:p>
+          <a:endParaRPr lang="en-CA"/>
+        </a:p>
+      </dgm:t>
+    </dgm:pt>
+    <dgm:pt modelId="{7DFEBEB7-9A59-49B0-A106-85B539E7956B}">
+      <dgm:prSet/>
+      <dgm:spPr/>
+      <dgm:t>
+        <a:bodyPr/>
+        <a:lstStyle/>
+        <a:p>
+          <a:r>
+            <a:rPr lang="en-CA" dirty="0"/>
+            <a:t>Meeting</a:t>
+          </a:r>
+        </a:p>
+      </dgm:t>
+    </dgm:pt>
+    <dgm:pt modelId="{8AA385E0-4EC2-4CD7-8A6F-6235F3CBB70A}" type="parTrans" cxnId="{71573796-6E5C-44BA-BB4E-E8BEE3D6038C}">
+      <dgm:prSet/>
+      <dgm:spPr/>
+      <dgm:t>
+        <a:bodyPr/>
+        <a:lstStyle/>
+        <a:p>
+          <a:endParaRPr lang="en-CA"/>
+        </a:p>
+      </dgm:t>
+    </dgm:pt>
+    <dgm:pt modelId="{BD1EF025-7CCE-4E42-AC71-B29947EA69CD}" type="sibTrans" cxnId="{71573796-6E5C-44BA-BB4E-E8BEE3D6038C}">
+      <dgm:prSet/>
+      <dgm:spPr/>
+      <dgm:t>
+        <a:bodyPr/>
+        <a:lstStyle/>
+        <a:p>
+          <a:endParaRPr lang="en-CA"/>
+        </a:p>
+      </dgm:t>
+    </dgm:pt>
+    <dgm:pt modelId="{F89C2665-CDA9-4EB8-80BB-DB6060706239}">
+      <dgm:prSet/>
+      <dgm:spPr/>
+      <dgm:t>
+        <a:bodyPr/>
+        <a:lstStyle/>
+        <a:p>
+          <a:r>
+            <a:rPr lang="en-CA" dirty="0"/>
+            <a:t>Out of office</a:t>
+          </a:r>
+        </a:p>
+      </dgm:t>
+    </dgm:pt>
+    <dgm:pt modelId="{B0148BD8-0E20-43B6-91DB-A360BCCBAC73}" type="parTrans" cxnId="{99F43830-34AE-4583-BD6C-AB79AE9F54FB}">
+      <dgm:prSet/>
+      <dgm:spPr/>
+      <dgm:t>
+        <a:bodyPr/>
+        <a:lstStyle/>
+        <a:p>
+          <a:endParaRPr lang="en-CA"/>
+        </a:p>
+      </dgm:t>
+    </dgm:pt>
+    <dgm:pt modelId="{7AD5EDBC-B39E-4BA1-AE8F-ACFCA6DFEA5A}" type="sibTrans" cxnId="{99F43830-34AE-4583-BD6C-AB79AE9F54FB}">
+      <dgm:prSet/>
+      <dgm:spPr/>
+      <dgm:t>
+        <a:bodyPr/>
+        <a:lstStyle/>
+        <a:p>
+          <a:endParaRPr lang="en-CA"/>
+        </a:p>
+      </dgm:t>
+    </dgm:pt>
+    <dgm:pt modelId="{F647E95B-64CC-4594-A0DB-B0E1EC0E64EB}">
+      <dgm:prSet/>
+      <dgm:spPr/>
+      <dgm:t>
+        <a:bodyPr/>
+        <a:lstStyle/>
+        <a:p>
+          <a:r>
+            <a:rPr lang="en-CA" dirty="0"/>
+            <a:t>Reminder</a:t>
+          </a:r>
+        </a:p>
+      </dgm:t>
+    </dgm:pt>
+    <dgm:pt modelId="{8E608B2B-9A28-4CD6-8E3C-34E3CC282AF7}" type="parTrans" cxnId="{48EB9105-EA55-43CC-BFF3-20E92FA82C1D}">
+      <dgm:prSet/>
+      <dgm:spPr/>
+      <dgm:t>
+        <a:bodyPr/>
+        <a:lstStyle/>
+        <a:p>
+          <a:endParaRPr lang="en-CA"/>
+        </a:p>
+      </dgm:t>
+    </dgm:pt>
+    <dgm:pt modelId="{ABF74D81-785A-4AB2-B9FF-588D0983BD65}" type="sibTrans" cxnId="{48EB9105-EA55-43CC-BFF3-20E92FA82C1D}">
+      <dgm:prSet/>
+      <dgm:spPr/>
+      <dgm:t>
+        <a:bodyPr/>
+        <a:lstStyle/>
+        <a:p>
+          <a:endParaRPr lang="en-CA"/>
+        </a:p>
+      </dgm:t>
+    </dgm:pt>
+    <dgm:pt modelId="{60C40453-4EE8-45CB-A801-854BEFA70344}" type="pres">
+      <dgm:prSet presAssocID="{25545F77-70D8-4231-B205-EE8FF45E8AD1}" presName="diagram" presStyleCnt="0">
+        <dgm:presLayoutVars>
+          <dgm:chPref val="1"/>
+          <dgm:dir/>
+          <dgm:animOne val="branch"/>
+          <dgm:animLvl val="lvl"/>
+          <dgm:resizeHandles val="exact"/>
+        </dgm:presLayoutVars>
+      </dgm:prSet>
+      <dgm:spPr/>
+    </dgm:pt>
+    <dgm:pt modelId="{4FFF47DC-718C-4FC6-883B-0224D2811E81}" type="pres">
+      <dgm:prSet presAssocID="{E735FEA6-C505-4B72-8107-C2B0508B3430}" presName="root1" presStyleCnt="0"/>
+      <dgm:spPr/>
+    </dgm:pt>
+    <dgm:pt modelId="{EA11D590-036C-492B-B24A-F7B914484B79}" type="pres">
+      <dgm:prSet presAssocID="{E735FEA6-C505-4B72-8107-C2B0508B3430}" presName="LevelOneTextNode" presStyleLbl="node0" presStyleIdx="0" presStyleCnt="1">
+        <dgm:presLayoutVars>
+          <dgm:chPref val="3"/>
+        </dgm:presLayoutVars>
+      </dgm:prSet>
+      <dgm:spPr/>
+    </dgm:pt>
+    <dgm:pt modelId="{DE8F02CA-CFBF-49AF-9B56-B83FAF298EC5}" type="pres">
+      <dgm:prSet presAssocID="{E735FEA6-C505-4B72-8107-C2B0508B3430}" presName="level2hierChild" presStyleCnt="0"/>
+      <dgm:spPr/>
+    </dgm:pt>
+    <dgm:pt modelId="{0DF4385D-00C4-45E4-A91A-080CA1B0570E}" type="pres">
+      <dgm:prSet presAssocID="{47431F5B-7CE4-4E75-9740-4D7959C91DBF}" presName="conn2-1" presStyleLbl="parChTrans1D2" presStyleIdx="0" presStyleCnt="5"/>
+      <dgm:spPr/>
+    </dgm:pt>
+    <dgm:pt modelId="{7B8D9153-4780-4565-9C8B-1A6D3AFDE418}" type="pres">
+      <dgm:prSet presAssocID="{47431F5B-7CE4-4E75-9740-4D7959C91DBF}" presName="connTx" presStyleLbl="parChTrans1D2" presStyleIdx="0" presStyleCnt="5"/>
+      <dgm:spPr/>
+    </dgm:pt>
+    <dgm:pt modelId="{F67DCAF7-9FC5-4484-BC3E-1568802B89DF}" type="pres">
+      <dgm:prSet presAssocID="{8F7BBBE5-2497-4D25-B4AC-9B6506A7C250}" presName="root2" presStyleCnt="0"/>
+      <dgm:spPr/>
+    </dgm:pt>
+    <dgm:pt modelId="{CC2B1CE1-1C37-43E5-BB4B-E6BE4809D90D}" type="pres">
+      <dgm:prSet presAssocID="{8F7BBBE5-2497-4D25-B4AC-9B6506A7C250}" presName="LevelTwoTextNode" presStyleLbl="node2" presStyleIdx="0" presStyleCnt="5">
+        <dgm:presLayoutVars>
+          <dgm:chPref val="3"/>
+        </dgm:presLayoutVars>
+      </dgm:prSet>
+      <dgm:spPr/>
+    </dgm:pt>
+    <dgm:pt modelId="{28DAF0DB-ECDC-4579-9EE2-41348CF1F7FD}" type="pres">
+      <dgm:prSet presAssocID="{8F7BBBE5-2497-4D25-B4AC-9B6506A7C250}" presName="level3hierChild" presStyleCnt="0"/>
+      <dgm:spPr/>
+    </dgm:pt>
+    <dgm:pt modelId="{8C0A0BB2-1BD7-4C31-94C2-72771643DE5F}" type="pres">
+      <dgm:prSet presAssocID="{267C7ED4-351A-421D-9487-35D2594CB51F}" presName="conn2-1" presStyleLbl="parChTrans1D2" presStyleIdx="1" presStyleCnt="5"/>
+      <dgm:spPr/>
+    </dgm:pt>
+    <dgm:pt modelId="{33F02A9E-3261-43A6-9AE9-C9D4CE3B2AD9}" type="pres">
+      <dgm:prSet presAssocID="{267C7ED4-351A-421D-9487-35D2594CB51F}" presName="connTx" presStyleLbl="parChTrans1D2" presStyleIdx="1" presStyleCnt="5"/>
+      <dgm:spPr/>
+    </dgm:pt>
+    <dgm:pt modelId="{F1F2A8C6-892E-4441-AC0F-4696036626CB}" type="pres">
+      <dgm:prSet presAssocID="{44430D4F-C06A-4C99-9778-9B211EC17A87}" presName="root2" presStyleCnt="0"/>
+      <dgm:spPr/>
+    </dgm:pt>
+    <dgm:pt modelId="{3D8273C7-E89C-461C-B32C-E2C9A5444385}" type="pres">
+      <dgm:prSet presAssocID="{44430D4F-C06A-4C99-9778-9B211EC17A87}" presName="LevelTwoTextNode" presStyleLbl="node2" presStyleIdx="1" presStyleCnt="5">
+        <dgm:presLayoutVars>
+          <dgm:chPref val="3"/>
+        </dgm:presLayoutVars>
+      </dgm:prSet>
+      <dgm:spPr/>
+    </dgm:pt>
+    <dgm:pt modelId="{80327A0A-A98C-4CFA-B221-BEBF350297A1}" type="pres">
+      <dgm:prSet presAssocID="{44430D4F-C06A-4C99-9778-9B211EC17A87}" presName="level3hierChild" presStyleCnt="0"/>
+      <dgm:spPr/>
+    </dgm:pt>
+    <dgm:pt modelId="{778847D0-DC7A-4318-89A2-75D30A8E71BB}" type="pres">
+      <dgm:prSet presAssocID="{8AA385E0-4EC2-4CD7-8A6F-6235F3CBB70A}" presName="conn2-1" presStyleLbl="parChTrans1D2" presStyleIdx="2" presStyleCnt="5"/>
+      <dgm:spPr/>
+    </dgm:pt>
+    <dgm:pt modelId="{0EC30085-4C40-4439-806D-1754787A47CD}" type="pres">
+      <dgm:prSet presAssocID="{8AA385E0-4EC2-4CD7-8A6F-6235F3CBB70A}" presName="connTx" presStyleLbl="parChTrans1D2" presStyleIdx="2" presStyleCnt="5"/>
+      <dgm:spPr/>
+    </dgm:pt>
+    <dgm:pt modelId="{93D39E0F-605F-4E13-A591-337356223BDA}" type="pres">
+      <dgm:prSet presAssocID="{7DFEBEB7-9A59-49B0-A106-85B539E7956B}" presName="root2" presStyleCnt="0"/>
+      <dgm:spPr/>
+    </dgm:pt>
+    <dgm:pt modelId="{146CAC57-52F7-4326-A666-35DDD3551242}" type="pres">
+      <dgm:prSet presAssocID="{7DFEBEB7-9A59-49B0-A106-85B539E7956B}" presName="LevelTwoTextNode" presStyleLbl="node2" presStyleIdx="2" presStyleCnt="5">
+        <dgm:presLayoutVars>
+          <dgm:chPref val="3"/>
+        </dgm:presLayoutVars>
+      </dgm:prSet>
+      <dgm:spPr/>
+    </dgm:pt>
+    <dgm:pt modelId="{7B1D318B-36EB-43AA-9C42-424A29FBF450}" type="pres">
+      <dgm:prSet presAssocID="{7DFEBEB7-9A59-49B0-A106-85B539E7956B}" presName="level3hierChild" presStyleCnt="0"/>
+      <dgm:spPr/>
+    </dgm:pt>
+    <dgm:pt modelId="{EAD7378E-9A74-439E-8FD0-4B820EEF2DE7}" type="pres">
+      <dgm:prSet presAssocID="{B0148BD8-0E20-43B6-91DB-A360BCCBAC73}" presName="conn2-1" presStyleLbl="parChTrans1D2" presStyleIdx="3" presStyleCnt="5"/>
+      <dgm:spPr/>
+    </dgm:pt>
+    <dgm:pt modelId="{1D7D3EC0-02BB-41DC-AA2C-16277ECEBE8A}" type="pres">
+      <dgm:prSet presAssocID="{B0148BD8-0E20-43B6-91DB-A360BCCBAC73}" presName="connTx" presStyleLbl="parChTrans1D2" presStyleIdx="3" presStyleCnt="5"/>
+      <dgm:spPr/>
+    </dgm:pt>
+    <dgm:pt modelId="{2C2708B9-7977-435A-BEE3-56F3CBF163C3}" type="pres">
+      <dgm:prSet presAssocID="{F89C2665-CDA9-4EB8-80BB-DB6060706239}" presName="root2" presStyleCnt="0"/>
+      <dgm:spPr/>
+    </dgm:pt>
+    <dgm:pt modelId="{CCBD03A8-80C5-43C6-B3A7-5DCD2196E781}" type="pres">
+      <dgm:prSet presAssocID="{F89C2665-CDA9-4EB8-80BB-DB6060706239}" presName="LevelTwoTextNode" presStyleLbl="node2" presStyleIdx="3" presStyleCnt="5">
+        <dgm:presLayoutVars>
+          <dgm:chPref val="3"/>
+        </dgm:presLayoutVars>
+      </dgm:prSet>
+      <dgm:spPr/>
+    </dgm:pt>
+    <dgm:pt modelId="{8D1CD680-E0A3-427C-992A-2E99DE36F36B}" type="pres">
+      <dgm:prSet presAssocID="{F89C2665-CDA9-4EB8-80BB-DB6060706239}" presName="level3hierChild" presStyleCnt="0"/>
+      <dgm:spPr/>
+    </dgm:pt>
+    <dgm:pt modelId="{8E139D36-D9F2-406C-A145-A4BFD81918A7}" type="pres">
+      <dgm:prSet presAssocID="{8E608B2B-9A28-4CD6-8E3C-34E3CC282AF7}" presName="conn2-1" presStyleLbl="parChTrans1D2" presStyleIdx="4" presStyleCnt="5"/>
+      <dgm:spPr/>
+    </dgm:pt>
+    <dgm:pt modelId="{85506C99-DA17-4169-895F-6FD3E4622CEA}" type="pres">
+      <dgm:prSet presAssocID="{8E608B2B-9A28-4CD6-8E3C-34E3CC282AF7}" presName="connTx" presStyleLbl="parChTrans1D2" presStyleIdx="4" presStyleCnt="5"/>
+      <dgm:spPr/>
+    </dgm:pt>
+    <dgm:pt modelId="{1A39BB14-C29E-45B3-AC32-0CB39568E61C}" type="pres">
+      <dgm:prSet presAssocID="{F647E95B-64CC-4594-A0DB-B0E1EC0E64EB}" presName="root2" presStyleCnt="0"/>
+      <dgm:spPr/>
+    </dgm:pt>
+    <dgm:pt modelId="{7C618006-D255-4586-ABB2-4A14BA9F4905}" type="pres">
+      <dgm:prSet presAssocID="{F647E95B-64CC-4594-A0DB-B0E1EC0E64EB}" presName="LevelTwoTextNode" presStyleLbl="node2" presStyleIdx="4" presStyleCnt="5">
+        <dgm:presLayoutVars>
+          <dgm:chPref val="3"/>
+        </dgm:presLayoutVars>
+      </dgm:prSet>
+      <dgm:spPr/>
+    </dgm:pt>
+    <dgm:pt modelId="{999B0E55-274B-4B2E-9D14-7F6C353499D6}" type="pres">
+      <dgm:prSet presAssocID="{F647E95B-64CC-4594-A0DB-B0E1EC0E64EB}" presName="level3hierChild" presStyleCnt="0"/>
+      <dgm:spPr/>
+    </dgm:pt>
+  </dgm:ptLst>
+  <dgm:cxnLst>
+    <dgm:cxn modelId="{48EB9105-EA55-43CC-BFF3-20E92FA82C1D}" srcId="{E735FEA6-C505-4B72-8107-C2B0508B3430}" destId="{F647E95B-64CC-4594-A0DB-B0E1EC0E64EB}" srcOrd="4" destOrd="0" parTransId="{8E608B2B-9A28-4CD6-8E3C-34E3CC282AF7}" sibTransId="{ABF74D81-785A-4AB2-B9FF-588D0983BD65}"/>
+    <dgm:cxn modelId="{98E1EF05-900E-4D32-B1DE-7FDB873082EC}" type="presOf" srcId="{8E608B2B-9A28-4CD6-8E3C-34E3CC282AF7}" destId="{85506C99-DA17-4169-895F-6FD3E4622CEA}" srcOrd="1" destOrd="0" presId="urn:microsoft.com/office/officeart/2005/8/layout/hierarchy2"/>
+    <dgm:cxn modelId="{A92ABC0A-59EE-40BA-81E9-A751F3CAE8C8}" type="presOf" srcId="{8AA385E0-4EC2-4CD7-8A6F-6235F3CBB70A}" destId="{778847D0-DC7A-4318-89A2-75D30A8E71BB}" srcOrd="0" destOrd="0" presId="urn:microsoft.com/office/officeart/2005/8/layout/hierarchy2"/>
+    <dgm:cxn modelId="{A0992526-7183-4AE4-B556-AFBC6EF32063}" type="presOf" srcId="{B0148BD8-0E20-43B6-91DB-A360BCCBAC73}" destId="{1D7D3EC0-02BB-41DC-AA2C-16277ECEBE8A}" srcOrd="1" destOrd="0" presId="urn:microsoft.com/office/officeart/2005/8/layout/hierarchy2"/>
+    <dgm:cxn modelId="{99F43830-34AE-4583-BD6C-AB79AE9F54FB}" srcId="{E735FEA6-C505-4B72-8107-C2B0508B3430}" destId="{F89C2665-CDA9-4EB8-80BB-DB6060706239}" srcOrd="3" destOrd="0" parTransId="{B0148BD8-0E20-43B6-91DB-A360BCCBAC73}" sibTransId="{7AD5EDBC-B39E-4BA1-AE8F-ACFCA6DFEA5A}"/>
+    <dgm:cxn modelId="{E8536734-EC08-4EFC-80C5-FE6441A4D6F1}" srcId="{25545F77-70D8-4231-B205-EE8FF45E8AD1}" destId="{E735FEA6-C505-4B72-8107-C2B0508B3430}" srcOrd="0" destOrd="0" parTransId="{58F66E73-5265-4425-8E66-31999CECDB7C}" sibTransId="{AB2C4D4D-2028-438D-8E70-DD8127C5037B}"/>
+    <dgm:cxn modelId="{3CB50236-C58C-46AE-A90B-BB8C829077EF}" type="presOf" srcId="{267C7ED4-351A-421D-9487-35D2594CB51F}" destId="{33F02A9E-3261-43A6-9AE9-C9D4CE3B2AD9}" srcOrd="1" destOrd="0" presId="urn:microsoft.com/office/officeart/2005/8/layout/hierarchy2"/>
+    <dgm:cxn modelId="{E374253D-AD65-469F-B092-AC6D4C2EB028}" srcId="{E735FEA6-C505-4B72-8107-C2B0508B3430}" destId="{44430D4F-C06A-4C99-9778-9B211EC17A87}" srcOrd="1" destOrd="0" parTransId="{267C7ED4-351A-421D-9487-35D2594CB51F}" sibTransId="{A949BE13-19DF-4CE5-94A2-CE4F9C8C4D5F}"/>
+    <dgm:cxn modelId="{BD45F85E-EFA5-4A12-95F4-2BD278AE91A4}" type="presOf" srcId="{F647E95B-64CC-4594-A0DB-B0E1EC0E64EB}" destId="{7C618006-D255-4586-ABB2-4A14BA9F4905}" srcOrd="0" destOrd="0" presId="urn:microsoft.com/office/officeart/2005/8/layout/hierarchy2"/>
+    <dgm:cxn modelId="{47762345-4425-4A93-BEF5-64AA7FC79CD7}" type="presOf" srcId="{44430D4F-C06A-4C99-9778-9B211EC17A87}" destId="{3D8273C7-E89C-461C-B32C-E2C9A5444385}" srcOrd="0" destOrd="0" presId="urn:microsoft.com/office/officeart/2005/8/layout/hierarchy2"/>
+    <dgm:cxn modelId="{9C97766C-CABF-4AEC-BFAF-5FAFC8BAC8E0}" type="presOf" srcId="{267C7ED4-351A-421D-9487-35D2594CB51F}" destId="{8C0A0BB2-1BD7-4C31-94C2-72771643DE5F}" srcOrd="0" destOrd="0" presId="urn:microsoft.com/office/officeart/2005/8/layout/hierarchy2"/>
+    <dgm:cxn modelId="{A545D84C-43EC-46F7-B6B9-EDC0BA1A1CD0}" type="presOf" srcId="{8AA385E0-4EC2-4CD7-8A6F-6235F3CBB70A}" destId="{0EC30085-4C40-4439-806D-1754787A47CD}" srcOrd="1" destOrd="0" presId="urn:microsoft.com/office/officeart/2005/8/layout/hierarchy2"/>
+    <dgm:cxn modelId="{8A127C57-ACDC-4F72-A28A-46019EC19D7E}" type="presOf" srcId="{7DFEBEB7-9A59-49B0-A106-85B539E7956B}" destId="{146CAC57-52F7-4326-A666-35DDD3551242}" srcOrd="0" destOrd="0" presId="urn:microsoft.com/office/officeart/2005/8/layout/hierarchy2"/>
+    <dgm:cxn modelId="{5A8D7E86-929E-4E5D-95CE-BDEDF46FD867}" type="presOf" srcId="{B0148BD8-0E20-43B6-91DB-A360BCCBAC73}" destId="{EAD7378E-9A74-439E-8FD0-4B820EEF2DE7}" srcOrd="0" destOrd="0" presId="urn:microsoft.com/office/officeart/2005/8/layout/hierarchy2"/>
+    <dgm:cxn modelId="{794A4187-2613-4C7A-83A8-27CF9D0338E5}" type="presOf" srcId="{25545F77-70D8-4231-B205-EE8FF45E8AD1}" destId="{60C40453-4EE8-45CB-A801-854BEFA70344}" srcOrd="0" destOrd="0" presId="urn:microsoft.com/office/officeart/2005/8/layout/hierarchy2"/>
+    <dgm:cxn modelId="{71573796-6E5C-44BA-BB4E-E8BEE3D6038C}" srcId="{E735FEA6-C505-4B72-8107-C2B0508B3430}" destId="{7DFEBEB7-9A59-49B0-A106-85B539E7956B}" srcOrd="2" destOrd="0" parTransId="{8AA385E0-4EC2-4CD7-8A6F-6235F3CBB70A}" sibTransId="{BD1EF025-7CCE-4E42-AC71-B29947EA69CD}"/>
+    <dgm:cxn modelId="{8AB93E9C-02E1-4B37-9543-1855ED8BD1D3}" type="presOf" srcId="{47431F5B-7CE4-4E75-9740-4D7959C91DBF}" destId="{0DF4385D-00C4-45E4-A91A-080CA1B0570E}" srcOrd="0" destOrd="0" presId="urn:microsoft.com/office/officeart/2005/8/layout/hierarchy2"/>
+    <dgm:cxn modelId="{B7CE399E-237A-413C-BFAF-33D72C128767}" type="presOf" srcId="{8F7BBBE5-2497-4D25-B4AC-9B6506A7C250}" destId="{CC2B1CE1-1C37-43E5-BB4B-E6BE4809D90D}" srcOrd="0" destOrd="0" presId="urn:microsoft.com/office/officeart/2005/8/layout/hierarchy2"/>
+    <dgm:cxn modelId="{65CC25A7-B196-401A-BF2D-411309125AA6}" type="presOf" srcId="{47431F5B-7CE4-4E75-9740-4D7959C91DBF}" destId="{7B8D9153-4780-4565-9C8B-1A6D3AFDE418}" srcOrd="1" destOrd="0" presId="urn:microsoft.com/office/officeart/2005/8/layout/hierarchy2"/>
+    <dgm:cxn modelId="{876096BB-75B0-41BA-B307-9ED4B2F6211F}" type="presOf" srcId="{8E608B2B-9A28-4CD6-8E3C-34E3CC282AF7}" destId="{8E139D36-D9F2-406C-A145-A4BFD81918A7}" srcOrd="0" destOrd="0" presId="urn:microsoft.com/office/officeart/2005/8/layout/hierarchy2"/>
+    <dgm:cxn modelId="{8EDB7CD9-07AD-470E-B1EB-6133FAC1C930}" type="presOf" srcId="{E735FEA6-C505-4B72-8107-C2B0508B3430}" destId="{EA11D590-036C-492B-B24A-F7B914484B79}" srcOrd="0" destOrd="0" presId="urn:microsoft.com/office/officeart/2005/8/layout/hierarchy2"/>
+    <dgm:cxn modelId="{806D2AE4-087A-4D87-922F-D2EE0F1C94E3}" type="presOf" srcId="{F89C2665-CDA9-4EB8-80BB-DB6060706239}" destId="{CCBD03A8-80C5-43C6-B3A7-5DCD2196E781}" srcOrd="0" destOrd="0" presId="urn:microsoft.com/office/officeart/2005/8/layout/hierarchy2"/>
+    <dgm:cxn modelId="{DFB626EB-1823-44A6-8FC2-BE82C3354EB3}" srcId="{E735FEA6-C505-4B72-8107-C2B0508B3430}" destId="{8F7BBBE5-2497-4D25-B4AC-9B6506A7C250}" srcOrd="0" destOrd="0" parTransId="{47431F5B-7CE4-4E75-9740-4D7959C91DBF}" sibTransId="{66021A26-99F0-4D09-92C1-EAF8DAACD585}"/>
+    <dgm:cxn modelId="{BE150B28-3F4B-4096-B3F0-2444CD6EF8BC}" type="presParOf" srcId="{60C40453-4EE8-45CB-A801-854BEFA70344}" destId="{4FFF47DC-718C-4FC6-883B-0224D2811E81}" srcOrd="0" destOrd="0" presId="urn:microsoft.com/office/officeart/2005/8/layout/hierarchy2"/>
+    <dgm:cxn modelId="{E7F91BAF-BA57-4497-BD78-BFFD049C19DF}" type="presParOf" srcId="{4FFF47DC-718C-4FC6-883B-0224D2811E81}" destId="{EA11D590-036C-492B-B24A-F7B914484B79}" srcOrd="0" destOrd="0" presId="urn:microsoft.com/office/officeart/2005/8/layout/hierarchy2"/>
+    <dgm:cxn modelId="{7FC9E50E-E8BF-420A-8529-8776EAD96D3E}" type="presParOf" srcId="{4FFF47DC-718C-4FC6-883B-0224D2811E81}" destId="{DE8F02CA-CFBF-49AF-9B56-B83FAF298EC5}" srcOrd="1" destOrd="0" presId="urn:microsoft.com/office/officeart/2005/8/layout/hierarchy2"/>
+    <dgm:cxn modelId="{055889BA-7CF8-4F81-8F73-D9138F44C67A}" type="presParOf" srcId="{DE8F02CA-CFBF-49AF-9B56-B83FAF298EC5}" destId="{0DF4385D-00C4-45E4-A91A-080CA1B0570E}" srcOrd="0" destOrd="0" presId="urn:microsoft.com/office/officeart/2005/8/layout/hierarchy2"/>
+    <dgm:cxn modelId="{F2ECD15A-47BD-4A0F-8F5D-231E4F1EBED6}" type="presParOf" srcId="{0DF4385D-00C4-45E4-A91A-080CA1B0570E}" destId="{7B8D9153-4780-4565-9C8B-1A6D3AFDE418}" srcOrd="0" destOrd="0" presId="urn:microsoft.com/office/officeart/2005/8/layout/hierarchy2"/>
+    <dgm:cxn modelId="{5F9CD611-7A87-424A-8EC4-146430095A25}" type="presParOf" srcId="{DE8F02CA-CFBF-49AF-9B56-B83FAF298EC5}" destId="{F67DCAF7-9FC5-4484-BC3E-1568802B89DF}" srcOrd="1" destOrd="0" presId="urn:microsoft.com/office/officeart/2005/8/layout/hierarchy2"/>
+    <dgm:cxn modelId="{C06814E9-1E99-452C-8F0C-88A6162BB94A}" type="presParOf" srcId="{F67DCAF7-9FC5-4484-BC3E-1568802B89DF}" destId="{CC2B1CE1-1C37-43E5-BB4B-E6BE4809D90D}" srcOrd="0" destOrd="0" presId="urn:microsoft.com/office/officeart/2005/8/layout/hierarchy2"/>
+    <dgm:cxn modelId="{4CB3FA7A-D98B-49D0-9317-23EC0CEB4B7A}" type="presParOf" srcId="{F67DCAF7-9FC5-4484-BC3E-1568802B89DF}" destId="{28DAF0DB-ECDC-4579-9EE2-41348CF1F7FD}" srcOrd="1" destOrd="0" presId="urn:microsoft.com/office/officeart/2005/8/layout/hierarchy2"/>
+    <dgm:cxn modelId="{452E1D74-2BC6-47CD-9FAF-8FEFD9100005}" type="presParOf" srcId="{DE8F02CA-CFBF-49AF-9B56-B83FAF298EC5}" destId="{8C0A0BB2-1BD7-4C31-94C2-72771643DE5F}" srcOrd="2" destOrd="0" presId="urn:microsoft.com/office/officeart/2005/8/layout/hierarchy2"/>
+    <dgm:cxn modelId="{853FC937-3AE1-4F71-882A-F78CFD9DDD22}" type="presParOf" srcId="{8C0A0BB2-1BD7-4C31-94C2-72771643DE5F}" destId="{33F02A9E-3261-43A6-9AE9-C9D4CE3B2AD9}" srcOrd="0" destOrd="0" presId="urn:microsoft.com/office/officeart/2005/8/layout/hierarchy2"/>
+    <dgm:cxn modelId="{8C8E96B1-AC1D-4B55-B399-39B9BA48FACC}" type="presParOf" srcId="{DE8F02CA-CFBF-49AF-9B56-B83FAF298EC5}" destId="{F1F2A8C6-892E-4441-AC0F-4696036626CB}" srcOrd="3" destOrd="0" presId="urn:microsoft.com/office/officeart/2005/8/layout/hierarchy2"/>
+    <dgm:cxn modelId="{805E1CC5-FFA5-4219-A3D7-2B424947C7C9}" type="presParOf" srcId="{F1F2A8C6-892E-4441-AC0F-4696036626CB}" destId="{3D8273C7-E89C-461C-B32C-E2C9A5444385}" srcOrd="0" destOrd="0" presId="urn:microsoft.com/office/officeart/2005/8/layout/hierarchy2"/>
+    <dgm:cxn modelId="{7660FB9E-4C38-4D0C-BCFA-33F39ED3784C}" type="presParOf" srcId="{F1F2A8C6-892E-4441-AC0F-4696036626CB}" destId="{80327A0A-A98C-4CFA-B221-BEBF350297A1}" srcOrd="1" destOrd="0" presId="urn:microsoft.com/office/officeart/2005/8/layout/hierarchy2"/>
+    <dgm:cxn modelId="{B963A462-9E1D-42BC-9789-1A58E627AC05}" type="presParOf" srcId="{DE8F02CA-CFBF-49AF-9B56-B83FAF298EC5}" destId="{778847D0-DC7A-4318-89A2-75D30A8E71BB}" srcOrd="4" destOrd="0" presId="urn:microsoft.com/office/officeart/2005/8/layout/hierarchy2"/>
+    <dgm:cxn modelId="{5E9BBA1E-DF56-4BBD-BC9D-422110335A60}" type="presParOf" srcId="{778847D0-DC7A-4318-89A2-75D30A8E71BB}" destId="{0EC30085-4C40-4439-806D-1754787A47CD}" srcOrd="0" destOrd="0" presId="urn:microsoft.com/office/officeart/2005/8/layout/hierarchy2"/>
+    <dgm:cxn modelId="{2A4BA1F3-1637-4803-BDE9-63530B23B3A7}" type="presParOf" srcId="{DE8F02CA-CFBF-49AF-9B56-B83FAF298EC5}" destId="{93D39E0F-605F-4E13-A591-337356223BDA}" srcOrd="5" destOrd="0" presId="urn:microsoft.com/office/officeart/2005/8/layout/hierarchy2"/>
+    <dgm:cxn modelId="{D28675AD-2748-4063-8E19-F9B1AA02B67D}" type="presParOf" srcId="{93D39E0F-605F-4E13-A591-337356223BDA}" destId="{146CAC57-52F7-4326-A666-35DDD3551242}" srcOrd="0" destOrd="0" presId="urn:microsoft.com/office/officeart/2005/8/layout/hierarchy2"/>
+    <dgm:cxn modelId="{0199FD95-7B74-46D1-8E53-0968E0F47569}" type="presParOf" srcId="{93D39E0F-605F-4E13-A591-337356223BDA}" destId="{7B1D318B-36EB-43AA-9C42-424A29FBF450}" srcOrd="1" destOrd="0" presId="urn:microsoft.com/office/officeart/2005/8/layout/hierarchy2"/>
+    <dgm:cxn modelId="{4C5FCB1A-014F-4B2A-90E9-F471D87019B7}" type="presParOf" srcId="{DE8F02CA-CFBF-49AF-9B56-B83FAF298EC5}" destId="{EAD7378E-9A74-439E-8FD0-4B820EEF2DE7}" srcOrd="6" destOrd="0" presId="urn:microsoft.com/office/officeart/2005/8/layout/hierarchy2"/>
+    <dgm:cxn modelId="{97FD0984-8590-4C4B-9054-096083ABF127}" type="presParOf" srcId="{EAD7378E-9A74-439E-8FD0-4B820EEF2DE7}" destId="{1D7D3EC0-02BB-41DC-AA2C-16277ECEBE8A}" srcOrd="0" destOrd="0" presId="urn:microsoft.com/office/officeart/2005/8/layout/hierarchy2"/>
+    <dgm:cxn modelId="{32D861C7-0E03-4CF5-840B-0B2586527F16}" type="presParOf" srcId="{DE8F02CA-CFBF-49AF-9B56-B83FAF298EC5}" destId="{2C2708B9-7977-435A-BEE3-56F3CBF163C3}" srcOrd="7" destOrd="0" presId="urn:microsoft.com/office/officeart/2005/8/layout/hierarchy2"/>
+    <dgm:cxn modelId="{92ADB9B2-126A-43C6-9A1E-129D348EA987}" type="presParOf" srcId="{2C2708B9-7977-435A-BEE3-56F3CBF163C3}" destId="{CCBD03A8-80C5-43C6-B3A7-5DCD2196E781}" srcOrd="0" destOrd="0" presId="urn:microsoft.com/office/officeart/2005/8/layout/hierarchy2"/>
+    <dgm:cxn modelId="{6BA567D7-6801-4FE2-9630-1C2F48CDA3E5}" type="presParOf" srcId="{2C2708B9-7977-435A-BEE3-56F3CBF163C3}" destId="{8D1CD680-E0A3-427C-992A-2E99DE36F36B}" srcOrd="1" destOrd="0" presId="urn:microsoft.com/office/officeart/2005/8/layout/hierarchy2"/>
+    <dgm:cxn modelId="{854BF08E-4702-476D-B220-BCF842E9EC2A}" type="presParOf" srcId="{DE8F02CA-CFBF-49AF-9B56-B83FAF298EC5}" destId="{8E139D36-D9F2-406C-A145-A4BFD81918A7}" srcOrd="8" destOrd="0" presId="urn:microsoft.com/office/officeart/2005/8/layout/hierarchy2"/>
+    <dgm:cxn modelId="{4EF5B8C1-1E87-4047-BA40-2995DC3C2014}" type="presParOf" srcId="{8E139D36-D9F2-406C-A145-A4BFD81918A7}" destId="{85506C99-DA17-4169-895F-6FD3E4622CEA}" srcOrd="0" destOrd="0" presId="urn:microsoft.com/office/officeart/2005/8/layout/hierarchy2"/>
+    <dgm:cxn modelId="{F7999B33-8B99-40E7-B3E2-5F8C78FBF29A}" type="presParOf" srcId="{DE8F02CA-CFBF-49AF-9B56-B83FAF298EC5}" destId="{1A39BB14-C29E-45B3-AC32-0CB39568E61C}" srcOrd="9" destOrd="0" presId="urn:microsoft.com/office/officeart/2005/8/layout/hierarchy2"/>
+    <dgm:cxn modelId="{96AE20E7-BC52-4291-8A01-148035CCEF09}" type="presParOf" srcId="{1A39BB14-C29E-45B3-AC32-0CB39568E61C}" destId="{7C618006-D255-4586-ABB2-4A14BA9F4905}" srcOrd="0" destOrd="0" presId="urn:microsoft.com/office/officeart/2005/8/layout/hierarchy2"/>
+    <dgm:cxn modelId="{B8739E61-231B-4BD0-9A2F-983B889A1471}" type="presParOf" srcId="{1A39BB14-C29E-45B3-AC32-0CB39568E61C}" destId="{999B0E55-274B-4B2E-9D14-7F6C353499D6}" srcOrd="1" destOrd="0" presId="urn:microsoft.com/office/officeart/2005/8/layout/hierarchy2"/>
+  </dgm:cxnLst>
+  <dgm:bg/>
+  <dgm:whole/>
+  <dgm:extLst>
+    <a:ext uri="http://schemas.microsoft.com/office/drawing/2008/diagram">
+      <dsp:dataModelExt xmlns:dsp="http://schemas.microsoft.com/office/drawing/2008/diagram" relId="rId6" minVer="http://schemas.openxmlformats.org/drawingml/2006/diagram"/>
+    </a:ext>
+  </dgm:extLst>
+</dgm:dataModel>
+</file>
+
+<file path=ppt/diagrams/drawing1.xml><?xml version="1.0" encoding="utf-8"?>
+<dsp:drawing xmlns:dgm="http://schemas.openxmlformats.org/drawingml/2006/diagram" xmlns:dsp="http://schemas.microsoft.com/office/drawing/2008/diagram" xmlns:a="http://schemas.openxmlformats.org/drawingml/2006/main">
+  <dsp:spTree>
+    <dsp:nvGrpSpPr>
+      <dsp:cNvPr id="0" name=""/>
+      <dsp:cNvGrpSpPr/>
+    </dsp:nvGrpSpPr>
+    <dsp:grpSpPr/>
+    <dsp:sp modelId="{EA11D590-036C-492B-B24A-F7B914484B79}">
+      <dsp:nvSpPr>
+        <dsp:cNvPr id="0" name=""/>
+        <dsp:cNvSpPr/>
+      </dsp:nvSpPr>
+      <dsp:spPr>
+        <a:xfrm>
+          <a:off x="4810172" y="2488382"/>
+          <a:ext cx="2162268" cy="1081134"/>
+        </a:xfrm>
+        <a:prstGeom prst="roundRect">
+          <a:avLst>
+            <a:gd name="adj" fmla="val 10000"/>
+          </a:avLst>
+        </a:prstGeom>
+        <a:solidFill>
+          <a:schemeClr val="accent1">
+            <a:hueOff val="0"/>
+            <a:satOff val="0"/>
+            <a:lumOff val="0"/>
+            <a:alphaOff val="0"/>
+          </a:schemeClr>
+        </a:solidFill>
+        <a:ln w="19050" cap="flat" cmpd="sng" algn="ctr">
+          <a:solidFill>
+            <a:schemeClr val="lt1">
+              <a:hueOff val="0"/>
+              <a:satOff val="0"/>
+              <a:lumOff val="0"/>
+              <a:alphaOff val="0"/>
+            </a:schemeClr>
+          </a:solidFill>
+          <a:prstDash val="solid"/>
+        </a:ln>
+        <a:effectLst/>
+      </dsp:spPr>
+      <dsp:style>
+        <a:lnRef idx="2">
+          <a:scrgbClr r="0" g="0" b="0"/>
+        </a:lnRef>
+        <a:fillRef idx="1">
+          <a:scrgbClr r="0" g="0" b="0"/>
+        </a:fillRef>
+        <a:effectRef idx="0">
+          <a:scrgbClr r="0" g="0" b="0"/>
+        </a:effectRef>
+        <a:fontRef idx="minor">
+          <a:schemeClr val="lt1"/>
+        </a:fontRef>
+      </dsp:style>
+      <dsp:txBody>
+        <a:bodyPr spcFirstLastPara="0" vert="horz" wrap="square" lIns="15875" tIns="15875" rIns="15875" bIns="15875" numCol="1" spcCol="1270" anchor="ctr" anchorCtr="0">
+          <a:noAutofit/>
+        </a:bodyPr>
+        <a:lstStyle/>
+        <a:p>
+          <a:pPr marL="0" lvl="0" indent="0" algn="ctr" defTabSz="1111250">
+            <a:lnSpc>
+              <a:spcPct val="90000"/>
+            </a:lnSpc>
+            <a:spcBef>
+              <a:spcPct val="0"/>
+            </a:spcBef>
+            <a:spcAft>
+              <a:spcPct val="35000"/>
+            </a:spcAft>
+            <a:buNone/>
+          </a:pPr>
+          <a:r>
+            <a:rPr lang="en-CA" sz="2500" kern="1200"/>
+            <a:t>ScheduledItem </a:t>
+          </a:r>
+          <a:endParaRPr lang="en-CA" sz="2500" kern="1200" dirty="0"/>
+        </a:p>
+      </dsp:txBody>
+      <dsp:txXfrm>
+        <a:off x="4841837" y="2520047"/>
+        <a:ext cx="2098938" cy="1017804"/>
+      </dsp:txXfrm>
+    </dsp:sp>
+    <dsp:sp modelId="{0DF4385D-00C4-45E4-A91A-080CA1B0570E}">
+      <dsp:nvSpPr>
+        <dsp:cNvPr id="0" name=""/>
+        <dsp:cNvSpPr/>
+      </dsp:nvSpPr>
+      <dsp:spPr>
+        <a:xfrm rot="17350740">
+          <a:off x="6088527" y="1769583"/>
+          <a:ext cx="2632733" cy="32124"/>
+        </a:xfrm>
+        <a:custGeom>
+          <a:avLst/>
+          <a:gdLst/>
+          <a:ahLst/>
+          <a:cxnLst/>
+          <a:rect l="0" t="0" r="0" b="0"/>
+          <a:pathLst>
+            <a:path>
+              <a:moveTo>
+                <a:pt x="0" y="16062"/>
+              </a:moveTo>
+              <a:lnTo>
+                <a:pt x="2632733" y="16062"/>
+              </a:lnTo>
+            </a:path>
+          </a:pathLst>
+        </a:custGeom>
+        <a:noFill/>
+        <a:ln w="19050" cap="flat" cmpd="sng" algn="ctr">
+          <a:solidFill>
+            <a:schemeClr val="accent1">
+              <a:shade val="60000"/>
+              <a:hueOff val="0"/>
+              <a:satOff val="0"/>
+              <a:lumOff val="0"/>
+              <a:alphaOff val="0"/>
+            </a:schemeClr>
+          </a:solidFill>
+          <a:prstDash val="solid"/>
+        </a:ln>
+        <a:effectLst/>
+      </dsp:spPr>
+      <dsp:style>
+        <a:lnRef idx="2">
+          <a:scrgbClr r="0" g="0" b="0"/>
+        </a:lnRef>
+        <a:fillRef idx="0">
+          <a:scrgbClr r="0" g="0" b="0"/>
+        </a:fillRef>
+        <a:effectRef idx="0">
+          <a:scrgbClr r="0" g="0" b="0"/>
+        </a:effectRef>
+        <a:fontRef idx="minor"/>
+      </dsp:style>
+      <dsp:txBody>
+        <a:bodyPr spcFirstLastPara="0" vert="horz" wrap="square" lIns="12700" tIns="0" rIns="12700" bIns="0" numCol="1" spcCol="1270" anchor="ctr" anchorCtr="0">
+          <a:noAutofit/>
+        </a:bodyPr>
+        <a:lstStyle/>
+        <a:p>
+          <a:pPr marL="0" lvl="0" indent="0" algn="ctr" defTabSz="400050">
+            <a:lnSpc>
+              <a:spcPct val="90000"/>
+            </a:lnSpc>
+            <a:spcBef>
+              <a:spcPct val="0"/>
+            </a:spcBef>
+            <a:spcAft>
+              <a:spcPct val="35000"/>
+            </a:spcAft>
+            <a:buNone/>
+          </a:pPr>
+          <a:endParaRPr lang="en-CA" sz="900" kern="1200"/>
+        </a:p>
+      </dsp:txBody>
+      <dsp:txXfrm>
+        <a:off x="7339075" y="1719827"/>
+        <a:ext cx="131636" cy="131636"/>
+      </dsp:txXfrm>
+    </dsp:sp>
+    <dsp:sp modelId="{CC2B1CE1-1C37-43E5-BB4B-E6BE4809D90D}">
+      <dsp:nvSpPr>
+        <dsp:cNvPr id="0" name=""/>
+        <dsp:cNvSpPr/>
+      </dsp:nvSpPr>
+      <dsp:spPr>
+        <a:xfrm>
+          <a:off x="7837347" y="1774"/>
+          <a:ext cx="2162268" cy="1081134"/>
+        </a:xfrm>
+        <a:prstGeom prst="roundRect">
+          <a:avLst>
+            <a:gd name="adj" fmla="val 10000"/>
+          </a:avLst>
+        </a:prstGeom>
+        <a:solidFill>
+          <a:schemeClr val="accent1">
+            <a:hueOff val="0"/>
+            <a:satOff val="0"/>
+            <a:lumOff val="0"/>
+            <a:alphaOff val="0"/>
+          </a:schemeClr>
+        </a:solidFill>
+        <a:ln w="19050" cap="flat" cmpd="sng" algn="ctr">
+          <a:solidFill>
+            <a:schemeClr val="lt1">
+              <a:hueOff val="0"/>
+              <a:satOff val="0"/>
+              <a:lumOff val="0"/>
+              <a:alphaOff val="0"/>
+            </a:schemeClr>
+          </a:solidFill>
+          <a:prstDash val="solid"/>
+        </a:ln>
+        <a:effectLst/>
+      </dsp:spPr>
+      <dsp:style>
+        <a:lnRef idx="2">
+          <a:scrgbClr r="0" g="0" b="0"/>
+        </a:lnRef>
+        <a:fillRef idx="1">
+          <a:scrgbClr r="0" g="0" b="0"/>
+        </a:fillRef>
+        <a:effectRef idx="0">
+          <a:scrgbClr r="0" g="0" b="0"/>
+        </a:effectRef>
+        <a:fontRef idx="minor">
+          <a:schemeClr val="lt1"/>
+        </a:fontRef>
+      </dsp:style>
+      <dsp:txBody>
+        <a:bodyPr spcFirstLastPara="0" vert="horz" wrap="square" lIns="15875" tIns="15875" rIns="15875" bIns="15875" numCol="1" spcCol="1270" anchor="ctr" anchorCtr="0">
+          <a:noAutofit/>
+        </a:bodyPr>
+        <a:lstStyle/>
+        <a:p>
+          <a:pPr marL="0" lvl="0" indent="0" algn="ctr" defTabSz="1111250">
+            <a:lnSpc>
+              <a:spcPct val="90000"/>
+            </a:lnSpc>
+            <a:spcBef>
+              <a:spcPct val="0"/>
+            </a:spcBef>
+            <a:spcAft>
+              <a:spcPct val="35000"/>
+            </a:spcAft>
+            <a:buNone/>
+          </a:pPr>
+          <a:r>
+            <a:rPr lang="en-CA" sz="2500" kern="1200"/>
+            <a:t>Task</a:t>
+          </a:r>
+          <a:endParaRPr lang="en-CA" sz="2500" kern="1200" dirty="0"/>
+        </a:p>
+      </dsp:txBody>
+      <dsp:txXfrm>
+        <a:off x="7869012" y="33439"/>
+        <a:ext cx="2098938" cy="1017804"/>
+      </dsp:txXfrm>
+    </dsp:sp>
+    <dsp:sp modelId="{8C0A0BB2-1BD7-4C31-94C2-72771643DE5F}">
+      <dsp:nvSpPr>
+        <dsp:cNvPr id="0" name=""/>
+        <dsp:cNvSpPr/>
+      </dsp:nvSpPr>
+      <dsp:spPr>
+        <a:xfrm rot="18289469">
+          <a:off x="6647617" y="2391235"/>
+          <a:ext cx="1514552" cy="32124"/>
+        </a:xfrm>
+        <a:custGeom>
+          <a:avLst/>
+          <a:gdLst/>
+          <a:ahLst/>
+          <a:cxnLst/>
+          <a:rect l="0" t="0" r="0" b="0"/>
+          <a:pathLst>
+            <a:path>
+              <a:moveTo>
+                <a:pt x="0" y="16062"/>
+              </a:moveTo>
+              <a:lnTo>
+                <a:pt x="1514552" y="16062"/>
+              </a:lnTo>
+            </a:path>
+          </a:pathLst>
+        </a:custGeom>
+        <a:noFill/>
+        <a:ln w="19050" cap="flat" cmpd="sng" algn="ctr">
+          <a:solidFill>
+            <a:schemeClr val="accent1">
+              <a:shade val="60000"/>
+              <a:hueOff val="0"/>
+              <a:satOff val="0"/>
+              <a:lumOff val="0"/>
+              <a:alphaOff val="0"/>
+            </a:schemeClr>
+          </a:solidFill>
+          <a:prstDash val="solid"/>
+        </a:ln>
+        <a:effectLst/>
+      </dsp:spPr>
+      <dsp:style>
+        <a:lnRef idx="2">
+          <a:scrgbClr r="0" g="0" b="0"/>
+        </a:lnRef>
+        <a:fillRef idx="0">
+          <a:scrgbClr r="0" g="0" b="0"/>
+        </a:fillRef>
+        <a:effectRef idx="0">
+          <a:scrgbClr r="0" g="0" b="0"/>
+        </a:effectRef>
+        <a:fontRef idx="minor"/>
+      </dsp:style>
+      <dsp:txBody>
+        <a:bodyPr spcFirstLastPara="0" vert="horz" wrap="square" lIns="12700" tIns="0" rIns="12700" bIns="0" numCol="1" spcCol="1270" anchor="ctr" anchorCtr="0">
+          <a:noAutofit/>
+        </a:bodyPr>
+        <a:lstStyle/>
+        <a:p>
+          <a:pPr marL="0" lvl="0" indent="0" algn="ctr" defTabSz="222250">
+            <a:lnSpc>
+              <a:spcPct val="90000"/>
+            </a:lnSpc>
+            <a:spcBef>
+              <a:spcPct val="0"/>
+            </a:spcBef>
+            <a:spcAft>
+              <a:spcPct val="35000"/>
+            </a:spcAft>
+            <a:buNone/>
+          </a:pPr>
+          <a:endParaRPr lang="en-CA" sz="500" kern="1200"/>
+        </a:p>
+      </dsp:txBody>
+      <dsp:txXfrm>
+        <a:off x="7367030" y="2369434"/>
+        <a:ext cx="75727" cy="75727"/>
+      </dsp:txXfrm>
+    </dsp:sp>
+    <dsp:sp modelId="{3D8273C7-E89C-461C-B32C-E2C9A5444385}">
+      <dsp:nvSpPr>
+        <dsp:cNvPr id="0" name=""/>
+        <dsp:cNvSpPr/>
+      </dsp:nvSpPr>
+      <dsp:spPr>
+        <a:xfrm>
+          <a:off x="7837347" y="1245078"/>
+          <a:ext cx="2162268" cy="1081134"/>
+        </a:xfrm>
+        <a:prstGeom prst="roundRect">
+          <a:avLst>
+            <a:gd name="adj" fmla="val 10000"/>
+          </a:avLst>
+        </a:prstGeom>
+        <a:solidFill>
+          <a:schemeClr val="accent1">
+            <a:hueOff val="0"/>
+            <a:satOff val="0"/>
+            <a:lumOff val="0"/>
+            <a:alphaOff val="0"/>
+          </a:schemeClr>
+        </a:solidFill>
+        <a:ln w="19050" cap="flat" cmpd="sng" algn="ctr">
+          <a:solidFill>
+            <a:schemeClr val="lt1">
+              <a:hueOff val="0"/>
+              <a:satOff val="0"/>
+              <a:lumOff val="0"/>
+              <a:alphaOff val="0"/>
+            </a:schemeClr>
+          </a:solidFill>
+          <a:prstDash val="solid"/>
+        </a:ln>
+        <a:effectLst/>
+      </dsp:spPr>
+      <dsp:style>
+        <a:lnRef idx="2">
+          <a:scrgbClr r="0" g="0" b="0"/>
+        </a:lnRef>
+        <a:fillRef idx="1">
+          <a:scrgbClr r="0" g="0" b="0"/>
+        </a:fillRef>
+        <a:effectRef idx="0">
+          <a:scrgbClr r="0" g="0" b="0"/>
+        </a:effectRef>
+        <a:fontRef idx="minor">
+          <a:schemeClr val="lt1"/>
+        </a:fontRef>
+      </dsp:style>
+      <dsp:txBody>
+        <a:bodyPr spcFirstLastPara="0" vert="horz" wrap="square" lIns="15875" tIns="15875" rIns="15875" bIns="15875" numCol="1" spcCol="1270" anchor="ctr" anchorCtr="0">
+          <a:noAutofit/>
+        </a:bodyPr>
+        <a:lstStyle/>
+        <a:p>
+          <a:pPr marL="0" lvl="0" indent="0" algn="ctr" defTabSz="1111250">
+            <a:lnSpc>
+              <a:spcPct val="90000"/>
+            </a:lnSpc>
+            <a:spcBef>
+              <a:spcPct val="0"/>
+            </a:spcBef>
+            <a:spcAft>
+              <a:spcPct val="35000"/>
+            </a:spcAft>
+            <a:buNone/>
+          </a:pPr>
+          <a:r>
+            <a:rPr lang="en-CA" sz="2500" kern="1200" dirty="0"/>
+            <a:t>Checklist</a:t>
+          </a:r>
+        </a:p>
+      </dsp:txBody>
+      <dsp:txXfrm>
+        <a:off x="7869012" y="1276743"/>
+        <a:ext cx="2098938" cy="1017804"/>
+      </dsp:txXfrm>
+    </dsp:sp>
+    <dsp:sp modelId="{778847D0-DC7A-4318-89A2-75D30A8E71BB}">
+      <dsp:nvSpPr>
+        <dsp:cNvPr id="0" name=""/>
+        <dsp:cNvSpPr/>
+      </dsp:nvSpPr>
+      <dsp:spPr>
+        <a:xfrm>
+          <a:off x="6972440" y="3012887"/>
+          <a:ext cx="864907" cy="32124"/>
+        </a:xfrm>
+        <a:custGeom>
+          <a:avLst/>
+          <a:gdLst/>
+          <a:ahLst/>
+          <a:cxnLst/>
+          <a:rect l="0" t="0" r="0" b="0"/>
+          <a:pathLst>
+            <a:path>
+              <a:moveTo>
+                <a:pt x="0" y="16062"/>
+              </a:moveTo>
+              <a:lnTo>
+                <a:pt x="864907" y="16062"/>
+              </a:lnTo>
+            </a:path>
+          </a:pathLst>
+        </a:custGeom>
+        <a:noFill/>
+        <a:ln w="19050" cap="flat" cmpd="sng" algn="ctr">
+          <a:solidFill>
+            <a:schemeClr val="accent1">
+              <a:shade val="60000"/>
+              <a:hueOff val="0"/>
+              <a:satOff val="0"/>
+              <a:lumOff val="0"/>
+              <a:alphaOff val="0"/>
+            </a:schemeClr>
+          </a:solidFill>
+          <a:prstDash val="solid"/>
+        </a:ln>
+        <a:effectLst/>
+      </dsp:spPr>
+      <dsp:style>
+        <a:lnRef idx="2">
+          <a:scrgbClr r="0" g="0" b="0"/>
+        </a:lnRef>
+        <a:fillRef idx="0">
+          <a:scrgbClr r="0" g="0" b="0"/>
+        </a:fillRef>
+        <a:effectRef idx="0">
+          <a:scrgbClr r="0" g="0" b="0"/>
+        </a:effectRef>
+        <a:fontRef idx="minor"/>
+      </dsp:style>
+      <dsp:txBody>
+        <a:bodyPr spcFirstLastPara="0" vert="horz" wrap="square" lIns="12700" tIns="0" rIns="12700" bIns="0" numCol="1" spcCol="1270" anchor="ctr" anchorCtr="0">
+          <a:noAutofit/>
+        </a:bodyPr>
+        <a:lstStyle/>
+        <a:p>
+          <a:pPr marL="0" lvl="0" indent="0" algn="ctr" defTabSz="222250">
+            <a:lnSpc>
+              <a:spcPct val="90000"/>
+            </a:lnSpc>
+            <a:spcBef>
+              <a:spcPct val="0"/>
+            </a:spcBef>
+            <a:spcAft>
+              <a:spcPct val="35000"/>
+            </a:spcAft>
+            <a:buNone/>
+          </a:pPr>
+          <a:endParaRPr lang="en-CA" sz="500" kern="1200"/>
+        </a:p>
+      </dsp:txBody>
+      <dsp:txXfrm>
+        <a:off x="7383271" y="3007327"/>
+        <a:ext cx="43245" cy="43245"/>
+      </dsp:txXfrm>
+    </dsp:sp>
+    <dsp:sp modelId="{146CAC57-52F7-4326-A666-35DDD3551242}">
+      <dsp:nvSpPr>
+        <dsp:cNvPr id="0" name=""/>
+        <dsp:cNvSpPr/>
+      </dsp:nvSpPr>
+      <dsp:spPr>
+        <a:xfrm>
+          <a:off x="7837347" y="2488382"/>
+          <a:ext cx="2162268" cy="1081134"/>
+        </a:xfrm>
+        <a:prstGeom prst="roundRect">
+          <a:avLst>
+            <a:gd name="adj" fmla="val 10000"/>
+          </a:avLst>
+        </a:prstGeom>
+        <a:solidFill>
+          <a:schemeClr val="accent1">
+            <a:hueOff val="0"/>
+            <a:satOff val="0"/>
+            <a:lumOff val="0"/>
+            <a:alphaOff val="0"/>
+          </a:schemeClr>
+        </a:solidFill>
+        <a:ln w="19050" cap="flat" cmpd="sng" algn="ctr">
+          <a:solidFill>
+            <a:schemeClr val="lt1">
+              <a:hueOff val="0"/>
+              <a:satOff val="0"/>
+              <a:lumOff val="0"/>
+              <a:alphaOff val="0"/>
+            </a:schemeClr>
+          </a:solidFill>
+          <a:prstDash val="solid"/>
+        </a:ln>
+        <a:effectLst/>
+      </dsp:spPr>
+      <dsp:style>
+        <a:lnRef idx="2">
+          <a:scrgbClr r="0" g="0" b="0"/>
+        </a:lnRef>
+        <a:fillRef idx="1">
+          <a:scrgbClr r="0" g="0" b="0"/>
+        </a:fillRef>
+        <a:effectRef idx="0">
+          <a:scrgbClr r="0" g="0" b="0"/>
+        </a:effectRef>
+        <a:fontRef idx="minor">
+          <a:schemeClr val="lt1"/>
+        </a:fontRef>
+      </dsp:style>
+      <dsp:txBody>
+        <a:bodyPr spcFirstLastPara="0" vert="horz" wrap="square" lIns="15875" tIns="15875" rIns="15875" bIns="15875" numCol="1" spcCol="1270" anchor="ctr" anchorCtr="0">
+          <a:noAutofit/>
+        </a:bodyPr>
+        <a:lstStyle/>
+        <a:p>
+          <a:pPr marL="0" lvl="0" indent="0" algn="ctr" defTabSz="1111250">
+            <a:lnSpc>
+              <a:spcPct val="90000"/>
+            </a:lnSpc>
+            <a:spcBef>
+              <a:spcPct val="0"/>
+            </a:spcBef>
+            <a:spcAft>
+              <a:spcPct val="35000"/>
+            </a:spcAft>
+            <a:buNone/>
+          </a:pPr>
+          <a:r>
+            <a:rPr lang="en-CA" sz="2500" kern="1200" dirty="0"/>
+            <a:t>Meeting</a:t>
+          </a:r>
+        </a:p>
+      </dsp:txBody>
+      <dsp:txXfrm>
+        <a:off x="7869012" y="2520047"/>
+        <a:ext cx="2098938" cy="1017804"/>
+      </dsp:txXfrm>
+    </dsp:sp>
+    <dsp:sp modelId="{EAD7378E-9A74-439E-8FD0-4B820EEF2DE7}">
+      <dsp:nvSpPr>
+        <dsp:cNvPr id="0" name=""/>
+        <dsp:cNvSpPr/>
+      </dsp:nvSpPr>
+      <dsp:spPr>
+        <a:xfrm rot="3310531">
+          <a:off x="6647617" y="3634540"/>
+          <a:ext cx="1514552" cy="32124"/>
+        </a:xfrm>
+        <a:custGeom>
+          <a:avLst/>
+          <a:gdLst/>
+          <a:ahLst/>
+          <a:cxnLst/>
+          <a:rect l="0" t="0" r="0" b="0"/>
+          <a:pathLst>
+            <a:path>
+              <a:moveTo>
+                <a:pt x="0" y="16062"/>
+              </a:moveTo>
+              <a:lnTo>
+                <a:pt x="1514552" y="16062"/>
+              </a:lnTo>
+            </a:path>
+          </a:pathLst>
+        </a:custGeom>
+        <a:noFill/>
+        <a:ln w="19050" cap="flat" cmpd="sng" algn="ctr">
+          <a:solidFill>
+            <a:schemeClr val="accent1">
+              <a:shade val="60000"/>
+              <a:hueOff val="0"/>
+              <a:satOff val="0"/>
+              <a:lumOff val="0"/>
+              <a:alphaOff val="0"/>
+            </a:schemeClr>
+          </a:solidFill>
+          <a:prstDash val="solid"/>
+        </a:ln>
+        <a:effectLst/>
+      </dsp:spPr>
+      <dsp:style>
+        <a:lnRef idx="2">
+          <a:scrgbClr r="0" g="0" b="0"/>
+        </a:lnRef>
+        <a:fillRef idx="0">
+          <a:scrgbClr r="0" g="0" b="0"/>
+        </a:fillRef>
+        <a:effectRef idx="0">
+          <a:scrgbClr r="0" g="0" b="0"/>
+        </a:effectRef>
+        <a:fontRef idx="minor"/>
+      </dsp:style>
+      <dsp:txBody>
+        <a:bodyPr spcFirstLastPara="0" vert="horz" wrap="square" lIns="12700" tIns="0" rIns="12700" bIns="0" numCol="1" spcCol="1270" anchor="ctr" anchorCtr="0">
+          <a:noAutofit/>
+        </a:bodyPr>
+        <a:lstStyle/>
+        <a:p>
+          <a:pPr marL="0" lvl="0" indent="0" algn="ctr" defTabSz="222250">
+            <a:lnSpc>
+              <a:spcPct val="90000"/>
+            </a:lnSpc>
+            <a:spcBef>
+              <a:spcPct val="0"/>
+            </a:spcBef>
+            <a:spcAft>
+              <a:spcPct val="35000"/>
+            </a:spcAft>
+            <a:buNone/>
+          </a:pPr>
+          <a:endParaRPr lang="en-CA" sz="500" kern="1200"/>
+        </a:p>
+      </dsp:txBody>
+      <dsp:txXfrm>
+        <a:off x="7367030" y="3612738"/>
+        <a:ext cx="75727" cy="75727"/>
+      </dsp:txXfrm>
+    </dsp:sp>
+    <dsp:sp modelId="{CCBD03A8-80C5-43C6-B3A7-5DCD2196E781}">
+      <dsp:nvSpPr>
+        <dsp:cNvPr id="0" name=""/>
+        <dsp:cNvSpPr/>
+      </dsp:nvSpPr>
+      <dsp:spPr>
+        <a:xfrm>
+          <a:off x="7837347" y="3731687"/>
+          <a:ext cx="2162268" cy="1081134"/>
+        </a:xfrm>
+        <a:prstGeom prst="roundRect">
+          <a:avLst>
+            <a:gd name="adj" fmla="val 10000"/>
+          </a:avLst>
+        </a:prstGeom>
+        <a:solidFill>
+          <a:schemeClr val="accent1">
+            <a:hueOff val="0"/>
+            <a:satOff val="0"/>
+            <a:lumOff val="0"/>
+            <a:alphaOff val="0"/>
+          </a:schemeClr>
+        </a:solidFill>
+        <a:ln w="19050" cap="flat" cmpd="sng" algn="ctr">
+          <a:solidFill>
+            <a:schemeClr val="lt1">
+              <a:hueOff val="0"/>
+              <a:satOff val="0"/>
+              <a:lumOff val="0"/>
+              <a:alphaOff val="0"/>
+            </a:schemeClr>
+          </a:solidFill>
+          <a:prstDash val="solid"/>
+        </a:ln>
+        <a:effectLst/>
+      </dsp:spPr>
+      <dsp:style>
+        <a:lnRef idx="2">
+          <a:scrgbClr r="0" g="0" b="0"/>
+        </a:lnRef>
+        <a:fillRef idx="1">
+          <a:scrgbClr r="0" g="0" b="0"/>
+        </a:fillRef>
+        <a:effectRef idx="0">
+          <a:scrgbClr r="0" g="0" b="0"/>
+        </a:effectRef>
+        <a:fontRef idx="minor">
+          <a:schemeClr val="lt1"/>
+        </a:fontRef>
+      </dsp:style>
+      <dsp:txBody>
+        <a:bodyPr spcFirstLastPara="0" vert="horz" wrap="square" lIns="15875" tIns="15875" rIns="15875" bIns="15875" numCol="1" spcCol="1270" anchor="ctr" anchorCtr="0">
+          <a:noAutofit/>
+        </a:bodyPr>
+        <a:lstStyle/>
+        <a:p>
+          <a:pPr marL="0" lvl="0" indent="0" algn="ctr" defTabSz="1111250">
+            <a:lnSpc>
+              <a:spcPct val="90000"/>
+            </a:lnSpc>
+            <a:spcBef>
+              <a:spcPct val="0"/>
+            </a:spcBef>
+            <a:spcAft>
+              <a:spcPct val="35000"/>
+            </a:spcAft>
+            <a:buNone/>
+          </a:pPr>
+          <a:r>
+            <a:rPr lang="en-CA" sz="2500" kern="1200" dirty="0"/>
+            <a:t>Out of office</a:t>
+          </a:r>
+        </a:p>
+      </dsp:txBody>
+      <dsp:txXfrm>
+        <a:off x="7869012" y="3763352"/>
+        <a:ext cx="2098938" cy="1017804"/>
+      </dsp:txXfrm>
+    </dsp:sp>
+    <dsp:sp modelId="{8E139D36-D9F2-406C-A145-A4BFD81918A7}">
+      <dsp:nvSpPr>
+        <dsp:cNvPr id="0" name=""/>
+        <dsp:cNvSpPr/>
+      </dsp:nvSpPr>
+      <dsp:spPr>
+        <a:xfrm rot="4249260">
+          <a:off x="6088527" y="4256192"/>
+          <a:ext cx="2632733" cy="32124"/>
+        </a:xfrm>
+        <a:custGeom>
+          <a:avLst/>
+          <a:gdLst/>
+          <a:ahLst/>
+          <a:cxnLst/>
+          <a:rect l="0" t="0" r="0" b="0"/>
+          <a:pathLst>
+            <a:path>
+              <a:moveTo>
+                <a:pt x="0" y="16062"/>
+              </a:moveTo>
+              <a:lnTo>
+                <a:pt x="2632733" y="16062"/>
+              </a:lnTo>
+            </a:path>
+          </a:pathLst>
+        </a:custGeom>
+        <a:noFill/>
+        <a:ln w="19050" cap="flat" cmpd="sng" algn="ctr">
+          <a:solidFill>
+            <a:schemeClr val="accent1">
+              <a:shade val="60000"/>
+              <a:hueOff val="0"/>
+              <a:satOff val="0"/>
+              <a:lumOff val="0"/>
+              <a:alphaOff val="0"/>
+            </a:schemeClr>
+          </a:solidFill>
+          <a:prstDash val="solid"/>
+        </a:ln>
+        <a:effectLst/>
+      </dsp:spPr>
+      <dsp:style>
+        <a:lnRef idx="2">
+          <a:scrgbClr r="0" g="0" b="0"/>
+        </a:lnRef>
+        <a:fillRef idx="0">
+          <a:scrgbClr r="0" g="0" b="0"/>
+        </a:fillRef>
+        <a:effectRef idx="0">
+          <a:scrgbClr r="0" g="0" b="0"/>
+        </a:effectRef>
+        <a:fontRef idx="minor"/>
+      </dsp:style>
+      <dsp:txBody>
+        <a:bodyPr spcFirstLastPara="0" vert="horz" wrap="square" lIns="12700" tIns="0" rIns="12700" bIns="0" numCol="1" spcCol="1270" anchor="ctr" anchorCtr="0">
+          <a:noAutofit/>
+        </a:bodyPr>
+        <a:lstStyle/>
+        <a:p>
+          <a:pPr marL="0" lvl="0" indent="0" algn="ctr" defTabSz="400050">
+            <a:lnSpc>
+              <a:spcPct val="90000"/>
+            </a:lnSpc>
+            <a:spcBef>
+              <a:spcPct val="0"/>
+            </a:spcBef>
+            <a:spcAft>
+              <a:spcPct val="35000"/>
+            </a:spcAft>
+            <a:buNone/>
+          </a:pPr>
+          <a:endParaRPr lang="en-CA" sz="900" kern="1200"/>
+        </a:p>
+      </dsp:txBody>
+      <dsp:txXfrm>
+        <a:off x="7339075" y="4206435"/>
+        <a:ext cx="131636" cy="131636"/>
+      </dsp:txXfrm>
+    </dsp:sp>
+    <dsp:sp modelId="{7C618006-D255-4586-ABB2-4A14BA9F4905}">
+      <dsp:nvSpPr>
+        <dsp:cNvPr id="0" name=""/>
+        <dsp:cNvSpPr/>
+      </dsp:nvSpPr>
+      <dsp:spPr>
+        <a:xfrm>
+          <a:off x="7837347" y="4974991"/>
+          <a:ext cx="2162268" cy="1081134"/>
+        </a:xfrm>
+        <a:prstGeom prst="roundRect">
+          <a:avLst>
+            <a:gd name="adj" fmla="val 10000"/>
+          </a:avLst>
+        </a:prstGeom>
+        <a:solidFill>
+          <a:schemeClr val="accent1">
+            <a:hueOff val="0"/>
+            <a:satOff val="0"/>
+            <a:lumOff val="0"/>
+            <a:alphaOff val="0"/>
+          </a:schemeClr>
+        </a:solidFill>
+        <a:ln w="19050" cap="flat" cmpd="sng" algn="ctr">
+          <a:solidFill>
+            <a:schemeClr val="lt1">
+              <a:hueOff val="0"/>
+              <a:satOff val="0"/>
+              <a:lumOff val="0"/>
+              <a:alphaOff val="0"/>
+            </a:schemeClr>
+          </a:solidFill>
+          <a:prstDash val="solid"/>
+        </a:ln>
+        <a:effectLst/>
+      </dsp:spPr>
+      <dsp:style>
+        <a:lnRef idx="2">
+          <a:scrgbClr r="0" g="0" b="0"/>
+        </a:lnRef>
+        <a:fillRef idx="1">
+          <a:scrgbClr r="0" g="0" b="0"/>
+        </a:fillRef>
+        <a:effectRef idx="0">
+          <a:scrgbClr r="0" g="0" b="0"/>
+        </a:effectRef>
+        <a:fontRef idx="minor">
+          <a:schemeClr val="lt1"/>
+        </a:fontRef>
+      </dsp:style>
+      <dsp:txBody>
+        <a:bodyPr spcFirstLastPara="0" vert="horz" wrap="square" lIns="15875" tIns="15875" rIns="15875" bIns="15875" numCol="1" spcCol="1270" anchor="ctr" anchorCtr="0">
+          <a:noAutofit/>
+        </a:bodyPr>
+        <a:lstStyle/>
+        <a:p>
+          <a:pPr marL="0" lvl="0" indent="0" algn="ctr" defTabSz="1111250">
+            <a:lnSpc>
+              <a:spcPct val="90000"/>
+            </a:lnSpc>
+            <a:spcBef>
+              <a:spcPct val="0"/>
+            </a:spcBef>
+            <a:spcAft>
+              <a:spcPct val="35000"/>
+            </a:spcAft>
+            <a:buNone/>
+          </a:pPr>
+          <a:r>
+            <a:rPr lang="en-CA" sz="2500" kern="1200" dirty="0"/>
+            <a:t>Reminder</a:t>
+          </a:r>
+        </a:p>
+      </dsp:txBody>
+      <dsp:txXfrm>
+        <a:off x="7869012" y="5006656"/>
+        <a:ext cx="2098938" cy="1017804"/>
+      </dsp:txXfrm>
+    </dsp:sp>
+  </dsp:spTree>
+</dsp:drawing>
+</file>
+
+<file path=ppt/diagrams/layout1.xml><?xml version="1.0" encoding="utf-8"?>
+<dgm:layoutDef xmlns:dgm="http://schemas.openxmlformats.org/drawingml/2006/diagram" xmlns:a="http://schemas.openxmlformats.org/drawingml/2006/main" uniqueId="urn:microsoft.com/office/officeart/2005/8/layout/hierarchy2">
+  <dgm:title val=""/>
+  <dgm:desc val=""/>
+  <dgm:catLst>
+    <dgm:cat type="hierarchy" pri="5000"/>
+  </dgm:catLst>
+  <dgm:sampData>
+    <dgm:dataModel>
+      <dgm:ptLst>
+        <dgm:pt modelId="0" type="doc"/>
+        <dgm:pt modelId="1">
+          <dgm:prSet phldr="1"/>
+        </dgm:pt>
+        <dgm:pt modelId="2">
+          <dgm:prSet phldr="1"/>
+        </dgm:pt>
+        <dgm:pt modelId="21">
+          <dgm:prSet phldr="1"/>
+        </dgm:pt>
+        <dgm:pt modelId="22">
+          <dgm:prSet phldr="1"/>
+        </dgm:pt>
+        <dgm:pt modelId="3">
+          <dgm:prSet phldr="1"/>
+        </dgm:pt>
+        <dgm:pt modelId="31">
+          <dgm:prSet phldr="1"/>
+        </dgm:pt>
+      </dgm:ptLst>
+      <dgm:cxnLst>
+        <dgm:cxn modelId="4" srcId="0" destId="1" srcOrd="0" destOrd="0"/>
+        <dgm:cxn modelId="5" srcId="1" destId="2" srcOrd="0" destOrd="0"/>
+        <dgm:cxn modelId="6" srcId="1" destId="3" srcOrd="1" destOrd="0"/>
+        <dgm:cxn modelId="23" srcId="2" destId="21" srcOrd="0" destOrd="0"/>
+        <dgm:cxn modelId="24" srcId="2" destId="22" srcOrd="1" destOrd="0"/>
+        <dgm:cxn modelId="33" srcId="3" destId="31" srcOrd="0" destOrd="0"/>
+      </dgm:cxnLst>
+      <dgm:bg/>
+      <dgm:whole/>
+    </dgm:dataModel>
+  </dgm:sampData>
+  <dgm:styleData>
+    <dgm:dataModel>
+      <dgm:ptLst>
+        <dgm:pt modelId="0" type="doc"/>
+        <dgm:pt modelId="1"/>
+        <dgm:pt modelId="11"/>
+        <dgm:pt modelId="12"/>
+      </dgm:ptLst>
+      <dgm:cxnLst>
+        <dgm:cxn modelId="2" srcId="0" destId="1" srcOrd="0" destOrd="0"/>
+        <dgm:cxn modelId="13" srcId="1" destId="11" srcOrd="0" destOrd="0"/>
+        <dgm:cxn modelId="14" srcId="1" destId="12" srcOrd="1" destOrd="0"/>
+      </dgm:cxnLst>
+      <dgm:bg/>
+      <dgm:whole/>
+    </dgm:dataModel>
+  </dgm:styleData>
+  <dgm:clrData>
+    <dgm:dataModel>
+      <dgm:ptLst>
+        <dgm:pt modelId="0" type="doc"/>
+        <dgm:pt modelId="1"/>
+        <dgm:pt modelId="2"/>
+        <dgm:pt modelId="21"/>
+        <dgm:pt modelId="211"/>
+        <dgm:pt modelId="3"/>
+        <dgm:pt modelId="31"/>
+        <dgm:pt modelId="311"/>
+      </dgm:ptLst>
+      <dgm:cxnLst>
+        <dgm:cxn modelId="4" srcId="0" destId="1" srcOrd="0" destOrd="0"/>
+        <dgm:cxn modelId="5" srcId="1" destId="2" srcOrd="0" destOrd="0"/>
+        <dgm:cxn modelId="6" srcId="1" destId="3" srcOrd="1" destOrd="0"/>
+        <dgm:cxn modelId="23" srcId="2" destId="21" srcOrd="0" destOrd="0"/>
+        <dgm:cxn modelId="24" srcId="21" destId="211" srcOrd="0" destOrd="0"/>
+        <dgm:cxn modelId="33" srcId="3" destId="31" srcOrd="0" destOrd="0"/>
+        <dgm:cxn modelId="34" srcId="31" destId="311" srcOrd="0" destOrd="0"/>
+      </dgm:cxnLst>
+      <dgm:bg/>
+      <dgm:whole/>
+    </dgm:dataModel>
+  </dgm:clrData>
+  <dgm:layoutNode name="diagram">
+    <dgm:varLst>
+      <dgm:chPref val="1"/>
+      <dgm:dir/>
+      <dgm:animOne val="branch"/>
+      <dgm:animLvl val="lvl"/>
+      <dgm:resizeHandles val="exact"/>
+    </dgm:varLst>
+    <dgm:choose name="Name0">
+      <dgm:if name="Name1" func="var" arg="dir" op="equ" val="norm">
+        <dgm:alg type="hierChild">
+          <dgm:param type="linDir" val="fromT"/>
+          <dgm:param type="chAlign" val="l"/>
+        </dgm:alg>
+      </dgm:if>
+      <dgm:else name="Name2">
+        <dgm:alg type="hierChild">
+          <dgm:param type="linDir" val="fromT"/>
+          <dgm:param type="chAlign" val="r"/>
+        </dgm:alg>
+      </dgm:else>
+    </dgm:choose>
+    <dgm:shape xmlns:r="http://schemas.openxmlformats.org/officeDocument/2006/relationships" r:blip="">
+      <dgm:adjLst/>
+    </dgm:shape>
+    <dgm:presOf/>
+    <dgm:constrLst>
+      <dgm:constr type="h" for="des" ptType="node" refType="h"/>
+      <dgm:constr type="w" for="des" ptType="node" refType="h" refFor="des" refPtType="node" fact="2"/>
+      <dgm:constr type="sibSp" refType="h" refFor="des" refPtType="node" op="equ" fact="0.15"/>
+      <dgm:constr type="sibSp" for="des" forName="level2hierChild" refType="h" refFor="des" refPtType="node" op="equ" fact="0.15"/>
+      <dgm:constr type="sibSp" for="des" forName="level3hierChild" refType="h" refFor="des" refPtType="node" op="equ" fact="0.15"/>
+      <dgm:constr type="sp" for="des" forName="root1" refType="w" refFor="des" refPtType="node" fact="0.4"/>
+      <dgm:constr type="sp" for="des" forName="root2" refType="sp" refFor="des" refForName="root1" op="equ"/>
+      <dgm:constr type="primFontSz" for="des" ptType="node" op="equ" val="65"/>
+      <dgm:constr type="primFontSz" for="des" forName="connTx" op="equ" val="55"/>
+      <dgm:constr type="primFontSz" for="des" forName="connTx" refType="primFontSz" refFor="des" refPtType="node" op="lte" fact="0.8"/>
+    </dgm:constrLst>
+    <dgm:ruleLst/>
+    <dgm:forEach name="Name3" axis="ch">
+      <dgm:forEach name="Name4" axis="self" ptType="node">
+        <dgm:layoutNode name="root1">
+          <dgm:choose name="Name5">
+            <dgm:if name="Name6" func="var" arg="dir" op="equ" val="norm">
+              <dgm:alg type="hierRoot">
+                <dgm:param type="hierAlign" val="lCtrCh"/>
+              </dgm:alg>
+            </dgm:if>
+            <dgm:else name="Name7">
+              <dgm:alg type="hierRoot">
+                <dgm:param type="hierAlign" val="rCtrCh"/>
+              </dgm:alg>
+            </dgm:else>
+          </dgm:choose>
+          <dgm:shape xmlns:r="http://schemas.openxmlformats.org/officeDocument/2006/relationships" r:blip="">
+            <dgm:adjLst/>
+          </dgm:shape>
+          <dgm:presOf/>
+          <dgm:constrLst/>
+          <dgm:ruleLst/>
+          <dgm:layoutNode name="LevelOneTextNode" styleLbl="node0">
+            <dgm:varLst>
+              <dgm:chPref val="3"/>
+            </dgm:varLst>
+            <dgm:alg type="tx"/>
+            <dgm:shape xmlns:r="http://schemas.openxmlformats.org/officeDocument/2006/relationships" type="roundRect" r:blip="">
+              <dgm:adjLst>
+                <dgm:adj idx="1" val="0.1"/>
+              </dgm:adjLst>
+            </dgm:shape>
+            <dgm:presOf axis="self"/>
+            <dgm:constrLst>
+              <dgm:constr type="tMarg" refType="primFontSz" fact="0.05"/>
+              <dgm:constr type="bMarg" refType="primFontSz" fact="0.05"/>
+              <dgm:constr type="lMarg" refType="primFontSz" fact="0.05"/>
+              <dgm:constr type="rMarg" refType="primFontSz" fact="0.05"/>
+            </dgm:constrLst>
+            <dgm:ruleLst>
+              <dgm:rule type="primFontSz" val="5" fact="NaN" max="NaN"/>
+            </dgm:ruleLst>
+          </dgm:layoutNode>
+          <dgm:layoutNode name="level2hierChild">
+            <dgm:choose name="Name8">
+              <dgm:if name="Name9" func="var" arg="dir" op="equ" val="norm">
+                <dgm:alg type="hierChild">
+                  <dgm:param type="linDir" val="fromT"/>
+                  <dgm:param type="chAlign" val="l"/>
+                </dgm:alg>
+              </dgm:if>
+              <dgm:else name="Name10">
+                <dgm:alg type="hierChild">
+                  <dgm:param type="linDir" val="fromT"/>
+                  <dgm:param type="chAlign" val="r"/>
+                </dgm:alg>
+              </dgm:else>
+            </dgm:choose>
+            <dgm:shape xmlns:r="http://schemas.openxmlformats.org/officeDocument/2006/relationships" r:blip="">
+              <dgm:adjLst/>
+            </dgm:shape>
+            <dgm:presOf/>
+            <dgm:constrLst/>
+            <dgm:ruleLst/>
+            <dgm:forEach name="repeat" axis="ch">
+              <dgm:forEach name="Name11" axis="self" ptType="parTrans" cnt="1">
+                <dgm:layoutNode name="conn2-1">
+                  <dgm:choose name="Name12">
+                    <dgm:if name="Name13" func="var" arg="dir" op="equ" val="norm">
+                      <dgm:alg type="conn">
+                        <dgm:param type="dim" val="1D"/>
+                        <dgm:param type="begPts" val="midR"/>
+                        <dgm:param type="endPts" val="midL"/>
+                        <dgm:param type="endSty" val="noArr"/>
+                      </dgm:alg>
+                    </dgm:if>
+                    <dgm:else name="Name14">
+                      <dgm:alg type="conn">
+                        <dgm:param type="dim" val="1D"/>
+                        <dgm:param type="begPts" val="midL"/>
+                        <dgm:param type="endPts" val="midR"/>
+                        <dgm:param type="endSty" val="noArr"/>
+                      </dgm:alg>
+                    </dgm:else>
+                  </dgm:choose>
+                  <dgm:shape xmlns:r="http://schemas.openxmlformats.org/officeDocument/2006/relationships" type="conn" r:blip="">
+                    <dgm:adjLst/>
+                  </dgm:shape>
+                  <dgm:presOf axis="self"/>
+                  <dgm:constrLst>
+                    <dgm:constr type="w" val="1"/>
+                    <dgm:constr type="h" val="5"/>
+                    <dgm:constr type="connDist"/>
+                    <dgm:constr type="begPad"/>
+                    <dgm:constr type="endPad"/>
+                    <dgm:constr type="userA" for="ch" refType="connDist"/>
+                  </dgm:constrLst>
+                  <dgm:ruleLst/>
+                  <dgm:layoutNode name="connTx">
+                    <dgm:alg type="tx">
+                      <dgm:param type="autoTxRot" val="grav"/>
+                    </dgm:alg>
+                    <dgm:shape xmlns:r="http://schemas.openxmlformats.org/officeDocument/2006/relationships" type="rect" r:blip="" hideGeom="1">
+                      <dgm:adjLst/>
+                    </dgm:shape>
+                    <dgm:presOf axis="self"/>
+                    <dgm:constrLst>
+                      <dgm:constr type="userA"/>
+                      <dgm:constr type="w" refType="userA" fact="0.05"/>
+                      <dgm:constr type="h" refType="userA" fact="0.05"/>
+                      <dgm:constr type="lMarg" val="1"/>
+                      <dgm:constr type="rMarg" val="1"/>
+                      <dgm:constr type="tMarg"/>
+                      <dgm:constr type="bMarg"/>
+                    </dgm:constrLst>
+                    <dgm:ruleLst>
+                      <dgm:rule type="h" val="NaN" fact="0.25" max="NaN"/>
+                      <dgm:rule type="w" val="NaN" fact="0.8" max="NaN"/>
+                      <dgm:rule type="primFontSz" val="5" fact="NaN" max="NaN"/>
+                    </dgm:ruleLst>
+                  </dgm:layoutNode>
+                </dgm:layoutNode>
+              </dgm:forEach>
+              <dgm:forEach name="Name15" axis="self" ptType="node">
+                <dgm:layoutNode name="root2">
+                  <dgm:choose name="Name16">
+                    <dgm:if name="Name17" func="var" arg="dir" op="equ" val="norm">
+                      <dgm:alg type="hierRoot">
+                        <dgm:param type="hierAlign" val="lCtrCh"/>
+                      </dgm:alg>
+                    </dgm:if>
+                    <dgm:else name="Name18">
+                      <dgm:alg type="hierRoot">
+                        <dgm:param type="hierAlign" val="rCtrCh"/>
+                      </dgm:alg>
+                    </dgm:else>
+                  </dgm:choose>
+                  <dgm:shape xmlns:r="http://schemas.openxmlformats.org/officeDocument/2006/relationships" r:blip="">
+                    <dgm:adjLst/>
+                  </dgm:shape>
+                  <dgm:presOf/>
+                  <dgm:constrLst/>
+                  <dgm:ruleLst/>
+                  <dgm:layoutNode name="LevelTwoTextNode">
+                    <dgm:varLst>
+                      <dgm:chPref val="3"/>
+                    </dgm:varLst>
+                    <dgm:alg type="tx"/>
+                    <dgm:shape xmlns:r="http://schemas.openxmlformats.org/officeDocument/2006/relationships" type="roundRect" r:blip="">
+                      <dgm:adjLst>
+                        <dgm:adj idx="1" val="0.1"/>
+                      </dgm:adjLst>
+                    </dgm:shape>
+                    <dgm:presOf axis="self"/>
+                    <dgm:constrLst>
+                      <dgm:constr type="tMarg" refType="primFontSz" fact="0.05"/>
+                      <dgm:constr type="bMarg" refType="primFontSz" fact="0.05"/>
+                      <dgm:constr type="lMarg" refType="primFontSz" fact="0.05"/>
+                      <dgm:constr type="rMarg" refType="primFontSz" fact="0.05"/>
+                    </dgm:constrLst>
+                    <dgm:ruleLst>
+                      <dgm:rule type="primFontSz" val="5" fact="NaN" max="NaN"/>
+                    </dgm:ruleLst>
+                  </dgm:layoutNode>
+                  <dgm:layoutNode name="level3hierChild">
+                    <dgm:choose name="Name19">
+                      <dgm:if name="Name20" func="var" arg="dir" op="equ" val="norm">
+                        <dgm:alg type="hierChild">
+                          <dgm:param type="linDir" val="fromT"/>
+                          <dgm:param type="chAlign" val="l"/>
+                        </dgm:alg>
+                      </dgm:if>
+                      <dgm:else name="Name21">
+                        <dgm:alg type="hierChild">
+                          <dgm:param type="linDir" val="fromT"/>
+                          <dgm:param type="chAlign" val="r"/>
+                        </dgm:alg>
+                      </dgm:else>
+                    </dgm:choose>
+                    <dgm:shape xmlns:r="http://schemas.openxmlformats.org/officeDocument/2006/relationships" r:blip="">
+                      <dgm:adjLst/>
+                    </dgm:shape>
+                    <dgm:presOf/>
+                    <dgm:constrLst/>
+                    <dgm:ruleLst/>
+                    <dgm:forEach name="Name22" ref="repeat"/>
+                  </dgm:layoutNode>
+                </dgm:layoutNode>
+              </dgm:forEach>
+            </dgm:forEach>
+          </dgm:layoutNode>
+        </dgm:layoutNode>
+      </dgm:forEach>
+    </dgm:forEach>
+  </dgm:layoutNode>
+</dgm:layoutDef>
+</file>
+
+<file path=ppt/diagrams/quickStyle1.xml><?xml version="1.0" encoding="utf-8"?>
+<dgm:styleDef xmlns:dgm="http://schemas.openxmlformats.org/drawingml/2006/diagram" xmlns:a="http://schemas.openxmlformats.org/drawingml/2006/main" uniqueId="urn:microsoft.com/office/officeart/2005/8/quickstyle/simple1">
+  <dgm:title val=""/>
+  <dgm:desc val=""/>
+  <dgm:catLst>
+    <dgm:cat type="simple" pri="10100"/>
+  </dgm:catLst>
+  <dgm:scene3d>
+    <a:camera prst="orthographicFront"/>
+    <a:lightRig rig="threePt" dir="t"/>
+  </dgm:scene3d>
+  <dgm:styleLbl name="node0">
+    <dgm:scene3d>
+      <a:camera prst="orthographicFront"/>
+      <a:lightRig rig="threePt" dir="t"/>
+    </dgm:scene3d>
+    <dgm:sp3d/>
+    <dgm:txPr/>
+    <dgm:style>
+      <a:lnRef idx="2">
+        <a:scrgbClr r="0" g="0" b="0"/>
+      </a:lnRef>
+      <a:fillRef idx="1">
+        <a:scrgbClr r="0" g="0" b="0"/>
+      </a:fillRef>
+      <a:effectRef idx="0">
+        <a:scrgbClr r="0" g="0" b="0"/>
+      </a:effectRef>
+      <a:fontRef idx="minor">
+        <a:schemeClr val="lt1"/>
+      </a:fontRef>
+    </dgm:style>
+  </dgm:styleLbl>
+  <dgm:styleLbl name="lnNode1">
+    <dgm:scene3d>
+      <a:camera prst="orthographicFront"/>
+      <a:lightRig rig="threePt" dir="t"/>
+    </dgm:scene3d>
+    <dgm:sp3d/>
+    <dgm:txPr/>
+    <dgm:style>
+      <a:lnRef idx="2">
+        <a:scrgbClr r="0" g="0" b="0"/>
+      </a:lnRef>
+      <a:fillRef idx="1">
+        <a:scrgbClr r="0" g="0" b="0"/>
+      </a:fillRef>
+      <a:effectRef idx="0">
+        <a:scrgbClr r="0" g="0" b="0"/>
+      </a:effectRef>
+      <a:fontRef idx="minor">
+        <a:schemeClr val="lt1"/>
+      </a:fontRef>
+    </dgm:style>
+  </dgm:styleLbl>
+  <dgm:styleLbl name="vennNode1">
+    <dgm:scene3d>
+      <a:camera prst="orthographicFront"/>
+      <a:lightRig rig="threePt" dir="t"/>
+    </dgm:scene3d>
+    <dgm:sp3d/>
+    <dgm:txPr/>
+    <dgm:style>
+      <a:lnRef idx="2">
+        <a:scrgbClr r="0" g="0" b="0"/>
+      </a:lnRef>
+      <a:fillRef idx="1">
+        <a:scrgbClr r="0" g="0" b="0"/>
+      </a:fillRef>
+      <a:effectRef idx="0">
+        <a:scrgbClr r="0" g="0" b="0"/>
+      </a:effectRef>
+      <a:fontRef idx="minor">
+        <a:schemeClr val="tx1"/>
+      </a:fontRef>
+    </dgm:style>
+  </dgm:styleLbl>
+  <dgm:styleLbl name="alignNode1">
+    <dgm:scene3d>
+      <a:camera prst="orthographicFront"/>
+      <a:lightRig rig="threePt" dir="t"/>
+    </dgm:scene3d>
+    <dgm:sp3d/>
+    <dgm:txPr/>
+    <dgm:style>
+      <a:lnRef idx="2">
+        <a:scrgbClr r="0" g="0" b="0"/>
+      </a:lnRef>
+      <a:fillRef idx="1">
+        <a:scrgbClr r="0" g="0" b="0"/>
+      </a:fillRef>
+      <a:effectRef idx="0">
+        <a:scrgbClr r="0" g="0" b="0"/>
+      </a:effectRef>
+      <a:fontRef idx="minor">
+        <a:schemeClr val="lt1"/>
+      </a:fontRef>
+    </dgm:style>
+  </dgm:styleLbl>
+  <dgm:styleLbl name="node1">
+    <dgm:scene3d>
+      <a:camera prst="orthographicFront"/>
+      <a:lightRig rig="threePt" dir="t"/>
+    </dgm:scene3d>
+    <dgm:sp3d/>
+    <dgm:txPr/>
+    <dgm:style>
+      <a:lnRef idx="2">
+        <a:scrgbClr r="0" g="0" b="0"/>
+      </a:lnRef>
+      <a:fillRef idx="1">
+        <a:scrgbClr r="0" g="0" b="0"/>
+      </a:fillRef>
+      <a:effectRef idx="0">
+        <a:scrgbClr r="0" g="0" b="0"/>
+      </a:effectRef>
+      <a:fontRef idx="minor">
+        <a:schemeClr val="lt1"/>
+      </a:fontRef>
+    </dgm:style>
+  </dgm:styleLbl>
+  <dgm:styleLbl name="node2">
+    <dgm:scene3d>
+      <a:camera prst="orthographicFront"/>
+      <a:lightRig rig="threePt" dir="t"/>
+    </dgm:scene3d>
+    <dgm:sp3d/>
+    <dgm:txPr/>
+    <dgm:style>
+      <a:lnRef idx="2">
+        <a:scrgbClr r="0" g="0" b="0"/>
+      </a:lnRef>
+      <a:fillRef idx="1">
+        <a:scrgbClr r="0" g="0" b="0"/>
+      </a:fillRef>
+      <a:effectRef idx="0">
+        <a:scrgbClr r="0" g="0" b="0"/>
+      </a:effectRef>
+      <a:fontRef idx="minor">
+        <a:schemeClr val="lt1"/>
+      </a:fontRef>
+    </dgm:style>
+  </dgm:styleLbl>
+  <dgm:styleLbl name="node3">
+    <dgm:scene3d>
+      <a:camera prst="orthographicFront"/>
+      <a:lightRig rig="threePt" dir="t"/>
+    </dgm:scene3d>
+    <dgm:sp3d/>
+    <dgm:txPr/>
+    <dgm:style>
+      <a:lnRef idx="2">
+        <a:scrgbClr r="0" g="0" b="0"/>
+      </a:lnRef>
+      <a:fillRef idx="1">
+        <a:scrgbClr r="0" g="0" b="0"/>
+      </a:fillRef>
+      <a:effectRef idx="0">
+        <a:scrgbClr r="0" g="0" b="0"/>
+      </a:effectRef>
+      <a:fontRef idx="minor">
+        <a:schemeClr val="lt1"/>
+      </a:fontRef>
+    </dgm:style>
+  </dgm:styleLbl>
+  <dgm:styleLbl name="node4">
+    <dgm:scene3d>
+      <a:camera prst="orthographicFront"/>
+      <a:lightRig rig="threePt" dir="t"/>
+    </dgm:scene3d>
+    <dgm:sp3d/>
+    <dgm:txPr/>
+    <dgm:style>
+      <a:lnRef idx="2">
+        <a:scrgbClr r="0" g="0" b="0"/>
+      </a:lnRef>
+      <a:fillRef idx="1">
+        <a:scrgbClr r="0" g="0" b="0"/>
+      </a:fillRef>
+      <a:effectRef idx="0">
+        <a:scrgbClr r="0" g="0" b="0"/>
+      </a:effectRef>
+      <a:fontRef idx="minor">
+        <a:schemeClr val="lt1"/>
+      </a:fontRef>
+    </dgm:style>
+  </dgm:styleLbl>
+  <dgm:styleLbl name="fgImgPlace1">
+    <dgm:scene3d>
+      <a:camera prst="orthographicFront"/>
+      <a:lightRig rig="threePt" dir="t"/>
+    </dgm:scene3d>
+    <dgm:sp3d/>
+    <dgm:txPr/>
+    <dgm:style>
+      <a:lnRef idx="2">
+        <a:scrgbClr r="0" g="0" b="0"/>
+      </a:lnRef>
+      <a:fillRef idx="1">
+        <a:scrgbClr r="0" g="0" b="0"/>
+      </a:fillRef>
+      <a:effectRef idx="0">
+        <a:scrgbClr r="0" g="0" b="0"/>
+      </a:effectRef>
+      <a:fontRef idx="minor"/>
+    </dgm:style>
+  </dgm:styleLbl>
+  <dgm:styleLbl name="alignImgPlace1">
+    <dgm:scene3d>
+      <a:camera prst="orthographicFront"/>
+      <a:lightRig rig="threePt" dir="t"/>
+    </dgm:scene3d>
+    <dgm:sp3d/>
+    <dgm:txPr/>
+    <dgm:style>
+      <a:lnRef idx="2">
+        <a:scrgbClr r="0" g="0" b="0"/>
+      </a:lnRef>
+      <a:fillRef idx="1">
+        <a:scrgbClr r="0" g="0" b="0"/>
+      </a:fillRef>
+      <a:effectRef idx="0">
+        <a:scrgbClr r="0" g="0" b="0"/>
+      </a:effectRef>
+      <a:fontRef idx="minor"/>
+    </dgm:style>
+  </dgm:styleLbl>
+  <dgm:styleLbl name="bgImgPlace1">
+    <dgm:scene3d>
+      <a:camera prst="orthographicFront"/>
+      <a:lightRig rig="threePt" dir="t"/>
+    </dgm:scene3d>
+    <dgm:sp3d/>
+    <dgm:txPr/>
+    <dgm:style>
+      <a:lnRef idx="2">
+        <a:scrgbClr r="0" g="0" b="0"/>
+      </a:lnRef>
+      <a:fillRef idx="1">
+        <a:scrgbClr r="0" g="0" b="0"/>
+      </a:fillRef>
+      <a:effectRef idx="0">
+        <a:scrgbClr r="0" g="0" b="0"/>
+      </a:effectRef>
+      <a:fontRef idx="minor"/>
+    </dgm:style>
+  </dgm:styleLbl>
+  <dgm:styleLbl name="sibTrans2D1">
+    <dgm:scene3d>
+      <a:camera prst="orthographicFront"/>
+      <a:lightRig rig="threePt" dir="t"/>
+    </dgm:scene3d>
+    <dgm:sp3d/>
+    <dgm:txPr/>
+    <dgm:style>
+      <a:lnRef idx="0">
+        <a:scrgbClr r="0" g="0" b="0"/>
+      </a:lnRef>
+      <a:fillRef idx="1">
+        <a:scrgbClr r="0" g="0" b="0"/>
+      </a:fillRef>
+      <a:effectRef idx="0">
+        <a:scrgbClr r="0" g="0" b="0"/>
+      </a:effectRef>
+      <a:fontRef idx="minor">
+        <a:schemeClr val="lt1"/>
+      </a:fontRef>
+    </dgm:style>
+  </dgm:styleLbl>
+  <dgm:styleLbl name="fgSibTrans2D1">
+    <dgm:scene3d>
+      <a:camera prst="orthographicFront"/>
+      <a:lightRig rig="threePt" dir="t"/>
+    </dgm:scene3d>
+    <dgm:sp3d/>
+    <dgm:txPr/>
+    <dgm:style>
+      <a:lnRef idx="0">
+        <a:scrgbClr r="0" g="0" b="0"/>
+      </a:lnRef>
+      <a:fillRef idx="1">
+        <a:scrgbClr r="0" g="0" b="0"/>
+      </a:fillRef>
+      <a:effectRef idx="0">
+        <a:scrgbClr r="0" g="0" b="0"/>
+      </a:effectRef>
+      <a:fontRef idx="minor">
+        <a:schemeClr val="lt1"/>
+      </a:fontRef>
+    </dgm:style>
+  </dgm:styleLbl>
+  <dgm:styleLbl name="bgSibTrans2D1">
+    <dgm:scene3d>
+      <a:camera prst="orthographicFront"/>
+      <a:lightRig rig="threePt" dir="t"/>
+    </dgm:scene3d>
+    <dgm:sp3d/>
+    <dgm:txPr/>
+    <dgm:style>
+      <a:lnRef idx="0">
+        <a:scrgbClr r="0" g="0" b="0"/>
+      </a:lnRef>
+      <a:fillRef idx="1">
+        <a:scrgbClr r="0" g="0" b="0"/>
+      </a:fillRef>
+      <a:effectRef idx="0">
+        <a:scrgbClr r="0" g="0" b="0"/>
+      </a:effectRef>
+      <a:fontRef idx="minor">
+        <a:schemeClr val="lt1"/>
+      </a:fontRef>
+    </dgm:style>
+  </dgm:styleLbl>
+  <dgm:styleLbl name="sibTrans1D1">
+    <dgm:scene3d>
+      <a:camera prst="orthographicFront"/>
+      <a:lightRig rig="threePt" dir="t"/>
+    </dgm:scene3d>
+    <dgm:sp3d/>
+    <dgm:txPr/>
+    <dgm:style>
+      <a:lnRef idx="1">
+        <a:scrgbClr r="0" g="0" b="0"/>
+      </a:lnRef>
+      <a:fillRef idx="0">
+        <a:scrgbClr r="0" g="0" b="0"/>
+      </a:fillRef>
+      <a:effectRef idx="0">
+        <a:scrgbClr r="0" g="0" b="0"/>
+      </a:effectRef>
+      <a:fontRef idx="minor"/>
+    </dgm:style>
+  </dgm:styleLbl>
+  <dgm:styleLbl name="callout">
+    <dgm:scene3d>
+      <a:camera prst="orthographicFront"/>
+      <a:lightRig rig="threePt" dir="t"/>
+    </dgm:scene3d>
+    <dgm:sp3d/>
+    <dgm:txPr/>
+    <dgm:style>
+      <a:lnRef idx="2">
+        <a:scrgbClr r="0" g="0" b="0"/>
+      </a:lnRef>
+      <a:fillRef idx="1">
+        <a:scrgbClr r="0" g="0" b="0"/>
+      </a:fillRef>
+      <a:effectRef idx="0">
+        <a:scrgbClr r="0" g="0" b="0"/>
+      </a:effectRef>
+      <a:fontRef idx="minor"/>
+    </dgm:style>
+  </dgm:styleLbl>
+  <dgm:styleLbl name="asst0">
+    <dgm:scene3d>
+      <a:camera prst="orthographicFront"/>
+      <a:lightRig rig="threePt" dir="t"/>
+    </dgm:scene3d>
+    <dgm:sp3d/>
+    <dgm:txPr/>
+    <dgm:style>
+      <a:lnRef idx="2">
+        <a:scrgbClr r="0" g="0" b="0"/>
+      </a:lnRef>
+      <a:fillRef idx="1">
+        <a:scrgbClr r="0" g="0" b="0"/>
+      </a:fillRef>
+      <a:effectRef idx="0">
+        <a:scrgbClr r="0" g="0" b="0"/>
+      </a:effectRef>
+      <a:fontRef idx="minor">
+        <a:schemeClr val="lt1"/>
+      </a:fontRef>
+    </dgm:style>
+  </dgm:styleLbl>
+  <dgm:styleLbl name="asst1">
+    <dgm:scene3d>
+      <a:camera prst="orthographicFront"/>
+      <a:lightRig rig="threePt" dir="t"/>
+    </dgm:scene3d>
+    <dgm:sp3d/>
+    <dgm:txPr/>
+    <dgm:style>
+      <a:lnRef idx="2">
+        <a:scrgbClr r="0" g="0" b="0"/>
+      </a:lnRef>
+      <a:fillRef idx="1">
+        <a:scrgbClr r="0" g="0" b="0"/>
+      </a:fillRef>
+      <a:effectRef idx="0">
+        <a:scrgbClr r="0" g="0" b="0"/>
+      </a:effectRef>
+      <a:fontRef idx="minor">
+        <a:schemeClr val="lt1"/>
+      </a:fontRef>
+    </dgm:style>
+  </dgm:styleLbl>
+  <dgm:styleLbl name="asst2">
+    <dgm:scene3d>
+      <a:camera prst="orthographicFront"/>
+      <a:lightRig rig="threePt" dir="t"/>
+    </dgm:scene3d>
+    <dgm:sp3d/>
+    <dgm:txPr/>
+    <dgm:style>
+      <a:lnRef idx="2">
+        <a:scrgbClr r="0" g="0" b="0"/>
+      </a:lnRef>
+      <a:fillRef idx="1">
+        <a:scrgbClr r="0" g="0" b="0"/>
+      </a:fillRef>
+      <a:effectRef idx="0">
+        <a:scrgbClr r="0" g="0" b="0"/>
+      </a:effectRef>
+      <a:fontRef idx="minor">
+        <a:schemeClr val="lt1"/>
+      </a:fontRef>
+    </dgm:style>
+  </dgm:styleLbl>
+  <dgm:styleLbl name="asst3">
+    <dgm:scene3d>
+      <a:camera prst="orthographicFront"/>
+      <a:lightRig rig="threePt" dir="t"/>
+    </dgm:scene3d>
+    <dgm:sp3d/>
+    <dgm:txPr/>
+    <dgm:style>
+      <a:lnRef idx="2">
+        <a:scrgbClr r="0" g="0" b="0"/>
+      </a:lnRef>
+      <a:fillRef idx="1">
+        <a:scrgbClr r="0" g="0" b="0"/>
+      </a:fillRef>
+      <a:effectRef idx="0">
+        <a:scrgbClr r="0" g="0" b="0"/>
+      </a:effectRef>
+      <a:fontRef idx="minor">
+        <a:schemeClr val="lt1"/>
+      </a:fontRef>
+    </dgm:style>
+  </dgm:styleLbl>
+  <dgm:styleLbl name="asst4">
+    <dgm:scene3d>
+      <a:camera prst="orthographicFront"/>
+      <a:lightRig rig="threePt" dir="t"/>
+    </dgm:scene3d>
+    <dgm:sp3d/>
+    <dgm:txPr/>
+    <dgm:style>
+      <a:lnRef idx="2">
+        <a:scrgbClr r="0" g="0" b="0"/>
+      </a:lnRef>
+      <a:fillRef idx="1">
+        <a:scrgbClr r="0" g="0" b="0"/>
+      </a:fillRef>
+      <a:effectRef idx="0">
+        <a:scrgbClr r="0" g="0" b="0"/>
+      </a:effectRef>
+      <a:fontRef idx="minor">
+        <a:schemeClr val="lt1"/>
+      </a:fontRef>
+    </dgm:style>
+  </dgm:styleLbl>
+  <dgm:styleLbl name="parChTrans2D1">
+    <dgm:scene3d>
+      <a:camera prst="orthographicFront"/>
+      <a:lightRig rig="threePt" dir="t"/>
+    </dgm:scene3d>
+    <dgm:sp3d/>
+    <dgm:txPr/>
+    <dgm:style>
+      <a:lnRef idx="2">
+        <a:scrgbClr r="0" g="0" b="0"/>
+      </a:lnRef>
+      <a:fillRef idx="1">
+        <a:scrgbClr r="0" g="0" b="0"/>
+      </a:fillRef>
+      <a:effectRef idx="0">
+        <a:scrgbClr r="0" g="0" b="0"/>
+      </a:effectRef>
+      <a:fontRef idx="minor">
+        <a:schemeClr val="lt1"/>
+      </a:fontRef>
+    </dgm:style>
+  </dgm:styleLbl>
+  <dgm:styleLbl name="parChTrans2D2">
+    <dgm:scene3d>
+      <a:camera prst="orthographicFront"/>
+      <a:lightRig rig="threePt" dir="t"/>
+    </dgm:scene3d>
+    <dgm:sp3d/>
+    <dgm:txPr/>
+    <dgm:style>
+      <a:lnRef idx="2">
+        <a:scrgbClr r="0" g="0" b="0"/>
+      </a:lnRef>
+      <a:fillRef idx="1">
+        <a:scrgbClr r="0" g="0" b="0"/>
+      </a:fillRef>
+      <a:effectRef idx="0">
+        <a:scrgbClr r="0" g="0" b="0"/>
+      </a:effectRef>
+      <a:fontRef idx="minor">
+        <a:schemeClr val="lt1"/>
+      </a:fontRef>
+    </dgm:style>
+  </dgm:styleLbl>
+  <dgm:styleLbl name="parChTrans2D3">
+    <dgm:scene3d>
+      <a:camera prst="orthographicFront"/>
+      <a:lightRig rig="threePt" dir="t"/>
+    </dgm:scene3d>
+    <dgm:sp3d/>
+    <dgm:txPr/>
+    <dgm:style>
+      <a:lnRef idx="2">
+        <a:scrgbClr r="0" g="0" b="0"/>
+      </a:lnRef>
+      <a:fillRef idx="1">
+        <a:scrgbClr r="0" g="0" b="0"/>
+      </a:fillRef>
+      <a:effectRef idx="0">
+        <a:scrgbClr r="0" g="0" b="0"/>
+      </a:effectRef>
+      <a:fontRef idx="minor">
+        <a:schemeClr val="lt1"/>
+      </a:fontRef>
+    </dgm:style>
+  </dgm:styleLbl>
+  <dgm:styleLbl name="parChTrans2D4">
+    <dgm:scene3d>
+      <a:camera prst="orthographicFront"/>
+      <a:lightRig rig="threePt" dir="t"/>
+    </dgm:scene3d>
+    <dgm:sp3d/>
+    <dgm:txPr/>
+    <dgm:style>
+      <a:lnRef idx="2">
+        <a:scrgbClr r="0" g="0" b="0"/>
+      </a:lnRef>
+      <a:fillRef idx="1">
+        <a:scrgbClr r="0" g="0" b="0"/>
+      </a:fillRef>
+      <a:effectRef idx="0">
+        <a:scrgbClr r="0" g="0" b="0"/>
+      </a:effectRef>
+      <a:fontRef idx="minor">
+        <a:schemeClr val="lt1"/>
+      </a:fontRef>
+    </dgm:style>
+  </dgm:styleLbl>
+  <dgm:styleLbl name="parChTrans1D1">
+    <dgm:scene3d>
+      <a:camera prst="orthographicFront"/>
+      <a:lightRig rig="threePt" dir="t"/>
+    </dgm:scene3d>
+    <dgm:sp3d/>
+    <dgm:txPr/>
+    <dgm:style>
+      <a:lnRef idx="2">
+        <a:scrgbClr r="0" g="0" b="0"/>
+      </a:lnRef>
+      <a:fillRef idx="0">
+        <a:scrgbClr r="0" g="0" b="0"/>
+      </a:fillRef>
+      <a:effectRef idx="0">
+        <a:scrgbClr r="0" g="0" b="0"/>
+      </a:effectRef>
+      <a:fontRef idx="minor"/>
+    </dgm:style>
+  </dgm:styleLbl>
+  <dgm:styleLbl name="parChTrans1D2">
+    <dgm:scene3d>
+      <a:camera prst="orthographicFront"/>
+      <a:lightRig rig="threePt" dir="t"/>
+    </dgm:scene3d>
+    <dgm:sp3d/>
+    <dgm:txPr/>
+    <dgm:style>
+      <a:lnRef idx="2">
+        <a:scrgbClr r="0" g="0" b="0"/>
+      </a:lnRef>
+      <a:fillRef idx="0">
+        <a:scrgbClr r="0" g="0" b="0"/>
+      </a:fillRef>
+      <a:effectRef idx="0">
+        <a:scrgbClr r="0" g="0" b="0"/>
+      </a:effectRef>
+      <a:fontRef idx="minor"/>
+    </dgm:style>
+  </dgm:styleLbl>
+  <dgm:styleLbl name="parChTrans1D3">
+    <dgm:scene3d>
+      <a:camera prst="orthographicFront"/>
+      <a:lightRig rig="threePt" dir="t"/>
+    </dgm:scene3d>
+    <dgm:sp3d/>
+    <dgm:txPr/>
+    <dgm:style>
+      <a:lnRef idx="2">
+        <a:scrgbClr r="0" g="0" b="0"/>
+      </a:lnRef>
+      <a:fillRef idx="0">
+        <a:scrgbClr r="0" g="0" b="0"/>
+      </a:fillRef>
+      <a:effectRef idx="0">
+        <a:scrgbClr r="0" g="0" b="0"/>
+      </a:effectRef>
+      <a:fontRef idx="minor"/>
+    </dgm:style>
+  </dgm:styleLbl>
+  <dgm:styleLbl name="parChTrans1D4">
+    <dgm:scene3d>
+      <a:camera prst="orthographicFront"/>
+      <a:lightRig rig="threePt" dir="t"/>
+    </dgm:scene3d>
+    <dgm:sp3d/>
+    <dgm:txPr/>
+    <dgm:style>
+      <a:lnRef idx="2">
+        <a:scrgbClr r="0" g="0" b="0"/>
+      </a:lnRef>
+      <a:fillRef idx="0">
+        <a:scrgbClr r="0" g="0" b="0"/>
+      </a:fillRef>
+      <a:effectRef idx="0">
+        <a:scrgbClr r="0" g="0" b="0"/>
+      </a:effectRef>
+      <a:fontRef idx="minor"/>
+    </dgm:style>
+  </dgm:styleLbl>
+  <dgm:styleLbl name="fgAcc1">
+    <dgm:scene3d>
+      <a:camera prst="orthographicFront"/>
+      <a:lightRig rig="threePt" dir="t"/>
+    </dgm:scene3d>
+    <dgm:sp3d/>
+    <dgm:txPr/>
+    <dgm:style>
+      <a:lnRef idx="2">
+        <a:scrgbClr r="0" g="0" b="0"/>
+      </a:lnRef>
+      <a:fillRef idx="1">
+        <a:scrgbClr r="0" g="0" b="0"/>
+      </a:fillRef>
+      <a:effectRef idx="0">
+        <a:scrgbClr r="0" g="0" b="0"/>
+      </a:effectRef>
+      <a:fontRef idx="minor"/>
+    </dgm:style>
+  </dgm:styleLbl>
+  <dgm:styleLbl name="conFgAcc1">
+    <dgm:scene3d>
+      <a:camera prst="orthographicFront"/>
+      <a:lightRig rig="threePt" dir="t"/>
+    </dgm:scene3d>
+    <dgm:sp3d/>
+    <dgm:txPr/>
+    <dgm:style>
+      <a:lnRef idx="2">
+        <a:scrgbClr r="0" g="0" b="0"/>
+      </a:lnRef>
+      <a:fillRef idx="1">
+        <a:scrgbClr r="0" g="0" b="0"/>
+      </a:fillRef>
+      <a:effectRef idx="0">
+        <a:scrgbClr r="0" g="0" b="0"/>
+      </a:effectRef>
+      <a:fontRef idx="minor"/>
+    </dgm:style>
+  </dgm:styleLbl>
+  <dgm:styleLbl name="alignAcc1">
+    <dgm:scene3d>
+      <a:camera prst="orthographicFront"/>
+      <a:lightRig rig="threePt" dir="t"/>
+    </dgm:scene3d>
+    <dgm:sp3d/>
+    <dgm:txPr/>
+    <dgm:style>
+      <a:lnRef idx="2">
+        <a:scrgbClr r="0" g="0" b="0"/>
+      </a:lnRef>
+      <a:fillRef idx="1">
+        <a:scrgbClr r="0" g="0" b="0"/>
+      </a:fillRef>
+      <a:effectRef idx="0">
+        <a:scrgbClr r="0" g="0" b="0"/>
+      </a:effectRef>
+      <a:fontRef idx="minor"/>
+    </dgm:style>
+  </dgm:styleLbl>
+  <dgm:styleLbl name="trAlignAcc1">
+    <dgm:scene3d>
+      <a:camera prst="orthographicFront"/>
+      <a:lightRig rig="threePt" dir="t"/>
+    </dgm:scene3d>
+    <dgm:sp3d/>
+    <dgm:txPr/>
+    <dgm:style>
+      <a:lnRef idx="1">
+        <a:scrgbClr r="0" g="0" b="0"/>
+      </a:lnRef>
+      <a:fillRef idx="1">
+        <a:scrgbClr r="0" g="0" b="0"/>
+      </a:fillRef>
+      <a:effectRef idx="0">
+        <a:scrgbClr r="0" g="0" b="0"/>
+      </a:effectRef>
+      <a:fontRef idx="minor"/>
+    </dgm:style>
+  </dgm:styleLbl>
+  <dgm:styleLbl name="bgAcc1">
+    <dgm:scene3d>
+      <a:camera prst="orthographicFront"/>
+      <a:lightRig rig="threePt" dir="t"/>
+    </dgm:scene3d>
+    <dgm:sp3d/>
+    <dgm:txPr/>
+    <dgm:style>
+      <a:lnRef idx="2">
+        <a:scrgbClr r="0" g="0" b="0"/>
+      </a:lnRef>
+      <a:fillRef idx="1">
+        <a:scrgbClr r="0" g="0" b="0"/>
+      </a:fillRef>
+      <a:effectRef idx="0">
+        <a:scrgbClr r="0" g="0" b="0"/>
+      </a:effectRef>
+      <a:fontRef idx="minor"/>
+    </dgm:style>
+  </dgm:styleLbl>
+  <dgm:styleLbl name="solidFgAcc1">
+    <dgm:scene3d>
+      <a:camera prst="orthographicFront"/>
+      <a:lightRig rig="threePt" dir="t"/>
+    </dgm:scene3d>
+    <dgm:sp3d/>
+    <dgm:txPr/>
+    <dgm:style>
+      <a:lnRef idx="2">
+        <a:scrgbClr r="0" g="0" b="0"/>
+      </a:lnRef>
+      <a:fillRef idx="1">
+        <a:scrgbClr r="0" g="0" b="0"/>
+      </a:fillRef>
+      <a:effectRef idx="0">
+        <a:scrgbClr r="0" g="0" b="0"/>
+      </a:effectRef>
+      <a:fontRef idx="minor"/>
+    </dgm:style>
+  </dgm:styleLbl>
+  <dgm:styleLbl name="solidAlignAcc1">
+    <dgm:scene3d>
+      <a:camera prst="orthographicFront"/>
+      <a:lightRig rig="threePt" dir="t"/>
+    </dgm:scene3d>
+    <dgm:sp3d/>
+    <dgm:txPr/>
+    <dgm:style>
+      <a:lnRef idx="2">
+        <a:scrgbClr r="0" g="0" b="0"/>
+      </a:lnRef>
+      <a:fillRef idx="1">
+        <a:scrgbClr r="0" g="0" b="0"/>
+      </a:fillRef>
+      <a:effectRef idx="0">
+        <a:scrgbClr r="0" g="0" b="0"/>
+      </a:effectRef>
+      <a:fontRef idx="minor"/>
+    </dgm:style>
+  </dgm:styleLbl>
+  <dgm:styleLbl name="solidBgAcc1">
+    <dgm:scene3d>
+      <a:camera prst="orthographicFront"/>
+      <a:lightRig rig="threePt" dir="t"/>
+    </dgm:scene3d>
+    <dgm:sp3d/>
+    <dgm:txPr/>
+    <dgm:style>
+      <a:lnRef idx="2">
+        <a:scrgbClr r="0" g="0" b="0"/>
+      </a:lnRef>
+      <a:fillRef idx="1">
+        <a:scrgbClr r="0" g="0" b="0"/>
+      </a:fillRef>
+      <a:effectRef idx="0">
+        <a:scrgbClr r="0" g="0" b="0"/>
+      </a:effectRef>
+      <a:fontRef idx="minor"/>
+    </dgm:style>
+  </dgm:styleLbl>
+  <dgm:styleLbl name="fgAccFollowNode1">
+    <dgm:scene3d>
+      <a:camera prst="orthographicFront"/>
+      <a:lightRig rig="threePt" dir="t"/>
+    </dgm:scene3d>
+    <dgm:sp3d/>
+    <dgm:txPr/>
+    <dgm:style>
+      <a:lnRef idx="2">
+        <a:scrgbClr r="0" g="0" b="0"/>
+      </a:lnRef>
+      <a:fillRef idx="1">
+        <a:scrgbClr r="0" g="0" b="0"/>
+      </a:fillRef>
+      <a:effectRef idx="0">
+        <a:scrgbClr r="0" g="0" b="0"/>
+      </a:effectRef>
+      <a:fontRef idx="minor"/>
+    </dgm:style>
+  </dgm:styleLbl>
+  <dgm:styleLbl name="alignAccFollowNode1">
+    <dgm:scene3d>
+      <a:camera prst="orthographicFront"/>
+      <a:lightRig rig="threePt" dir="t"/>
+    </dgm:scene3d>
+    <dgm:sp3d/>
+    <dgm:txPr/>
+    <dgm:style>
+      <a:lnRef idx="2">
+        <a:scrgbClr r="0" g="0" b="0"/>
+      </a:lnRef>
+      <a:fillRef idx="1">
+        <a:scrgbClr r="0" g="0" b="0"/>
+      </a:fillRef>
+      <a:effectRef idx="0">
+        <a:scrgbClr r="0" g="0" b="0"/>
+      </a:effectRef>
+      <a:fontRef idx="minor"/>
+    </dgm:style>
+  </dgm:styleLbl>
+  <dgm:styleLbl name="bgAccFollowNode1">
+    <dgm:scene3d>
+      <a:camera prst="orthographicFront"/>
+      <a:lightRig rig="threePt" dir="t"/>
+    </dgm:scene3d>
+    <dgm:sp3d/>
+    <dgm:txPr/>
+    <dgm:style>
+      <a:lnRef idx="2">
+        <a:scrgbClr r="0" g="0" b="0"/>
+      </a:lnRef>
+      <a:fillRef idx="1">
+        <a:scrgbClr r="0" g="0" b="0"/>
+      </a:fillRef>
+      <a:effectRef idx="0">
+        <a:scrgbClr r="0" g="0" b="0"/>
+      </a:effectRef>
+      <a:fontRef idx="minor"/>
+    </dgm:style>
+  </dgm:styleLbl>
+  <dgm:styleLbl name="fgAcc0">
+    <dgm:scene3d>
+      <a:camera prst="orthographicFront"/>
+      <a:lightRig rig="threePt" dir="t"/>
+    </dgm:scene3d>
+    <dgm:sp3d/>
+    <dgm:txPr/>
+    <dgm:style>
+      <a:lnRef idx="2">
+        <a:scrgbClr r="0" g="0" b="0"/>
+      </a:lnRef>
+      <a:fillRef idx="1">
+        <a:scrgbClr r="0" g="0" b="0"/>
+      </a:fillRef>
+      <a:effectRef idx="0">
+        <a:scrgbClr r="0" g="0" b="0"/>
+      </a:effectRef>
+      <a:fontRef idx="minor"/>
+    </dgm:style>
+  </dgm:styleLbl>
+  <dgm:styleLbl name="fgAcc2">
+    <dgm:scene3d>
+      <a:camera prst="orthographicFront"/>
+      <a:lightRig rig="threePt" dir="t"/>
+    </dgm:scene3d>
+    <dgm:sp3d/>
+    <dgm:txPr/>
+    <dgm:style>
+      <a:lnRef idx="2">
+        <a:scrgbClr r="0" g="0" b="0"/>
+      </a:lnRef>
+      <a:fillRef idx="1">
+        <a:scrgbClr r="0" g="0" b="0"/>
+      </a:fillRef>
+      <a:effectRef idx="0">
+        <a:scrgbClr r="0" g="0" b="0"/>
+      </a:effectRef>
+      <a:fontRef idx="minor"/>
+    </dgm:style>
+  </dgm:styleLbl>
+  <dgm:styleLbl name="fgAcc3">
+    <dgm:scene3d>
+      <a:camera prst="orthographicFront"/>
+      <a:lightRig rig="threePt" dir="t"/>
+    </dgm:scene3d>
+    <dgm:sp3d/>
+    <dgm:txPr/>
+    <dgm:style>
+      <a:lnRef idx="2">
+        <a:scrgbClr r="0" g="0" b="0"/>
+      </a:lnRef>
+      <a:fillRef idx="1">
+        <a:scrgbClr r="0" g="0" b="0"/>
+      </a:fillRef>
+      <a:effectRef idx="0">
+        <a:scrgbClr r="0" g="0" b="0"/>
+      </a:effectRef>
+      <a:fontRef idx="minor"/>
+    </dgm:style>
+  </dgm:styleLbl>
+  <dgm:styleLbl name="fgAcc4">
+    <dgm:scene3d>
+      <a:camera prst="orthographicFront"/>
+      <a:lightRig rig="threePt" dir="t"/>
+    </dgm:scene3d>
+    <dgm:sp3d/>
+    <dgm:txPr/>
+    <dgm:style>
+      <a:lnRef idx="2">
+        <a:scrgbClr r="0" g="0" b="0"/>
+      </a:lnRef>
+      <a:fillRef idx="1">
+        <a:scrgbClr r="0" g="0" b="0"/>
+      </a:fillRef>
+      <a:effectRef idx="0">
+        <a:scrgbClr r="0" g="0" b="0"/>
+      </a:effectRef>
+      <a:fontRef idx="minor"/>
+    </dgm:style>
+  </dgm:styleLbl>
+  <dgm:styleLbl name="bgShp">
+    <dgm:scene3d>
+      <a:camera prst="orthographicFront"/>
+      <a:lightRig rig="threePt" dir="t"/>
+    </dgm:scene3d>
+    <dgm:sp3d/>
+    <dgm:txPr/>
+    <dgm:style>
+      <a:lnRef idx="0">
+        <a:scrgbClr r="0" g="0" b="0"/>
+      </a:lnRef>
+      <a:fillRef idx="1">
+        <a:scrgbClr r="0" g="0" b="0"/>
+      </a:fillRef>
+      <a:effectRef idx="0">
+        <a:scrgbClr r="0" g="0" b="0"/>
+      </a:effectRef>
+      <a:fontRef idx="minor"/>
+    </dgm:style>
+  </dgm:styleLbl>
+  <dgm:styleLbl name="dkBgShp">
+    <dgm:scene3d>
+      <a:camera prst="orthographicFront"/>
+      <a:lightRig rig="threePt" dir="t"/>
+    </dgm:scene3d>
+    <dgm:sp3d/>
+    <dgm:txPr/>
+    <dgm:style>
+      <a:lnRef idx="0">
+        <a:scrgbClr r="0" g="0" b="0"/>
+      </a:lnRef>
+      <a:fillRef idx="1">
+        <a:scrgbClr r="0" g="0" b="0"/>
+      </a:fillRef>
+      <a:effectRef idx="0">
+        <a:scrgbClr r="0" g="0" b="0"/>
+      </a:effectRef>
+      <a:fontRef idx="minor"/>
+    </dgm:style>
+  </dgm:styleLbl>
+  <dgm:styleLbl name="trBgShp">
+    <dgm:scene3d>
+      <a:camera prst="orthographicFront"/>
+      <a:lightRig rig="threePt" dir="t"/>
+    </dgm:scene3d>
+    <dgm:sp3d/>
+    <dgm:txPr/>
+    <dgm:style>
+      <a:lnRef idx="0">
+        <a:scrgbClr r="0" g="0" b="0"/>
+      </a:lnRef>
+      <a:fillRef idx="1">
+        <a:scrgbClr r="0" g="0" b="0"/>
+      </a:fillRef>
+      <a:effectRef idx="0">
+        <a:scrgbClr r="0" g="0" b="0"/>
+      </a:effectRef>
+      <a:fontRef idx="minor"/>
+    </dgm:style>
+  </dgm:styleLbl>
+  <dgm:styleLbl name="fgShp">
+    <dgm:scene3d>
+      <a:camera prst="orthographicFront"/>
+      <a:lightRig rig="threePt" dir="t"/>
+    </dgm:scene3d>
+    <dgm:sp3d/>
+    <dgm:txPr/>
+    <dgm:style>
+      <a:lnRef idx="2">
+        <a:scrgbClr r="0" g="0" b="0"/>
+      </a:lnRef>
+      <a:fillRef idx="1">
+        <a:scrgbClr r="0" g="0" b="0"/>
+      </a:fillRef>
+      <a:effectRef idx="0">
+        <a:scrgbClr r="0" g="0" b="0"/>
+      </a:effectRef>
+      <a:fontRef idx="minor"/>
+    </dgm:style>
+  </dgm:styleLbl>
+  <dgm:styleLbl name="revTx">
+    <dgm:scene3d>
+      <a:camera prst="orthographicFront"/>
+      <a:lightRig rig="threePt" dir="t"/>
+    </dgm:scene3d>
+    <dgm:sp3d/>
+    <dgm:txPr/>
+    <dgm:style>
+      <a:lnRef idx="0">
+        <a:scrgbClr r="0" g="0" b="0"/>
+      </a:lnRef>
+      <a:fillRef idx="0">
+        <a:scrgbClr r="0" g="0" b="0"/>
+      </a:fillRef>
+      <a:effectRef idx="0">
+        <a:scrgbClr r="0" g="0" b="0"/>
+      </a:effectRef>
+      <a:fontRef idx="minor"/>
+    </dgm:style>
+  </dgm:styleLbl>
+</dgm:styleDef>
+</file>
+
 <file path=ppt/notesMasters/notesMaster1.xml><?xml version="1.0" encoding="utf-8"?>
 <p:notesMaster xmlns:a="http://schemas.openxmlformats.org/drawingml/2006/main" xmlns:r="http://schemas.openxmlformats.org/officeDocument/2006/relationships" xmlns:p="http://schemas.openxmlformats.org/presentationml/2006/main">
   <p:cSld>
@@ -364,7 +3870,7 @@
           <a:p>
             <a:fld id="{005CC382-AF05-4256-B699-A89F13873124}" type="datetimeFigureOut">
               <a:rPr lang="en-CA" smtClean="0"/>
-              <a:t>2023-01-29</a:t>
+              <a:t>2023-02-16</a:t>
             </a:fld>
             <a:endParaRPr lang="en-CA"/>
           </a:p>
@@ -828,7 +4334,7 @@
           <a:p>
             <a:fld id="{1D8BD707-D9CF-40AE-B4C6-C98DA3205C09}" type="datetimeFigureOut">
               <a:rPr lang="en-US" smtClean="0"/>
-              <a:t>1/29/2023</a:t>
+              <a:t>2/16/2023</a:t>
             </a:fld>
             <a:endParaRPr lang="en-US"/>
           </a:p>
@@ -1049,7 +4555,7 @@
           <a:p>
             <a:fld id="{1D8BD707-D9CF-40AE-B4C6-C98DA3205C09}" type="datetimeFigureOut">
               <a:rPr lang="en-US" smtClean="0"/>
-              <a:t>1/29/2023</a:t>
+              <a:t>2/16/2023</a:t>
             </a:fld>
             <a:endParaRPr lang="en-US"/>
           </a:p>
@@ -1229,7 +4735,7 @@
           <a:p>
             <a:fld id="{1D8BD707-D9CF-40AE-B4C6-C98DA3205C09}" type="datetimeFigureOut">
               <a:rPr lang="en-US" smtClean="0"/>
-              <a:t>1/29/2023</a:t>
+              <a:t>2/16/2023</a:t>
             </a:fld>
             <a:endParaRPr lang="en-US"/>
           </a:p>
@@ -1399,7 +4905,7 @@
           <a:p>
             <a:fld id="{1D8BD707-D9CF-40AE-B4C6-C98DA3205C09}" type="datetimeFigureOut">
               <a:rPr lang="en-US" smtClean="0"/>
-              <a:t>1/29/2023</a:t>
+              <a:t>2/16/2023</a:t>
             </a:fld>
             <a:endParaRPr lang="en-US"/>
           </a:p>
@@ -1650,7 +5156,7 @@
           <a:p>
             <a:fld id="{1D8BD707-D9CF-40AE-B4C6-C98DA3205C09}" type="datetimeFigureOut">
               <a:rPr lang="en-US" smtClean="0"/>
-              <a:t>1/29/2023</a:t>
+              <a:t>2/16/2023</a:t>
             </a:fld>
             <a:endParaRPr lang="en-US"/>
           </a:p>
@@ -1973,7 +5479,7 @@
           <a:p>
             <a:fld id="{1D8BD707-D9CF-40AE-B4C6-C98DA3205C09}" type="datetimeFigureOut">
               <a:rPr lang="en-US" smtClean="0"/>
-              <a:t>1/29/2023</a:t>
+              <a:t>2/16/2023</a:t>
             </a:fld>
             <a:endParaRPr lang="en-US"/>
           </a:p>
@@ -2397,7 +5903,7 @@
           <a:p>
             <a:fld id="{1D8BD707-D9CF-40AE-B4C6-C98DA3205C09}" type="datetimeFigureOut">
               <a:rPr lang="en-US" smtClean="0"/>
-              <a:t>1/29/2023</a:t>
+              <a:t>2/16/2023</a:t>
             </a:fld>
             <a:endParaRPr lang="en-US"/>
           </a:p>
@@ -2515,7 +6021,7 @@
           <a:p>
             <a:fld id="{1D8BD707-D9CF-40AE-B4C6-C98DA3205C09}" type="datetimeFigureOut">
               <a:rPr lang="en-US" smtClean="0"/>
-              <a:t>1/29/2023</a:t>
+              <a:t>2/16/2023</a:t>
             </a:fld>
             <a:endParaRPr lang="en-US"/>
           </a:p>
@@ -2610,7 +6116,7 @@
           <a:p>
             <a:fld id="{1D8BD707-D9CF-40AE-B4C6-C98DA3205C09}" type="datetimeFigureOut">
               <a:rPr lang="en-US" smtClean="0"/>
-              <a:t>1/29/2023</a:t>
+              <a:t>2/16/2023</a:t>
             </a:fld>
             <a:endParaRPr lang="en-US"/>
           </a:p>
@@ -2900,7 +6406,7 @@
           <a:p>
             <a:fld id="{1D8BD707-D9CF-40AE-B4C6-C98DA3205C09}" type="datetimeFigureOut">
               <a:rPr lang="en-US" smtClean="0"/>
-              <a:t>1/29/2023</a:t>
+              <a:t>2/16/2023</a:t>
             </a:fld>
             <a:endParaRPr lang="en-US"/>
           </a:p>
@@ -3172,7 +6678,7 @@
           <a:p>
             <a:fld id="{1D8BD707-D9CF-40AE-B4C6-C98DA3205C09}" type="datetimeFigureOut">
               <a:rPr lang="en-US" smtClean="0"/>
-              <a:t>1/29/2023</a:t>
+              <a:t>2/16/2023</a:t>
             </a:fld>
             <a:endParaRPr lang="en-US"/>
           </a:p>
@@ -3426,7 +6932,7 @@
           <a:p>
             <a:fld id="{1D8BD707-D9CF-40AE-B4C6-C98DA3205C09}" type="datetimeFigureOut">
               <a:rPr lang="en-US" smtClean="0"/>
-              <a:t>1/29/2023</a:t>
+              <a:t>2/16/2023</a:t>
             </a:fld>
             <a:endParaRPr lang="en-US"/>
           </a:p>
@@ -3909,10 +7415,9 @@
           <a:lstStyle/>
           <a:p>
             <a:r>
-              <a:rPr lang="en-CA"/>
-              <a:t>Template</a:t>
-            </a:r>
-            <a:endParaRPr lang="en-CA" dirty="0"/>
+              <a:rPr lang="en-CA" dirty="0"/>
+              <a:t>Polymorphism</a:t>
+            </a:r>
           </a:p>
         </p:txBody>
       </p:sp>
@@ -3945,6 +7450,4571 @@
     <p:extLst>
       <p:ext uri="{BB962C8B-B14F-4D97-AF65-F5344CB8AC3E}">
         <p14:creationId xmlns:p14="http://schemas.microsoft.com/office/powerpoint/2010/main" val="3434089016"/>
+      </p:ext>
+    </p:extLst>
+  </p:cSld>
+  <p:clrMapOvr>
+    <a:masterClrMapping/>
+  </p:clrMapOvr>
+</p:sld>
+</file>
+
+<file path=ppt/slides/slide10.xml><?xml version="1.0" encoding="utf-8"?>
+<p:sld xmlns:a="http://schemas.openxmlformats.org/drawingml/2006/main" xmlns:r="http://schemas.openxmlformats.org/officeDocument/2006/relationships" xmlns:p="http://schemas.openxmlformats.org/presentationml/2006/main">
+  <p:cSld>
+    <p:spTree>
+      <p:nvGrpSpPr>
+        <p:cNvPr id="1" name=""/>
+        <p:cNvGrpSpPr/>
+        <p:nvPr/>
+      </p:nvGrpSpPr>
+      <p:grpSpPr>
+        <a:xfrm>
+          <a:off x="0" y="0"/>
+          <a:ext cx="0" cy="0"/>
+          <a:chOff x="0" y="0"/>
+          <a:chExt cx="0" cy="0"/>
+        </a:xfrm>
+      </p:grpSpPr>
+      <p:sp>
+        <p:nvSpPr>
+          <p:cNvPr id="2" name="Title 1">
+            <a:extLst>
+              <a:ext uri="{FF2B5EF4-FFF2-40B4-BE49-F238E27FC236}">
+                <a16:creationId xmlns:a16="http://schemas.microsoft.com/office/drawing/2014/main" id="{39E99FBA-1EC8-AAE6-EA9C-44C860AD1AC4}"/>
+              </a:ext>
+            </a:extLst>
+          </p:cNvPr>
+          <p:cNvSpPr>
+            <a:spLocks noGrp="1"/>
+          </p:cNvSpPr>
+          <p:nvPr>
+            <p:ph type="title"/>
+          </p:nvPr>
+        </p:nvSpPr>
+        <p:spPr/>
+        <p:txBody>
+          <a:bodyPr>
+            <a:normAutofit/>
+          </a:bodyPr>
+          <a:lstStyle/>
+          <a:p>
+            <a:r>
+              <a:rPr lang="en-CA" sz="6000" dirty="0"/>
+              <a:t>Liskov Substitution Principle</a:t>
+            </a:r>
+          </a:p>
+        </p:txBody>
+      </p:sp>
+      <p:sp>
+        <p:nvSpPr>
+          <p:cNvPr id="3" name="Content Placeholder 2">
+            <a:extLst>
+              <a:ext uri="{FF2B5EF4-FFF2-40B4-BE49-F238E27FC236}">
+                <a16:creationId xmlns:a16="http://schemas.microsoft.com/office/drawing/2014/main" id="{BEDA9BD1-AAB5-BFBB-BE90-498121FC7FFF}"/>
+              </a:ext>
+            </a:extLst>
+          </p:cNvPr>
+          <p:cNvSpPr>
+            <a:spLocks noGrp="1"/>
+          </p:cNvSpPr>
+          <p:nvPr>
+            <p:ph idx="1"/>
+          </p:nvPr>
+        </p:nvSpPr>
+        <p:spPr/>
+        <p:txBody>
+          <a:bodyPr/>
+          <a:lstStyle/>
+          <a:p>
+            <a:r>
+              <a:rPr lang="en-CA" dirty="0"/>
+              <a:t>The “L” in the SOLID principles</a:t>
+            </a:r>
+          </a:p>
+          <a:p>
+            <a:r>
+              <a:rPr lang="en-US" dirty="0"/>
+              <a:t>Principle of substitutability</a:t>
+            </a:r>
+          </a:p>
+          <a:p>
+            <a:r>
+              <a:rPr lang="en-US" dirty="0"/>
+              <a:t>Any instance of a type should be able to be replaced by instances of sub-type </a:t>
+            </a:r>
+          </a:p>
+          <a:p>
+            <a:r>
+              <a:rPr lang="en-US" dirty="0"/>
+              <a:t>Should not “break” the program (alter desirable characteristics)</a:t>
+            </a:r>
+          </a:p>
+          <a:p>
+            <a:r>
+              <a:rPr lang="en-CA" dirty="0"/>
+              <a:t>Applies to type-systems, and to run-time behavior</a:t>
+            </a:r>
+          </a:p>
+          <a:p>
+            <a:endParaRPr lang="en-CA" dirty="0"/>
+          </a:p>
+        </p:txBody>
+      </p:sp>
+    </p:spTree>
+    <p:extLst>
+      <p:ext uri="{BB962C8B-B14F-4D97-AF65-F5344CB8AC3E}">
+        <p14:creationId xmlns:p14="http://schemas.microsoft.com/office/powerpoint/2010/main" val="173674947"/>
+      </p:ext>
+    </p:extLst>
+  </p:cSld>
+  <p:clrMapOvr>
+    <a:masterClrMapping/>
+  </p:clrMapOvr>
+</p:sld>
+</file>
+
+<file path=ppt/slides/slide11.xml><?xml version="1.0" encoding="utf-8"?>
+<p:sld xmlns:a="http://schemas.openxmlformats.org/drawingml/2006/main" xmlns:r="http://schemas.openxmlformats.org/officeDocument/2006/relationships" xmlns:p="http://schemas.openxmlformats.org/presentationml/2006/main">
+  <p:cSld>
+    <p:spTree>
+      <p:nvGrpSpPr>
+        <p:cNvPr id="1" name=""/>
+        <p:cNvGrpSpPr/>
+        <p:nvPr/>
+      </p:nvGrpSpPr>
+      <p:grpSpPr>
+        <a:xfrm>
+          <a:off x="0" y="0"/>
+          <a:ext cx="0" cy="0"/>
+          <a:chOff x="0" y="0"/>
+          <a:chExt cx="0" cy="0"/>
+        </a:xfrm>
+      </p:grpSpPr>
+      <p:sp>
+        <p:nvSpPr>
+          <p:cNvPr id="2" name="Title 1">
+            <a:extLst>
+              <a:ext uri="{FF2B5EF4-FFF2-40B4-BE49-F238E27FC236}">
+                <a16:creationId xmlns:a16="http://schemas.microsoft.com/office/drawing/2014/main" id="{C0DB7DDB-0DAE-E293-2164-4DA152E9AA65}"/>
+              </a:ext>
+            </a:extLst>
+          </p:cNvPr>
+          <p:cNvSpPr>
+            <a:spLocks noGrp="1"/>
+          </p:cNvSpPr>
+          <p:nvPr>
+            <p:ph type="title"/>
+          </p:nvPr>
+        </p:nvSpPr>
+        <p:spPr/>
+        <p:txBody>
+          <a:bodyPr/>
+          <a:lstStyle/>
+          <a:p>
+            <a:r>
+              <a:rPr lang="en-CA" dirty="0"/>
+              <a:t>Example: Calendar Application</a:t>
+            </a:r>
+          </a:p>
+        </p:txBody>
+      </p:sp>
+      <p:graphicFrame>
+        <p:nvGraphicFramePr>
+          <p:cNvPr id="4" name="Content Placeholder 3">
+            <a:extLst>
+              <a:ext uri="{FF2B5EF4-FFF2-40B4-BE49-F238E27FC236}">
+                <a16:creationId xmlns:a16="http://schemas.microsoft.com/office/drawing/2014/main" id="{745EC1A9-1606-30E7-8111-6B0D09E61DBE}"/>
+              </a:ext>
+            </a:extLst>
+          </p:cNvPr>
+          <p:cNvGraphicFramePr>
+            <a:graphicFrameLocks noGrp="1"/>
+          </p:cNvGraphicFramePr>
+          <p:nvPr>
+            <p:ph idx="1"/>
+            <p:extLst>
+              <p:ext uri="{D42A27DB-BD31-4B8C-83A1-F6EECF244321}">
+                <p14:modId xmlns:p14="http://schemas.microsoft.com/office/powerpoint/2010/main" val="233392928"/>
+              </p:ext>
+            </p:extLst>
+          </p:nvPr>
+        </p:nvGraphicFramePr>
+        <p:xfrm>
+          <a:off x="1714500" y="3086100"/>
+          <a:ext cx="14809788" cy="6057900"/>
+        </p:xfrm>
+        <a:graphic>
+          <a:graphicData uri="http://schemas.openxmlformats.org/drawingml/2006/diagram">
+            <dgm:relIds xmlns:dgm="http://schemas.openxmlformats.org/drawingml/2006/diagram" xmlns:r="http://schemas.openxmlformats.org/officeDocument/2006/relationships" r:dm="rId2" r:lo="rId3" r:qs="rId4" r:cs="rId5"/>
+          </a:graphicData>
+        </a:graphic>
+      </p:graphicFrame>
+    </p:spTree>
+    <p:extLst>
+      <p:ext uri="{BB962C8B-B14F-4D97-AF65-F5344CB8AC3E}">
+        <p14:creationId xmlns:p14="http://schemas.microsoft.com/office/powerpoint/2010/main" val="3386176751"/>
+      </p:ext>
+    </p:extLst>
+  </p:cSld>
+  <p:clrMapOvr>
+    <a:masterClrMapping/>
+  </p:clrMapOvr>
+</p:sld>
+</file>
+
+<file path=ppt/slides/slide12.xml><?xml version="1.0" encoding="utf-8"?>
+<p:sld xmlns:a="http://schemas.openxmlformats.org/drawingml/2006/main" xmlns:r="http://schemas.openxmlformats.org/officeDocument/2006/relationships" xmlns:p="http://schemas.openxmlformats.org/presentationml/2006/main">
+  <p:cSld>
+    <p:spTree>
+      <p:nvGrpSpPr>
+        <p:cNvPr id="1" name=""/>
+        <p:cNvGrpSpPr/>
+        <p:nvPr/>
+      </p:nvGrpSpPr>
+      <p:grpSpPr>
+        <a:xfrm>
+          <a:off x="0" y="0"/>
+          <a:ext cx="0" cy="0"/>
+          <a:chOff x="0" y="0"/>
+          <a:chExt cx="0" cy="0"/>
+        </a:xfrm>
+      </p:grpSpPr>
+      <p:sp>
+        <p:nvSpPr>
+          <p:cNvPr id="2" name="Title 1">
+            <a:extLst>
+              <a:ext uri="{FF2B5EF4-FFF2-40B4-BE49-F238E27FC236}">
+                <a16:creationId xmlns:a16="http://schemas.microsoft.com/office/drawing/2014/main" id="{6EDB3837-87A7-7777-0C1B-22DED943CF41}"/>
+              </a:ext>
+            </a:extLst>
+          </p:cNvPr>
+          <p:cNvSpPr>
+            <a:spLocks noGrp="1"/>
+          </p:cNvSpPr>
+          <p:nvPr>
+            <p:ph type="title"/>
+          </p:nvPr>
+        </p:nvSpPr>
+        <p:spPr/>
+        <p:txBody>
+          <a:bodyPr/>
+          <a:lstStyle/>
+          <a:p>
+            <a:r>
+              <a:rPr lang="en-CA" dirty="0"/>
+              <a:t>Using a Base Class in a Collection</a:t>
+            </a:r>
+          </a:p>
+        </p:txBody>
+      </p:sp>
+      <p:sp>
+        <p:nvSpPr>
+          <p:cNvPr id="3" name="Content Placeholder 2">
+            <a:extLst>
+              <a:ext uri="{FF2B5EF4-FFF2-40B4-BE49-F238E27FC236}">
+                <a16:creationId xmlns:a16="http://schemas.microsoft.com/office/drawing/2014/main" id="{F8EB3E83-E937-1AD7-F8F7-0D94B7AB9A0D}"/>
+              </a:ext>
+            </a:extLst>
+          </p:cNvPr>
+          <p:cNvSpPr>
+            <a:spLocks noGrp="1"/>
+          </p:cNvSpPr>
+          <p:nvPr>
+            <p:ph idx="1"/>
+          </p:nvPr>
+        </p:nvSpPr>
+        <p:spPr/>
+        <p:txBody>
+          <a:bodyPr/>
+          <a:lstStyle/>
+          <a:p>
+            <a:r>
+              <a:rPr lang="en-CA" dirty="0"/>
+              <a:t>A big advantage of subtyping is that we can have similar items in a collection</a:t>
+            </a:r>
+          </a:p>
+          <a:p>
+            <a:r>
+              <a:rPr lang="en-CA" dirty="0"/>
+              <a:t>They might have different forms, but aren’t just anything</a:t>
+            </a:r>
+          </a:p>
+          <a:p>
+            <a:r>
+              <a:rPr lang="en-CA" dirty="0"/>
+              <a:t>Hence the term “polymorphism” =&gt; “taking many forms”</a:t>
+            </a:r>
+          </a:p>
+        </p:txBody>
+      </p:sp>
+    </p:spTree>
+    <p:extLst>
+      <p:ext uri="{BB962C8B-B14F-4D97-AF65-F5344CB8AC3E}">
+        <p14:creationId xmlns:p14="http://schemas.microsoft.com/office/powerpoint/2010/main" val="1853691535"/>
+      </p:ext>
+    </p:extLst>
+  </p:cSld>
+  <p:clrMapOvr>
+    <a:masterClrMapping/>
+  </p:clrMapOvr>
+</p:sld>
+</file>
+
+<file path=ppt/slides/slide13.xml><?xml version="1.0" encoding="utf-8"?>
+<p:sld xmlns:a="http://schemas.openxmlformats.org/drawingml/2006/main" xmlns:r="http://schemas.openxmlformats.org/officeDocument/2006/relationships" xmlns:p="http://schemas.openxmlformats.org/presentationml/2006/main">
+  <p:cSld>
+    <p:spTree>
+      <p:nvGrpSpPr>
+        <p:cNvPr id="1" name=""/>
+        <p:cNvGrpSpPr/>
+        <p:nvPr/>
+      </p:nvGrpSpPr>
+      <p:grpSpPr>
+        <a:xfrm>
+          <a:off x="0" y="0"/>
+          <a:ext cx="0" cy="0"/>
+          <a:chOff x="0" y="0"/>
+          <a:chExt cx="0" cy="0"/>
+        </a:xfrm>
+      </p:grpSpPr>
+      <p:sp>
+        <p:nvSpPr>
+          <p:cNvPr id="2" name="Title 1">
+            <a:extLst>
+              <a:ext uri="{FF2B5EF4-FFF2-40B4-BE49-F238E27FC236}">
+                <a16:creationId xmlns:a16="http://schemas.microsoft.com/office/drawing/2014/main" id="{7A2C619E-D847-30CA-9E1C-46BAFE3E9029}"/>
+              </a:ext>
+            </a:extLst>
+          </p:cNvPr>
+          <p:cNvSpPr>
+            <a:spLocks noGrp="1"/>
+          </p:cNvSpPr>
+          <p:nvPr>
+            <p:ph type="title"/>
+          </p:nvPr>
+        </p:nvSpPr>
+        <p:spPr/>
+        <p:txBody>
+          <a:bodyPr/>
+          <a:lstStyle/>
+          <a:p>
+            <a:r>
+              <a:rPr lang="en-CA" dirty="0"/>
+              <a:t>Don’t use Inheritance to Reuse Code</a:t>
+            </a:r>
+          </a:p>
+        </p:txBody>
+      </p:sp>
+      <p:sp>
+        <p:nvSpPr>
+          <p:cNvPr id="3" name="Content Placeholder 2">
+            <a:extLst>
+              <a:ext uri="{FF2B5EF4-FFF2-40B4-BE49-F238E27FC236}">
+                <a16:creationId xmlns:a16="http://schemas.microsoft.com/office/drawing/2014/main" id="{37808C8F-30EE-BFD7-273D-AAC97F977110}"/>
+              </a:ext>
+            </a:extLst>
+          </p:cNvPr>
+          <p:cNvSpPr>
+            <a:spLocks noGrp="1"/>
+          </p:cNvSpPr>
+          <p:nvPr>
+            <p:ph idx="1"/>
+          </p:nvPr>
+        </p:nvSpPr>
+        <p:spPr/>
+        <p:txBody>
+          <a:bodyPr/>
+          <a:lstStyle/>
+          <a:p>
+            <a:r>
+              <a:rPr lang="en-CA" dirty="0"/>
+              <a:t>Prefer composition instead</a:t>
+            </a:r>
+          </a:p>
+          <a:p>
+            <a:r>
+              <a:rPr lang="en-CA" dirty="0"/>
+              <a:t>Inheritance implies a “is-a” relationship between entities </a:t>
+            </a:r>
+          </a:p>
+          <a:p>
+            <a:r>
+              <a:rPr lang="en-CA" dirty="0"/>
+              <a:t>Composition implies a “has-a” relationship between entities</a:t>
+            </a:r>
+          </a:p>
+          <a:p>
+            <a:r>
+              <a:rPr lang="en-CA" dirty="0"/>
+              <a:t>Small amount of extra coding (have to forward functions) </a:t>
+            </a:r>
+          </a:p>
+          <a:p>
+            <a:r>
+              <a:rPr lang="en-CA" dirty="0"/>
+              <a:t>Still better and safer </a:t>
+            </a:r>
+          </a:p>
+        </p:txBody>
+      </p:sp>
+    </p:spTree>
+    <p:extLst>
+      <p:ext uri="{BB962C8B-B14F-4D97-AF65-F5344CB8AC3E}">
+        <p14:creationId xmlns:p14="http://schemas.microsoft.com/office/powerpoint/2010/main" val="3795369367"/>
+      </p:ext>
+    </p:extLst>
+  </p:cSld>
+  <p:clrMapOvr>
+    <a:masterClrMapping/>
+  </p:clrMapOvr>
+</p:sld>
+</file>
+
+<file path=ppt/slides/slide14.xml><?xml version="1.0" encoding="utf-8"?>
+<p:sld xmlns:a="http://schemas.openxmlformats.org/drawingml/2006/main" xmlns:r="http://schemas.openxmlformats.org/officeDocument/2006/relationships" xmlns:p="http://schemas.openxmlformats.org/presentationml/2006/main">
+  <p:cSld>
+    <p:spTree>
+      <p:nvGrpSpPr>
+        <p:cNvPr id="1" name=""/>
+        <p:cNvGrpSpPr/>
+        <p:nvPr/>
+      </p:nvGrpSpPr>
+      <p:grpSpPr>
+        <a:xfrm>
+          <a:off x="0" y="0"/>
+          <a:ext cx="0" cy="0"/>
+          <a:chOff x="0" y="0"/>
+          <a:chExt cx="0" cy="0"/>
+        </a:xfrm>
+      </p:grpSpPr>
+      <p:sp>
+        <p:nvSpPr>
+          <p:cNvPr id="2" name="Title 1">
+            <a:extLst>
+              <a:ext uri="{FF2B5EF4-FFF2-40B4-BE49-F238E27FC236}">
+                <a16:creationId xmlns:a16="http://schemas.microsoft.com/office/drawing/2014/main" id="{821B09D1-950A-1B8E-25E7-1763231BAFA7}"/>
+              </a:ext>
+            </a:extLst>
+          </p:cNvPr>
+          <p:cNvSpPr>
+            <a:spLocks noGrp="1"/>
+          </p:cNvSpPr>
+          <p:nvPr>
+            <p:ph type="title"/>
+          </p:nvPr>
+        </p:nvSpPr>
+        <p:spPr/>
+        <p:txBody>
+          <a:bodyPr/>
+          <a:lstStyle/>
+          <a:p>
+            <a:r>
+              <a:rPr lang="en-CA" dirty="0"/>
+              <a:t>Composition</a:t>
+            </a:r>
+          </a:p>
+        </p:txBody>
+      </p:sp>
+      <p:sp>
+        <p:nvSpPr>
+          <p:cNvPr id="3" name="Content Placeholder 2">
+            <a:extLst>
+              <a:ext uri="{FF2B5EF4-FFF2-40B4-BE49-F238E27FC236}">
+                <a16:creationId xmlns:a16="http://schemas.microsoft.com/office/drawing/2014/main" id="{4A16040C-7993-6625-7296-B705F3BBD4B6}"/>
+              </a:ext>
+            </a:extLst>
+          </p:cNvPr>
+          <p:cNvSpPr>
+            <a:spLocks noGrp="1"/>
+          </p:cNvSpPr>
+          <p:nvPr>
+            <p:ph idx="1"/>
+          </p:nvPr>
+        </p:nvSpPr>
+        <p:spPr/>
+        <p:txBody>
+          <a:bodyPr/>
+          <a:lstStyle/>
+          <a:p>
+            <a:r>
+              <a:rPr lang="en-CA" dirty="0"/>
+              <a:t>The idea that one object may contain another </a:t>
+            </a:r>
+          </a:p>
+          <a:p>
+            <a:r>
+              <a:rPr lang="en-CA" dirty="0"/>
+              <a:t>Any class with any fields is an example of composition </a:t>
+            </a:r>
+          </a:p>
+          <a:p>
+            <a:r>
+              <a:rPr lang="en-CA" dirty="0"/>
+              <a:t>Trivial concept, but used to describe alternative to inheritance</a:t>
+            </a:r>
+          </a:p>
+          <a:p>
+            <a:endParaRPr lang="en-CA" dirty="0"/>
+          </a:p>
+          <a:p>
+            <a:endParaRPr lang="en-CA" dirty="0"/>
+          </a:p>
+        </p:txBody>
+      </p:sp>
+    </p:spTree>
+    <p:extLst>
+      <p:ext uri="{BB962C8B-B14F-4D97-AF65-F5344CB8AC3E}">
+        <p14:creationId xmlns:p14="http://schemas.microsoft.com/office/powerpoint/2010/main" val="1670386620"/>
+      </p:ext>
+    </p:extLst>
+  </p:cSld>
+  <p:clrMapOvr>
+    <a:masterClrMapping/>
+  </p:clrMapOvr>
+</p:sld>
+</file>
+
+<file path=ppt/slides/slide15.xml><?xml version="1.0" encoding="utf-8"?>
+<p:sld xmlns:a="http://schemas.openxmlformats.org/drawingml/2006/main" xmlns:r="http://schemas.openxmlformats.org/officeDocument/2006/relationships" xmlns:p="http://schemas.openxmlformats.org/presentationml/2006/main">
+  <p:cSld>
+    <p:spTree>
+      <p:nvGrpSpPr>
+        <p:cNvPr id="1" name=""/>
+        <p:cNvGrpSpPr/>
+        <p:nvPr/>
+      </p:nvGrpSpPr>
+      <p:grpSpPr>
+        <a:xfrm>
+          <a:off x="0" y="0"/>
+          <a:ext cx="0" cy="0"/>
+          <a:chOff x="0" y="0"/>
+          <a:chExt cx="0" cy="0"/>
+        </a:xfrm>
+      </p:grpSpPr>
+      <p:sp>
+        <p:nvSpPr>
+          <p:cNvPr id="2" name="Title 1">
+            <a:extLst>
+              <a:ext uri="{FF2B5EF4-FFF2-40B4-BE49-F238E27FC236}">
+                <a16:creationId xmlns:a16="http://schemas.microsoft.com/office/drawing/2014/main" id="{66EB103F-04BD-D40F-98D6-2C79D634704A}"/>
+              </a:ext>
+            </a:extLst>
+          </p:cNvPr>
+          <p:cNvSpPr>
+            <a:spLocks noGrp="1"/>
+          </p:cNvSpPr>
+          <p:nvPr>
+            <p:ph type="title"/>
+          </p:nvPr>
+        </p:nvSpPr>
+        <p:spPr/>
+        <p:txBody>
+          <a:bodyPr/>
+          <a:lstStyle/>
+          <a:p>
+            <a:r>
+              <a:rPr lang="en-CA" dirty="0"/>
+              <a:t>Class Relationships</a:t>
+            </a:r>
+          </a:p>
+        </p:txBody>
+      </p:sp>
+      <p:sp>
+        <p:nvSpPr>
+          <p:cNvPr id="3" name="Content Placeholder 2">
+            <a:extLst>
+              <a:ext uri="{FF2B5EF4-FFF2-40B4-BE49-F238E27FC236}">
+                <a16:creationId xmlns:a16="http://schemas.microsoft.com/office/drawing/2014/main" id="{380389BE-F152-49B9-EF22-3DF1637C163C}"/>
+              </a:ext>
+            </a:extLst>
+          </p:cNvPr>
+          <p:cNvSpPr>
+            <a:spLocks noGrp="1"/>
+          </p:cNvSpPr>
+          <p:nvPr>
+            <p:ph idx="1"/>
+          </p:nvPr>
+        </p:nvSpPr>
+        <p:spPr/>
+        <p:txBody>
+          <a:bodyPr/>
+          <a:lstStyle/>
+          <a:p>
+            <a:r>
+              <a:rPr lang="en-CA" dirty="0"/>
+              <a:t>Is-a relationship – inheritance</a:t>
+            </a:r>
+          </a:p>
+          <a:p>
+            <a:r>
+              <a:rPr lang="en-CA" dirty="0"/>
+              <a:t>Has-a relationship – composition </a:t>
+            </a:r>
+          </a:p>
+        </p:txBody>
+      </p:sp>
+    </p:spTree>
+    <p:extLst>
+      <p:ext uri="{BB962C8B-B14F-4D97-AF65-F5344CB8AC3E}">
+        <p14:creationId xmlns:p14="http://schemas.microsoft.com/office/powerpoint/2010/main" val="4176059545"/>
+      </p:ext>
+    </p:extLst>
+  </p:cSld>
+  <p:clrMapOvr>
+    <a:masterClrMapping/>
+  </p:clrMapOvr>
+</p:sld>
+</file>
+
+<file path=ppt/slides/slide16.xml><?xml version="1.0" encoding="utf-8"?>
+<p:sld xmlns:a="http://schemas.openxmlformats.org/drawingml/2006/main" xmlns:r="http://schemas.openxmlformats.org/officeDocument/2006/relationships" xmlns:p="http://schemas.openxmlformats.org/presentationml/2006/main">
+  <p:cSld>
+    <p:spTree>
+      <p:nvGrpSpPr>
+        <p:cNvPr id="1" name=""/>
+        <p:cNvGrpSpPr/>
+        <p:nvPr/>
+      </p:nvGrpSpPr>
+      <p:grpSpPr>
+        <a:xfrm>
+          <a:off x="0" y="0"/>
+          <a:ext cx="0" cy="0"/>
+          <a:chOff x="0" y="0"/>
+          <a:chExt cx="0" cy="0"/>
+        </a:xfrm>
+      </p:grpSpPr>
+      <p:sp>
+        <p:nvSpPr>
+          <p:cNvPr id="2" name="Title 1">
+            <a:extLst>
+              <a:ext uri="{FF2B5EF4-FFF2-40B4-BE49-F238E27FC236}">
+                <a16:creationId xmlns:a16="http://schemas.microsoft.com/office/drawing/2014/main" id="{3B181465-BFA4-E8D7-7E7A-8279EAA3EA9C}"/>
+              </a:ext>
+            </a:extLst>
+          </p:cNvPr>
+          <p:cNvSpPr>
+            <a:spLocks noGrp="1"/>
+          </p:cNvSpPr>
+          <p:nvPr>
+            <p:ph type="title"/>
+          </p:nvPr>
+        </p:nvSpPr>
+        <p:spPr/>
+        <p:txBody>
+          <a:bodyPr/>
+          <a:lstStyle/>
+          <a:p>
+            <a:r>
+              <a:rPr lang="en-CA" dirty="0"/>
+              <a:t>Upcast and </a:t>
+            </a:r>
+            <a:r>
+              <a:rPr lang="en-CA" dirty="0" err="1"/>
+              <a:t>Downcasts</a:t>
+            </a:r>
+            <a:endParaRPr lang="en-CA" dirty="0"/>
+          </a:p>
+        </p:txBody>
+      </p:sp>
+      <p:sp>
+        <p:nvSpPr>
+          <p:cNvPr id="3" name="Content Placeholder 2">
+            <a:extLst>
+              <a:ext uri="{FF2B5EF4-FFF2-40B4-BE49-F238E27FC236}">
+                <a16:creationId xmlns:a16="http://schemas.microsoft.com/office/drawing/2014/main" id="{F8D5A517-B688-55C8-353D-99FBDB5F07B1}"/>
+              </a:ext>
+            </a:extLst>
+          </p:cNvPr>
+          <p:cNvSpPr>
+            <a:spLocks noGrp="1"/>
+          </p:cNvSpPr>
+          <p:nvPr>
+            <p:ph idx="1"/>
+          </p:nvPr>
+        </p:nvSpPr>
+        <p:spPr/>
+        <p:txBody>
+          <a:bodyPr/>
+          <a:lstStyle/>
+          <a:p>
+            <a:r>
+              <a:rPr lang="en-CA" dirty="0"/>
+              <a:t>Upcasting from a class to a super type (base class) always works</a:t>
+            </a:r>
+          </a:p>
+          <a:p>
+            <a:r>
+              <a:rPr lang="en-CA" dirty="0"/>
+              <a:t>It is an implicit conversion</a:t>
+            </a:r>
+          </a:p>
+          <a:p>
+            <a:r>
+              <a:rPr lang="en-CA" dirty="0"/>
+              <a:t>Downcasting from a base class to a derived class may or may not work </a:t>
+            </a:r>
+          </a:p>
+          <a:p>
+            <a:r>
+              <a:rPr lang="en-CA" dirty="0"/>
+              <a:t>It is an explicit conversion </a:t>
+            </a:r>
+          </a:p>
+        </p:txBody>
+      </p:sp>
+    </p:spTree>
+    <p:extLst>
+      <p:ext uri="{BB962C8B-B14F-4D97-AF65-F5344CB8AC3E}">
+        <p14:creationId xmlns:p14="http://schemas.microsoft.com/office/powerpoint/2010/main" val="3073517770"/>
+      </p:ext>
+    </p:extLst>
+  </p:cSld>
+  <p:clrMapOvr>
+    <a:masterClrMapping/>
+  </p:clrMapOvr>
+</p:sld>
+</file>
+
+<file path=ppt/slides/slide17.xml><?xml version="1.0" encoding="utf-8"?>
+<p:sld xmlns:a="http://schemas.openxmlformats.org/drawingml/2006/main" xmlns:r="http://schemas.openxmlformats.org/officeDocument/2006/relationships" xmlns:p="http://schemas.openxmlformats.org/presentationml/2006/main">
+  <p:cSld>
+    <p:spTree>
+      <p:nvGrpSpPr>
+        <p:cNvPr id="1" name=""/>
+        <p:cNvGrpSpPr/>
+        <p:nvPr/>
+      </p:nvGrpSpPr>
+      <p:grpSpPr>
+        <a:xfrm>
+          <a:off x="0" y="0"/>
+          <a:ext cx="0" cy="0"/>
+          <a:chOff x="0" y="0"/>
+          <a:chExt cx="0" cy="0"/>
+        </a:xfrm>
+      </p:grpSpPr>
+      <p:sp>
+        <p:nvSpPr>
+          <p:cNvPr id="2" name="Title 1">
+            <a:extLst>
+              <a:ext uri="{FF2B5EF4-FFF2-40B4-BE49-F238E27FC236}">
+                <a16:creationId xmlns:a16="http://schemas.microsoft.com/office/drawing/2014/main" id="{5F73E747-0DC0-55E4-49D4-36611E2681D9}"/>
+              </a:ext>
+            </a:extLst>
+          </p:cNvPr>
+          <p:cNvSpPr>
+            <a:spLocks noGrp="1"/>
+          </p:cNvSpPr>
+          <p:nvPr>
+            <p:ph type="title"/>
+          </p:nvPr>
+        </p:nvSpPr>
+        <p:spPr/>
+        <p:txBody>
+          <a:bodyPr/>
+          <a:lstStyle/>
+          <a:p>
+            <a:r>
+              <a:rPr lang="en-CA" dirty="0"/>
+              <a:t>What if Explicit Conversion Fails?</a:t>
+            </a:r>
+          </a:p>
+        </p:txBody>
+      </p:sp>
+      <p:sp>
+        <p:nvSpPr>
+          <p:cNvPr id="3" name="Content Placeholder 2">
+            <a:extLst>
+              <a:ext uri="{FF2B5EF4-FFF2-40B4-BE49-F238E27FC236}">
+                <a16:creationId xmlns:a16="http://schemas.microsoft.com/office/drawing/2014/main" id="{BE9C6F3F-AAF5-A391-C2D0-9CF0EC8CC88A}"/>
+              </a:ext>
+            </a:extLst>
+          </p:cNvPr>
+          <p:cNvSpPr>
+            <a:spLocks noGrp="1"/>
+          </p:cNvSpPr>
+          <p:nvPr>
+            <p:ph idx="1"/>
+          </p:nvPr>
+        </p:nvSpPr>
+        <p:spPr/>
+        <p:txBody>
+          <a:bodyPr/>
+          <a:lstStyle/>
+          <a:p>
+            <a:r>
+              <a:rPr lang="en-CA" dirty="0"/>
+              <a:t>An exception is thrown. </a:t>
+            </a:r>
+          </a:p>
+          <a:p>
+            <a:r>
+              <a:rPr lang="en-CA" dirty="0"/>
+              <a:t>You have to catch the exception or the program halts</a:t>
+            </a:r>
+          </a:p>
+          <a:p>
+            <a:r>
+              <a:rPr lang="en-CA" dirty="0"/>
+              <a:t>There is a safer alternative</a:t>
+            </a:r>
+          </a:p>
+        </p:txBody>
+      </p:sp>
+    </p:spTree>
+    <p:extLst>
+      <p:ext uri="{BB962C8B-B14F-4D97-AF65-F5344CB8AC3E}">
+        <p14:creationId xmlns:p14="http://schemas.microsoft.com/office/powerpoint/2010/main" val="3783177939"/>
+      </p:ext>
+    </p:extLst>
+  </p:cSld>
+  <p:clrMapOvr>
+    <a:masterClrMapping/>
+  </p:clrMapOvr>
+</p:sld>
+</file>
+
+<file path=ppt/slides/slide18.xml><?xml version="1.0" encoding="utf-8"?>
+<p:sld xmlns:a="http://schemas.openxmlformats.org/drawingml/2006/main" xmlns:r="http://schemas.openxmlformats.org/officeDocument/2006/relationships" xmlns:p="http://schemas.openxmlformats.org/presentationml/2006/main">
+  <p:cSld>
+    <p:spTree>
+      <p:nvGrpSpPr>
+        <p:cNvPr id="1" name=""/>
+        <p:cNvGrpSpPr/>
+        <p:nvPr/>
+      </p:nvGrpSpPr>
+      <p:grpSpPr>
+        <a:xfrm>
+          <a:off x="0" y="0"/>
+          <a:ext cx="0" cy="0"/>
+          <a:chOff x="0" y="0"/>
+          <a:chExt cx="0" cy="0"/>
+        </a:xfrm>
+      </p:grpSpPr>
+      <p:sp>
+        <p:nvSpPr>
+          <p:cNvPr id="2" name="Title 1">
+            <a:extLst>
+              <a:ext uri="{FF2B5EF4-FFF2-40B4-BE49-F238E27FC236}">
+                <a16:creationId xmlns:a16="http://schemas.microsoft.com/office/drawing/2014/main" id="{410AC7BF-3A81-0FA5-EF27-1165A65C8E46}"/>
+              </a:ext>
+            </a:extLst>
+          </p:cNvPr>
+          <p:cNvSpPr>
+            <a:spLocks noGrp="1"/>
+          </p:cNvSpPr>
+          <p:nvPr>
+            <p:ph type="title"/>
+          </p:nvPr>
+        </p:nvSpPr>
+        <p:spPr/>
+        <p:txBody>
+          <a:bodyPr/>
+          <a:lstStyle/>
+          <a:p>
+            <a:r>
+              <a:rPr lang="en-CA" dirty="0"/>
+              <a:t>The “as” operator</a:t>
+            </a:r>
+          </a:p>
+        </p:txBody>
+      </p:sp>
+      <p:sp>
+        <p:nvSpPr>
+          <p:cNvPr id="3" name="Content Placeholder 2">
+            <a:extLst>
+              <a:ext uri="{FF2B5EF4-FFF2-40B4-BE49-F238E27FC236}">
+                <a16:creationId xmlns:a16="http://schemas.microsoft.com/office/drawing/2014/main" id="{F936FB90-6C4C-BB74-CBE8-147F6B84A7CA}"/>
+              </a:ext>
+            </a:extLst>
+          </p:cNvPr>
+          <p:cNvSpPr>
+            <a:spLocks noGrp="1"/>
+          </p:cNvSpPr>
+          <p:nvPr>
+            <p:ph idx="1"/>
+          </p:nvPr>
+        </p:nvSpPr>
+        <p:spPr/>
+        <p:txBody>
+          <a:bodyPr/>
+          <a:lstStyle/>
+          <a:p>
+            <a:r>
+              <a:rPr lang="en-CA" dirty="0"/>
+              <a:t>Casting to a derived type can be done safely using the “as” operator.</a:t>
+            </a:r>
+          </a:p>
+          <a:p>
+            <a:r>
+              <a:rPr lang="en-CA" dirty="0"/>
+              <a:t>If you are not casting to a subtype it won’t compile</a:t>
+            </a:r>
+          </a:p>
+          <a:p>
+            <a:r>
+              <a:rPr lang="en-CA" dirty="0"/>
+              <a:t>If the run-time type of the object does not match returns null </a:t>
+            </a:r>
+          </a:p>
+          <a:p>
+            <a:r>
+              <a:rPr lang="en-CA" dirty="0"/>
+              <a:t>If successful returns an expression that has the cast type</a:t>
+            </a:r>
+          </a:p>
+          <a:p>
+            <a:pPr marL="68580" indent="0">
+              <a:buNone/>
+            </a:pPr>
+            <a:endParaRPr lang="en-CA" dirty="0"/>
+          </a:p>
+        </p:txBody>
+      </p:sp>
+    </p:spTree>
+    <p:extLst>
+      <p:ext uri="{BB962C8B-B14F-4D97-AF65-F5344CB8AC3E}">
+        <p14:creationId xmlns:p14="http://schemas.microsoft.com/office/powerpoint/2010/main" val="2413764264"/>
+      </p:ext>
+    </p:extLst>
+  </p:cSld>
+  <p:clrMapOvr>
+    <a:masterClrMapping/>
+  </p:clrMapOvr>
+</p:sld>
+</file>
+
+<file path=ppt/slides/slide19.xml><?xml version="1.0" encoding="utf-8"?>
+<p:sld xmlns:a="http://schemas.openxmlformats.org/drawingml/2006/main" xmlns:r="http://schemas.openxmlformats.org/officeDocument/2006/relationships" xmlns:p="http://schemas.openxmlformats.org/presentationml/2006/main">
+  <p:cSld>
+    <p:spTree>
+      <p:nvGrpSpPr>
+        <p:cNvPr id="1" name=""/>
+        <p:cNvGrpSpPr/>
+        <p:nvPr/>
+      </p:nvGrpSpPr>
+      <p:grpSpPr>
+        <a:xfrm>
+          <a:off x="0" y="0"/>
+          <a:ext cx="0" cy="0"/>
+          <a:chOff x="0" y="0"/>
+          <a:chExt cx="0" cy="0"/>
+        </a:xfrm>
+      </p:grpSpPr>
+      <p:sp>
+        <p:nvSpPr>
+          <p:cNvPr id="2" name="Title 1">
+            <a:extLst>
+              <a:ext uri="{FF2B5EF4-FFF2-40B4-BE49-F238E27FC236}">
+                <a16:creationId xmlns:a16="http://schemas.microsoft.com/office/drawing/2014/main" id="{7CCE5921-6DD2-C9C7-DDE3-56B8A9DCEA75}"/>
+              </a:ext>
+            </a:extLst>
+          </p:cNvPr>
+          <p:cNvSpPr>
+            <a:spLocks noGrp="1"/>
+          </p:cNvSpPr>
+          <p:nvPr>
+            <p:ph type="title"/>
+          </p:nvPr>
+        </p:nvSpPr>
+        <p:spPr/>
+        <p:txBody>
+          <a:bodyPr/>
+          <a:lstStyle/>
+          <a:p>
+            <a:r>
+              <a:rPr lang="en-CA" dirty="0"/>
+              <a:t>The “is” operator</a:t>
+            </a:r>
+          </a:p>
+        </p:txBody>
+      </p:sp>
+      <p:sp>
+        <p:nvSpPr>
+          <p:cNvPr id="3" name="Content Placeholder 2">
+            <a:extLst>
+              <a:ext uri="{FF2B5EF4-FFF2-40B4-BE49-F238E27FC236}">
+                <a16:creationId xmlns:a16="http://schemas.microsoft.com/office/drawing/2014/main" id="{A20B2452-8C21-780F-43BD-B83B41A3E63C}"/>
+              </a:ext>
+            </a:extLst>
+          </p:cNvPr>
+          <p:cNvSpPr>
+            <a:spLocks noGrp="1"/>
+          </p:cNvSpPr>
+          <p:nvPr>
+            <p:ph idx="1"/>
+          </p:nvPr>
+        </p:nvSpPr>
+        <p:spPr/>
+        <p:txBody>
+          <a:bodyPr/>
+          <a:lstStyle/>
+          <a:p>
+            <a:r>
+              <a:rPr lang="en-CA" dirty="0"/>
+              <a:t>Checks if a value (result of expression) is of a given type </a:t>
+            </a:r>
+          </a:p>
+          <a:p>
+            <a:r>
+              <a:rPr lang="en-CA" dirty="0"/>
+              <a:t>Returns true if the run-time type matches the requested type</a:t>
+            </a:r>
+          </a:p>
+          <a:p>
+            <a:r>
+              <a:rPr lang="en-CA" dirty="0"/>
+              <a:t>Won’t compile if a cast is impossible</a:t>
+            </a:r>
+          </a:p>
+          <a:p>
+            <a:r>
+              <a:rPr lang="en-CA" dirty="0"/>
+              <a:t>Note: in recent C# versions also allows pattern matching</a:t>
+            </a:r>
+          </a:p>
+          <a:p>
+            <a:pPr marL="68580" indent="0">
+              <a:buNone/>
+            </a:pPr>
+            <a:endParaRPr lang="en-CA" dirty="0"/>
+          </a:p>
+        </p:txBody>
+      </p:sp>
+    </p:spTree>
+    <p:extLst>
+      <p:ext uri="{BB962C8B-B14F-4D97-AF65-F5344CB8AC3E}">
+        <p14:creationId xmlns:p14="http://schemas.microsoft.com/office/powerpoint/2010/main" val="1113729770"/>
+      </p:ext>
+    </p:extLst>
+  </p:cSld>
+  <p:clrMapOvr>
+    <a:masterClrMapping/>
+  </p:clrMapOvr>
+</p:sld>
+</file>
+
+<file path=ppt/slides/slide2.xml><?xml version="1.0" encoding="utf-8"?>
+<p:sld xmlns:a="http://schemas.openxmlformats.org/drawingml/2006/main" xmlns:r="http://schemas.openxmlformats.org/officeDocument/2006/relationships" xmlns:p="http://schemas.openxmlformats.org/presentationml/2006/main">
+  <p:cSld>
+    <p:spTree>
+      <p:nvGrpSpPr>
+        <p:cNvPr id="1" name=""/>
+        <p:cNvGrpSpPr/>
+        <p:nvPr/>
+      </p:nvGrpSpPr>
+      <p:grpSpPr>
+        <a:xfrm>
+          <a:off x="0" y="0"/>
+          <a:ext cx="0" cy="0"/>
+          <a:chOff x="0" y="0"/>
+          <a:chExt cx="0" cy="0"/>
+        </a:xfrm>
+      </p:grpSpPr>
+      <p:sp>
+        <p:nvSpPr>
+          <p:cNvPr id="4" name="Title 3">
+            <a:extLst>
+              <a:ext uri="{FF2B5EF4-FFF2-40B4-BE49-F238E27FC236}">
+                <a16:creationId xmlns:a16="http://schemas.microsoft.com/office/drawing/2014/main" id="{F42801E3-4818-CDEF-488B-B5B4BE4414AB}"/>
+              </a:ext>
+            </a:extLst>
+          </p:cNvPr>
+          <p:cNvSpPr>
+            <a:spLocks noGrp="1"/>
+          </p:cNvSpPr>
+          <p:nvPr>
+            <p:ph type="title"/>
+          </p:nvPr>
+        </p:nvSpPr>
+        <p:spPr/>
+        <p:txBody>
+          <a:bodyPr/>
+          <a:lstStyle/>
+          <a:p>
+            <a:r>
+              <a:rPr lang="en-CA" dirty="0"/>
+              <a:t>Inheritance</a:t>
+            </a:r>
+          </a:p>
+        </p:txBody>
+      </p:sp>
+      <p:sp>
+        <p:nvSpPr>
+          <p:cNvPr id="5" name="Content Placeholder 4">
+            <a:extLst>
+              <a:ext uri="{FF2B5EF4-FFF2-40B4-BE49-F238E27FC236}">
+                <a16:creationId xmlns:a16="http://schemas.microsoft.com/office/drawing/2014/main" id="{99776C8E-7E77-7F00-5546-FA5E2E88932D}"/>
+              </a:ext>
+            </a:extLst>
+          </p:cNvPr>
+          <p:cNvSpPr>
+            <a:spLocks noGrp="1"/>
+          </p:cNvSpPr>
+          <p:nvPr>
+            <p:ph idx="1"/>
+          </p:nvPr>
+        </p:nvSpPr>
+        <p:spPr/>
+        <p:txBody>
+          <a:bodyPr/>
+          <a:lstStyle/>
+          <a:p>
+            <a:r>
+              <a:rPr lang="en-CA" dirty="0"/>
+              <a:t>A class C can derive from another class B</a:t>
+            </a:r>
+          </a:p>
+          <a:p>
+            <a:r>
+              <a:rPr lang="en-CA" dirty="0"/>
+              <a:t>Class B is called the base class (also superclass)</a:t>
+            </a:r>
+          </a:p>
+          <a:p>
+            <a:r>
+              <a:rPr lang="en-CA" dirty="0"/>
+              <a:t>Class A is called the derived class (also subclass)</a:t>
+            </a:r>
+          </a:p>
+          <a:p>
+            <a:endParaRPr lang="en-CA" dirty="0"/>
+          </a:p>
+        </p:txBody>
+      </p:sp>
+    </p:spTree>
+    <p:extLst>
+      <p:ext uri="{BB962C8B-B14F-4D97-AF65-F5344CB8AC3E}">
+        <p14:creationId xmlns:p14="http://schemas.microsoft.com/office/powerpoint/2010/main" val="1594640833"/>
+      </p:ext>
+    </p:extLst>
+  </p:cSld>
+  <p:clrMapOvr>
+    <a:masterClrMapping/>
+  </p:clrMapOvr>
+</p:sld>
+</file>
+
+<file path=ppt/slides/slide20.xml><?xml version="1.0" encoding="utf-8"?>
+<p:sld xmlns:a="http://schemas.openxmlformats.org/drawingml/2006/main" xmlns:r="http://schemas.openxmlformats.org/officeDocument/2006/relationships" xmlns:p="http://schemas.openxmlformats.org/presentationml/2006/main">
+  <p:cSld>
+    <p:spTree>
+      <p:nvGrpSpPr>
+        <p:cNvPr id="1" name=""/>
+        <p:cNvGrpSpPr/>
+        <p:nvPr/>
+      </p:nvGrpSpPr>
+      <p:grpSpPr>
+        <a:xfrm>
+          <a:off x="0" y="0"/>
+          <a:ext cx="0" cy="0"/>
+          <a:chOff x="0" y="0"/>
+          <a:chExt cx="0" cy="0"/>
+        </a:xfrm>
+      </p:grpSpPr>
+      <p:sp>
+        <p:nvSpPr>
+          <p:cNvPr id="2" name="Title 1">
+            <a:extLst>
+              <a:ext uri="{FF2B5EF4-FFF2-40B4-BE49-F238E27FC236}">
+                <a16:creationId xmlns:a16="http://schemas.microsoft.com/office/drawing/2014/main" id="{D15EFC95-0036-8C11-F09F-50348F2AA54C}"/>
+              </a:ext>
+            </a:extLst>
+          </p:cNvPr>
+          <p:cNvSpPr>
+            <a:spLocks noGrp="1"/>
+          </p:cNvSpPr>
+          <p:nvPr>
+            <p:ph type="title"/>
+          </p:nvPr>
+        </p:nvSpPr>
+        <p:spPr/>
+        <p:txBody>
+          <a:bodyPr/>
+          <a:lstStyle/>
+          <a:p>
+            <a:r>
+              <a:rPr lang="en-CA" dirty="0"/>
+              <a:t>How to check the run-time type</a:t>
+            </a:r>
+          </a:p>
+        </p:txBody>
+      </p:sp>
+      <p:sp>
+        <p:nvSpPr>
+          <p:cNvPr id="3" name="Content Placeholder 2">
+            <a:extLst>
+              <a:ext uri="{FF2B5EF4-FFF2-40B4-BE49-F238E27FC236}">
+                <a16:creationId xmlns:a16="http://schemas.microsoft.com/office/drawing/2014/main" id="{361D62DD-FC14-99DF-91AA-452CA27EFF88}"/>
+              </a:ext>
+            </a:extLst>
+          </p:cNvPr>
+          <p:cNvSpPr>
+            <a:spLocks noGrp="1"/>
+          </p:cNvSpPr>
+          <p:nvPr>
+            <p:ph idx="1"/>
+          </p:nvPr>
+        </p:nvSpPr>
+        <p:spPr/>
+        <p:txBody>
+          <a:bodyPr/>
+          <a:lstStyle/>
+          <a:p>
+            <a:r>
+              <a:rPr lang="en-CA" dirty="0"/>
+              <a:t>Use the “is” operator: expr is Type</a:t>
+            </a:r>
+          </a:p>
+          <a:p>
+            <a:r>
+              <a:rPr lang="en-CA" dirty="0"/>
+              <a:t>Use the “as” operator and check for null: (expr as Type) == null</a:t>
+            </a:r>
+          </a:p>
+          <a:p>
+            <a:r>
+              <a:rPr lang="en-CA" dirty="0"/>
+              <a:t>Call “</a:t>
+            </a:r>
+            <a:r>
+              <a:rPr lang="en-CA" dirty="0" err="1"/>
+              <a:t>GetType</a:t>
+            </a:r>
+            <a:r>
+              <a:rPr lang="en-CA" dirty="0"/>
+              <a:t>()” on the object (tricky)</a:t>
+            </a:r>
+          </a:p>
+          <a:p>
+            <a:r>
+              <a:rPr lang="en-CA" dirty="0"/>
+              <a:t>Use an explicit cast conversion: (Type)expr and catch </a:t>
+            </a:r>
+            <a:r>
+              <a:rPr lang="en-CA" dirty="0" err="1"/>
+              <a:t>InvalidCastException</a:t>
+            </a:r>
+            <a:r>
+              <a:rPr lang="en-CA" dirty="0"/>
+              <a:t> </a:t>
+            </a:r>
+          </a:p>
+          <a:p>
+            <a:r>
+              <a:rPr lang="en-CA" dirty="0"/>
+              <a:t>Obviously the last one is a bad idea (which is why you don’t know how to do it yet)</a:t>
+            </a:r>
+          </a:p>
+          <a:p>
+            <a:r>
+              <a:rPr lang="en-CA" dirty="0"/>
+              <a:t>See </a:t>
+            </a:r>
+            <a:r>
+              <a:rPr lang="en-CA" dirty="0">
+                <a:hlinkClick r:id="rId2"/>
+              </a:rPr>
+              <a:t>Microsoft learn documentation</a:t>
+            </a:r>
+            <a:endParaRPr lang="en-CA" dirty="0"/>
+          </a:p>
+          <a:p>
+            <a:endParaRPr lang="en-CA" dirty="0"/>
+          </a:p>
+        </p:txBody>
+      </p:sp>
+    </p:spTree>
+    <p:extLst>
+      <p:ext uri="{BB962C8B-B14F-4D97-AF65-F5344CB8AC3E}">
+        <p14:creationId xmlns:p14="http://schemas.microsoft.com/office/powerpoint/2010/main" val="1730289084"/>
+      </p:ext>
+    </p:extLst>
+  </p:cSld>
+  <p:clrMapOvr>
+    <a:masterClrMapping/>
+  </p:clrMapOvr>
+</p:sld>
+</file>
+
+<file path=ppt/slides/slide21.xml><?xml version="1.0" encoding="utf-8"?>
+<p:sld xmlns:a="http://schemas.openxmlformats.org/drawingml/2006/main" xmlns:r="http://schemas.openxmlformats.org/officeDocument/2006/relationships" xmlns:p="http://schemas.openxmlformats.org/presentationml/2006/main">
+  <p:cSld>
+    <p:spTree>
+      <p:nvGrpSpPr>
+        <p:cNvPr id="1" name=""/>
+        <p:cNvGrpSpPr/>
+        <p:nvPr/>
+      </p:nvGrpSpPr>
+      <p:grpSpPr>
+        <a:xfrm>
+          <a:off x="0" y="0"/>
+          <a:ext cx="0" cy="0"/>
+          <a:chOff x="0" y="0"/>
+          <a:chExt cx="0" cy="0"/>
+        </a:xfrm>
+      </p:grpSpPr>
+      <p:sp>
+        <p:nvSpPr>
+          <p:cNvPr id="2" name="Title 1">
+            <a:extLst>
+              <a:ext uri="{FF2B5EF4-FFF2-40B4-BE49-F238E27FC236}">
+                <a16:creationId xmlns:a16="http://schemas.microsoft.com/office/drawing/2014/main" id="{F11368D5-7977-749C-777B-FDB748AEE0D8}"/>
+              </a:ext>
+            </a:extLst>
+          </p:cNvPr>
+          <p:cNvSpPr>
+            <a:spLocks noGrp="1"/>
+          </p:cNvSpPr>
+          <p:nvPr>
+            <p:ph type="title"/>
+          </p:nvPr>
+        </p:nvSpPr>
+        <p:spPr/>
+        <p:txBody>
+          <a:bodyPr/>
+          <a:lstStyle/>
+          <a:p>
+            <a:r>
+              <a:rPr lang="en-CA" dirty="0"/>
+              <a:t>Consider Functions on Every Derived Class</a:t>
+            </a:r>
+          </a:p>
+        </p:txBody>
+      </p:sp>
+      <p:sp>
+        <p:nvSpPr>
+          <p:cNvPr id="3" name="Content Placeholder 2">
+            <a:extLst>
+              <a:ext uri="{FF2B5EF4-FFF2-40B4-BE49-F238E27FC236}">
+                <a16:creationId xmlns:a16="http://schemas.microsoft.com/office/drawing/2014/main" id="{17F6FD87-5912-9745-E6AE-A4884DF1ED0A}"/>
+              </a:ext>
+            </a:extLst>
+          </p:cNvPr>
+          <p:cNvSpPr>
+            <a:spLocks noGrp="1"/>
+          </p:cNvSpPr>
+          <p:nvPr>
+            <p:ph idx="1"/>
+          </p:nvPr>
+        </p:nvSpPr>
+        <p:spPr>
+          <a:xfrm>
+            <a:off x="1714501" y="3086100"/>
+            <a:ext cx="9182099" cy="6057900"/>
+          </a:xfrm>
+        </p:spPr>
+        <p:txBody>
+          <a:bodyPr/>
+          <a:lstStyle/>
+          <a:p>
+            <a:pPr marL="68580" indent="0">
+              <a:buNone/>
+            </a:pPr>
+            <a:endParaRPr lang="en-CA" dirty="0"/>
+          </a:p>
+          <a:p>
+            <a:pPr lvl="1"/>
+            <a:endParaRPr lang="en-CA" dirty="0"/>
+          </a:p>
+          <a:p>
+            <a:endParaRPr lang="en-CA" dirty="0"/>
+          </a:p>
+        </p:txBody>
+      </p:sp>
+      <p:pic>
+        <p:nvPicPr>
+          <p:cNvPr id="7" name="Picture 6">
+            <a:extLst>
+              <a:ext uri="{FF2B5EF4-FFF2-40B4-BE49-F238E27FC236}">
+                <a16:creationId xmlns:a16="http://schemas.microsoft.com/office/drawing/2014/main" id="{D8E3EB1C-70C1-4E50-29FE-3F11B34BDB82}"/>
+              </a:ext>
+            </a:extLst>
+          </p:cNvPr>
+          <p:cNvPicPr>
+            <a:picLocks noChangeAspect="1"/>
+          </p:cNvPicPr>
+          <p:nvPr/>
+        </p:nvPicPr>
+        <p:blipFill>
+          <a:blip r:embed="rId2"/>
+          <a:stretch>
+            <a:fillRect/>
+          </a:stretch>
+        </p:blipFill>
+        <p:spPr>
+          <a:xfrm>
+            <a:off x="4398202" y="3238500"/>
+            <a:ext cx="8599546" cy="5410200"/>
+          </a:xfrm>
+          <a:prstGeom prst="rect">
+            <a:avLst/>
+          </a:prstGeom>
+        </p:spPr>
+      </p:pic>
+    </p:spTree>
+    <p:extLst>
+      <p:ext uri="{BB962C8B-B14F-4D97-AF65-F5344CB8AC3E}">
+        <p14:creationId xmlns:p14="http://schemas.microsoft.com/office/powerpoint/2010/main" val="439071829"/>
+      </p:ext>
+    </p:extLst>
+  </p:cSld>
+  <p:clrMapOvr>
+    <a:masterClrMapping/>
+  </p:clrMapOvr>
+</p:sld>
+</file>
+
+<file path=ppt/slides/slide22.xml><?xml version="1.0" encoding="utf-8"?>
+<p:sld xmlns:a="http://schemas.openxmlformats.org/drawingml/2006/main" xmlns:r="http://schemas.openxmlformats.org/officeDocument/2006/relationships" xmlns:p="http://schemas.openxmlformats.org/presentationml/2006/main">
+  <p:cSld>
+    <p:bg>
+      <p:bgPr>
+        <a:solidFill>
+          <a:schemeClr val="accent1"/>
+        </a:solidFill>
+        <a:effectLst/>
+      </p:bgPr>
+    </p:bg>
+    <p:spTree>
+      <p:nvGrpSpPr>
+        <p:cNvPr id="1" name=""/>
+        <p:cNvGrpSpPr/>
+        <p:nvPr/>
+      </p:nvGrpSpPr>
+      <p:grpSpPr>
+        <a:xfrm>
+          <a:off x="0" y="0"/>
+          <a:ext cx="0" cy="0"/>
+          <a:chOff x="0" y="0"/>
+          <a:chExt cx="0" cy="0"/>
+        </a:xfrm>
+      </p:grpSpPr>
+      <p:sp>
+        <p:nvSpPr>
+          <p:cNvPr id="10" name="Rectangle 9">
+            <a:extLst>
+              <a:ext uri="{FF2B5EF4-FFF2-40B4-BE49-F238E27FC236}">
+                <a16:creationId xmlns:a16="http://schemas.microsoft.com/office/drawing/2014/main" id="{D036D0D5-3AA0-47FD-A83C-7A06CA2EEE1A}"/>
+              </a:ext>
+              <a:ext uri="{C183D7F6-B498-43B3-948B-1728B52AA6E4}">
+                <adec:decorative xmlns:adec="http://schemas.microsoft.com/office/drawing/2017/decorative" val="1"/>
+              </a:ext>
+            </a:extLst>
+          </p:cNvPr>
+          <p:cNvSpPr>
+            <a:spLocks noGrp="1" noRot="1" noChangeAspect="1" noMove="1" noResize="1" noEditPoints="1" noAdjustHandles="1" noChangeArrowheads="1" noChangeShapeType="1" noTextEdit="1"/>
+          </p:cNvSpPr>
+          <p:nvPr>
+            <p:extLst>
+              <p:ext uri="{386F3935-93C4-4BCD-93E2-E3B085C9AB24}">
+                <p16:designElem xmlns:p16="http://schemas.microsoft.com/office/powerpoint/2015/main" val="1"/>
+              </p:ext>
+            </p:extLst>
+          </p:nvPr>
+        </p:nvSpPr>
+        <p:spPr>
+          <a:xfrm>
+            <a:off x="346710" y="365760"/>
+            <a:ext cx="17586960" cy="9566908"/>
+          </a:xfrm>
+          <a:prstGeom prst="rect">
+            <a:avLst/>
+          </a:prstGeom>
+          <a:solidFill>
+            <a:schemeClr val="bg1"/>
+          </a:solidFill>
+          <a:ln w="12700">
+            <a:noFill/>
+          </a:ln>
+        </p:spPr>
+        <p:style>
+          <a:lnRef idx="2">
+            <a:schemeClr val="accent1">
+              <a:shade val="50000"/>
+            </a:schemeClr>
+          </a:lnRef>
+          <a:fillRef idx="1">
+            <a:schemeClr val="accent1"/>
+          </a:fillRef>
+          <a:effectRef idx="0">
+            <a:schemeClr val="accent1"/>
+          </a:effectRef>
+          <a:fontRef idx="minor">
+            <a:schemeClr val="lt1"/>
+          </a:fontRef>
+        </p:style>
+      </p:sp>
+      <p:sp>
+        <p:nvSpPr>
+          <p:cNvPr id="12" name="Rectangle 11">
+            <a:extLst>
+              <a:ext uri="{FF2B5EF4-FFF2-40B4-BE49-F238E27FC236}">
+                <a16:creationId xmlns:a16="http://schemas.microsoft.com/office/drawing/2014/main" id="{E3FF0025-03AB-4126-9E23-1B4F2D4B1748}"/>
+              </a:ext>
+              <a:ext uri="{C183D7F6-B498-43B3-948B-1728B52AA6E4}">
+                <adec:decorative xmlns:adec="http://schemas.microsoft.com/office/drawing/2017/decorative" val="1"/>
+              </a:ext>
+            </a:extLst>
+          </p:cNvPr>
+          <p:cNvSpPr>
+            <a:spLocks noGrp="1" noRot="1" noChangeAspect="1" noMove="1" noResize="1" noEditPoints="1" noAdjustHandles="1" noChangeArrowheads="1" noChangeShapeType="1" noTextEdit="1"/>
+          </p:cNvSpPr>
+          <p:nvPr>
+            <p:extLst>
+              <p:ext uri="{386F3935-93C4-4BCD-93E2-E3B085C9AB24}">
+                <p16:designElem xmlns:p16="http://schemas.microsoft.com/office/powerpoint/2015/main" val="1"/>
+              </p:ext>
+            </p:extLst>
+          </p:nvPr>
+        </p:nvSpPr>
+        <p:spPr>
+          <a:xfrm>
+            <a:off x="0" y="0"/>
+            <a:ext cx="18288000" cy="10287000"/>
+          </a:xfrm>
+          <a:prstGeom prst="rect">
+            <a:avLst/>
+          </a:prstGeom>
+          <a:solidFill>
+            <a:srgbClr val="675063"/>
+          </a:solidFill>
+          <a:ln>
+            <a:noFill/>
+          </a:ln>
+        </p:spPr>
+        <p:style>
+          <a:lnRef idx="2">
+            <a:schemeClr val="accent1">
+              <a:shade val="50000"/>
+            </a:schemeClr>
+          </a:lnRef>
+          <a:fillRef idx="1">
+            <a:schemeClr val="accent1"/>
+          </a:fillRef>
+          <a:effectRef idx="0">
+            <a:schemeClr val="accent1"/>
+          </a:effectRef>
+          <a:fontRef idx="minor">
+            <a:schemeClr val="lt1"/>
+          </a:fontRef>
+        </p:style>
+        <p:txBody>
+          <a:bodyPr rtlCol="0" anchor="ctr"/>
+          <a:lstStyle/>
+          <a:p>
+            <a:pPr algn="ctr"/>
+            <a:endParaRPr lang="en-US"/>
+          </a:p>
+        </p:txBody>
+      </p:sp>
+      <p:sp>
+        <p:nvSpPr>
+          <p:cNvPr id="14" name="Rectangle 13">
+            <a:extLst>
+              <a:ext uri="{FF2B5EF4-FFF2-40B4-BE49-F238E27FC236}">
+                <a16:creationId xmlns:a16="http://schemas.microsoft.com/office/drawing/2014/main" id="{4C149C42-FAD2-4559-80A1-B6E921D049AC}"/>
+              </a:ext>
+              <a:ext uri="{C183D7F6-B498-43B3-948B-1728B52AA6E4}">
+                <adec:decorative xmlns:adec="http://schemas.microsoft.com/office/drawing/2017/decorative" val="1"/>
+              </a:ext>
+            </a:extLst>
+          </p:cNvPr>
+          <p:cNvSpPr>
+            <a:spLocks noGrp="1" noRot="1" noChangeAspect="1" noMove="1" noResize="1" noEditPoints="1" noAdjustHandles="1" noChangeArrowheads="1" noChangeShapeType="1" noTextEdit="1"/>
+          </p:cNvSpPr>
+          <p:nvPr>
+            <p:extLst>
+              <p:ext uri="{386F3935-93C4-4BCD-93E2-E3B085C9AB24}">
+                <p16:designElem xmlns:p16="http://schemas.microsoft.com/office/powerpoint/2015/main" val="1"/>
+              </p:ext>
+            </p:extLst>
+          </p:nvPr>
+        </p:nvSpPr>
+        <p:spPr>
+          <a:xfrm>
+            <a:off x="715518" y="720090"/>
+            <a:ext cx="16856964" cy="8846820"/>
+          </a:xfrm>
+          <a:prstGeom prst="rect">
+            <a:avLst/>
+          </a:prstGeom>
+          <a:solidFill>
+            <a:srgbClr val="FFFFFF"/>
+          </a:solidFill>
+          <a:ln>
+            <a:noFill/>
+          </a:ln>
+        </p:spPr>
+        <p:style>
+          <a:lnRef idx="2">
+            <a:schemeClr val="accent1">
+              <a:shade val="50000"/>
+            </a:schemeClr>
+          </a:lnRef>
+          <a:fillRef idx="1">
+            <a:schemeClr val="accent1"/>
+          </a:fillRef>
+          <a:effectRef idx="0">
+            <a:schemeClr val="accent1"/>
+          </a:effectRef>
+          <a:fontRef idx="minor">
+            <a:schemeClr val="lt1"/>
+          </a:fontRef>
+        </p:style>
+        <p:txBody>
+          <a:bodyPr rtlCol="0" anchor="ctr"/>
+          <a:lstStyle/>
+          <a:p>
+            <a:pPr algn="ctr"/>
+            <a:endParaRPr lang="en-US"/>
+          </a:p>
+        </p:txBody>
+      </p:sp>
+      <p:pic>
+        <p:nvPicPr>
+          <p:cNvPr id="5" name="Content Placeholder 4" descr="Text&#10;&#10;Description automatically generated">
+            <a:extLst>
+              <a:ext uri="{FF2B5EF4-FFF2-40B4-BE49-F238E27FC236}">
+                <a16:creationId xmlns:a16="http://schemas.microsoft.com/office/drawing/2014/main" id="{EF4BB93A-C3D7-644B-E311-1FF41EB65CE2}"/>
+              </a:ext>
+            </a:extLst>
+          </p:cNvPr>
+          <p:cNvPicPr>
+            <a:picLocks noGrp="1" noChangeAspect="1"/>
+          </p:cNvPicPr>
+          <p:nvPr>
+            <p:ph idx="1"/>
+          </p:nvPr>
+        </p:nvPicPr>
+        <p:blipFill>
+          <a:blip r:embed="rId2"/>
+          <a:stretch>
+            <a:fillRect/>
+          </a:stretch>
+        </p:blipFill>
+        <p:spPr>
+          <a:xfrm>
+            <a:off x="1199044" y="1202689"/>
+            <a:ext cx="15900427" cy="7870710"/>
+          </a:xfrm>
+          <a:prstGeom prst="rect">
+            <a:avLst/>
+          </a:prstGeom>
+        </p:spPr>
+      </p:pic>
+    </p:spTree>
+    <p:extLst>
+      <p:ext uri="{BB962C8B-B14F-4D97-AF65-F5344CB8AC3E}">
+        <p14:creationId xmlns:p14="http://schemas.microsoft.com/office/powerpoint/2010/main" val="722687495"/>
+      </p:ext>
+    </p:extLst>
+  </p:cSld>
+  <p:clrMapOvr>
+    <a:masterClrMapping/>
+  </p:clrMapOvr>
+</p:sld>
+</file>
+
+<file path=ppt/slides/slide23.xml><?xml version="1.0" encoding="utf-8"?>
+<p:sld xmlns:a="http://schemas.openxmlformats.org/drawingml/2006/main" xmlns:r="http://schemas.openxmlformats.org/officeDocument/2006/relationships" xmlns:p="http://schemas.openxmlformats.org/presentationml/2006/main">
+  <p:cSld>
+    <p:spTree>
+      <p:nvGrpSpPr>
+        <p:cNvPr id="1" name=""/>
+        <p:cNvGrpSpPr/>
+        <p:nvPr/>
+      </p:nvGrpSpPr>
+      <p:grpSpPr>
+        <a:xfrm>
+          <a:off x="0" y="0"/>
+          <a:ext cx="0" cy="0"/>
+          <a:chOff x="0" y="0"/>
+          <a:chExt cx="0" cy="0"/>
+        </a:xfrm>
+      </p:grpSpPr>
+      <p:sp>
+        <p:nvSpPr>
+          <p:cNvPr id="2" name="Title 1">
+            <a:extLst>
+              <a:ext uri="{FF2B5EF4-FFF2-40B4-BE49-F238E27FC236}">
+                <a16:creationId xmlns:a16="http://schemas.microsoft.com/office/drawing/2014/main" id="{98781D73-20F4-CCA7-CD00-4F776C2DC9DC}"/>
+              </a:ext>
+            </a:extLst>
+          </p:cNvPr>
+          <p:cNvSpPr>
+            <a:spLocks noGrp="1"/>
+          </p:cNvSpPr>
+          <p:nvPr>
+            <p:ph type="title"/>
+          </p:nvPr>
+        </p:nvSpPr>
+        <p:spPr/>
+        <p:txBody>
+          <a:bodyPr/>
+          <a:lstStyle/>
+          <a:p>
+            <a:r>
+              <a:rPr lang="en-CA" dirty="0"/>
+              <a:t>That function can be improved</a:t>
+            </a:r>
+          </a:p>
+        </p:txBody>
+      </p:sp>
+      <p:sp>
+        <p:nvSpPr>
+          <p:cNvPr id="3" name="Content Placeholder 2">
+            <a:extLst>
+              <a:ext uri="{FF2B5EF4-FFF2-40B4-BE49-F238E27FC236}">
+                <a16:creationId xmlns:a16="http://schemas.microsoft.com/office/drawing/2014/main" id="{A0E1C7C0-B173-E32F-E2FC-C82C7B71C8B7}"/>
+              </a:ext>
+            </a:extLst>
+          </p:cNvPr>
+          <p:cNvSpPr>
+            <a:spLocks noGrp="1"/>
+          </p:cNvSpPr>
+          <p:nvPr>
+            <p:ph idx="1"/>
+          </p:nvPr>
+        </p:nvSpPr>
+        <p:spPr/>
+        <p:txBody>
+          <a:bodyPr/>
+          <a:lstStyle/>
+          <a:p>
+            <a:r>
+              <a:rPr lang="en-CA" dirty="0"/>
+              <a:t>The “is” operator can take a variable name. </a:t>
+            </a:r>
+          </a:p>
+          <a:p>
+            <a:r>
+              <a:rPr lang="en-CA" dirty="0"/>
+              <a:t>It makes an improvement in the code readability</a:t>
+            </a:r>
+          </a:p>
+        </p:txBody>
+      </p:sp>
+    </p:spTree>
+    <p:extLst>
+      <p:ext uri="{BB962C8B-B14F-4D97-AF65-F5344CB8AC3E}">
+        <p14:creationId xmlns:p14="http://schemas.microsoft.com/office/powerpoint/2010/main" val="1627059843"/>
+      </p:ext>
+    </p:extLst>
+  </p:cSld>
+  <p:clrMapOvr>
+    <a:masterClrMapping/>
+  </p:clrMapOvr>
+</p:sld>
+</file>
+
+<file path=ppt/slides/slide24.xml><?xml version="1.0" encoding="utf-8"?>
+<p:sld xmlns:a="http://schemas.openxmlformats.org/drawingml/2006/main" xmlns:r="http://schemas.openxmlformats.org/officeDocument/2006/relationships" xmlns:p="http://schemas.openxmlformats.org/presentationml/2006/main">
+  <p:cSld>
+    <p:bg>
+      <p:bgPr>
+        <a:solidFill>
+          <a:schemeClr val="accent1"/>
+        </a:solidFill>
+        <a:effectLst/>
+      </p:bgPr>
+    </p:bg>
+    <p:spTree>
+      <p:nvGrpSpPr>
+        <p:cNvPr id="1" name=""/>
+        <p:cNvGrpSpPr/>
+        <p:nvPr/>
+      </p:nvGrpSpPr>
+      <p:grpSpPr>
+        <a:xfrm>
+          <a:off x="0" y="0"/>
+          <a:ext cx="0" cy="0"/>
+          <a:chOff x="0" y="0"/>
+          <a:chExt cx="0" cy="0"/>
+        </a:xfrm>
+      </p:grpSpPr>
+      <p:sp>
+        <p:nvSpPr>
+          <p:cNvPr id="10" name="Rectangle 9">
+            <a:extLst>
+              <a:ext uri="{FF2B5EF4-FFF2-40B4-BE49-F238E27FC236}">
+                <a16:creationId xmlns:a16="http://schemas.microsoft.com/office/drawing/2014/main" id="{D036D0D5-3AA0-47FD-A83C-7A06CA2EEE1A}"/>
+              </a:ext>
+              <a:ext uri="{C183D7F6-B498-43B3-948B-1728B52AA6E4}">
+                <adec:decorative xmlns:adec="http://schemas.microsoft.com/office/drawing/2017/decorative" val="1"/>
+              </a:ext>
+            </a:extLst>
+          </p:cNvPr>
+          <p:cNvSpPr>
+            <a:spLocks noGrp="1" noRot="1" noChangeAspect="1" noMove="1" noResize="1" noEditPoints="1" noAdjustHandles="1" noChangeArrowheads="1" noChangeShapeType="1" noTextEdit="1"/>
+          </p:cNvSpPr>
+          <p:nvPr>
+            <p:extLst>
+              <p:ext uri="{386F3935-93C4-4BCD-93E2-E3B085C9AB24}">
+                <p16:designElem xmlns:p16="http://schemas.microsoft.com/office/powerpoint/2015/main" val="1"/>
+              </p:ext>
+            </p:extLst>
+          </p:nvPr>
+        </p:nvSpPr>
+        <p:spPr>
+          <a:xfrm>
+            <a:off x="346710" y="365760"/>
+            <a:ext cx="17586960" cy="9566908"/>
+          </a:xfrm>
+          <a:prstGeom prst="rect">
+            <a:avLst/>
+          </a:prstGeom>
+          <a:solidFill>
+            <a:schemeClr val="bg1"/>
+          </a:solidFill>
+          <a:ln w="12700">
+            <a:noFill/>
+          </a:ln>
+        </p:spPr>
+        <p:style>
+          <a:lnRef idx="2">
+            <a:schemeClr val="accent1">
+              <a:shade val="50000"/>
+            </a:schemeClr>
+          </a:lnRef>
+          <a:fillRef idx="1">
+            <a:schemeClr val="accent1"/>
+          </a:fillRef>
+          <a:effectRef idx="0">
+            <a:schemeClr val="accent1"/>
+          </a:effectRef>
+          <a:fontRef idx="minor">
+            <a:schemeClr val="lt1"/>
+          </a:fontRef>
+        </p:style>
+      </p:sp>
+      <p:sp>
+        <p:nvSpPr>
+          <p:cNvPr id="12" name="Rectangle 11">
+            <a:extLst>
+              <a:ext uri="{FF2B5EF4-FFF2-40B4-BE49-F238E27FC236}">
+                <a16:creationId xmlns:a16="http://schemas.microsoft.com/office/drawing/2014/main" id="{C863635B-6532-470F-BD5C-CF4DB5FDEE2E}"/>
+              </a:ext>
+              <a:ext uri="{C183D7F6-B498-43B3-948B-1728B52AA6E4}">
+                <adec:decorative xmlns:adec="http://schemas.microsoft.com/office/drawing/2017/decorative" val="1"/>
+              </a:ext>
+            </a:extLst>
+          </p:cNvPr>
+          <p:cNvSpPr>
+            <a:spLocks noGrp="1" noRot="1" noChangeAspect="1" noMove="1" noResize="1" noEditPoints="1" noAdjustHandles="1" noChangeArrowheads="1" noChangeShapeType="1" noTextEdit="1"/>
+          </p:cNvSpPr>
+          <p:nvPr>
+            <p:extLst>
+              <p:ext uri="{386F3935-93C4-4BCD-93E2-E3B085C9AB24}">
+                <p16:designElem xmlns:p16="http://schemas.microsoft.com/office/powerpoint/2015/main" val="1"/>
+              </p:ext>
+            </p:extLst>
+          </p:nvPr>
+        </p:nvSpPr>
+        <p:spPr>
+          <a:xfrm>
+            <a:off x="0" y="0"/>
+            <a:ext cx="18288000" cy="10287000"/>
+          </a:xfrm>
+          <a:prstGeom prst="rect">
+            <a:avLst/>
+          </a:prstGeom>
+          <a:solidFill>
+            <a:srgbClr val="434CFF"/>
+          </a:solidFill>
+          <a:ln>
+            <a:noFill/>
+          </a:ln>
+        </p:spPr>
+        <p:style>
+          <a:lnRef idx="2">
+            <a:schemeClr val="accent1">
+              <a:shade val="50000"/>
+            </a:schemeClr>
+          </a:lnRef>
+          <a:fillRef idx="1">
+            <a:schemeClr val="accent1"/>
+          </a:fillRef>
+          <a:effectRef idx="0">
+            <a:schemeClr val="accent1"/>
+          </a:effectRef>
+          <a:fontRef idx="minor">
+            <a:schemeClr val="lt1"/>
+          </a:fontRef>
+        </p:style>
+        <p:txBody>
+          <a:bodyPr rtlCol="0" anchor="ctr"/>
+          <a:lstStyle/>
+          <a:p>
+            <a:pPr algn="ctr"/>
+            <a:endParaRPr lang="en-US"/>
+          </a:p>
+        </p:txBody>
+      </p:sp>
+      <p:sp>
+        <p:nvSpPr>
+          <p:cNvPr id="14" name="Rectangle 13">
+            <a:extLst>
+              <a:ext uri="{FF2B5EF4-FFF2-40B4-BE49-F238E27FC236}">
+                <a16:creationId xmlns:a16="http://schemas.microsoft.com/office/drawing/2014/main" id="{15FB804C-3CFB-42D1-A7D2-AC6F382D03CC}"/>
+              </a:ext>
+              <a:ext uri="{C183D7F6-B498-43B3-948B-1728B52AA6E4}">
+                <adec:decorative xmlns:adec="http://schemas.microsoft.com/office/drawing/2017/decorative" val="1"/>
+              </a:ext>
+            </a:extLst>
+          </p:cNvPr>
+          <p:cNvSpPr>
+            <a:spLocks noGrp="1" noRot="1" noChangeAspect="1" noMove="1" noResize="1" noEditPoints="1" noAdjustHandles="1" noChangeArrowheads="1" noChangeShapeType="1" noTextEdit="1"/>
+          </p:cNvSpPr>
+          <p:nvPr>
+            <p:extLst>
+              <p:ext uri="{386F3935-93C4-4BCD-93E2-E3B085C9AB24}">
+                <p16:designElem xmlns:p16="http://schemas.microsoft.com/office/powerpoint/2015/main" val="1"/>
+              </p:ext>
+            </p:extLst>
+          </p:nvPr>
+        </p:nvSpPr>
+        <p:spPr>
+          <a:xfrm>
+            <a:off x="715518" y="720090"/>
+            <a:ext cx="16856964" cy="8846820"/>
+          </a:xfrm>
+          <a:prstGeom prst="rect">
+            <a:avLst/>
+          </a:prstGeom>
+          <a:noFill/>
+          <a:ln>
+            <a:solidFill>
+              <a:srgbClr val="FFFFFF"/>
+            </a:solidFill>
+          </a:ln>
+        </p:spPr>
+        <p:style>
+          <a:lnRef idx="2">
+            <a:schemeClr val="accent1">
+              <a:shade val="50000"/>
+            </a:schemeClr>
+          </a:lnRef>
+          <a:fillRef idx="1">
+            <a:schemeClr val="accent1"/>
+          </a:fillRef>
+          <a:effectRef idx="0">
+            <a:schemeClr val="accent1"/>
+          </a:effectRef>
+          <a:fontRef idx="minor">
+            <a:schemeClr val="lt1"/>
+          </a:fontRef>
+        </p:style>
+        <p:txBody>
+          <a:bodyPr rtlCol="0" anchor="ctr"/>
+          <a:lstStyle/>
+          <a:p>
+            <a:pPr algn="ctr"/>
+            <a:endParaRPr lang="en-US"/>
+          </a:p>
+        </p:txBody>
+      </p:sp>
+      <p:sp>
+        <p:nvSpPr>
+          <p:cNvPr id="16" name="Rectangle 15">
+            <a:extLst>
+              <a:ext uri="{FF2B5EF4-FFF2-40B4-BE49-F238E27FC236}">
+                <a16:creationId xmlns:a16="http://schemas.microsoft.com/office/drawing/2014/main" id="{22A56FF0-72C9-4F01-8EBB-EEA8D0129C02}"/>
+              </a:ext>
+              <a:ext uri="{C183D7F6-B498-43B3-948B-1728B52AA6E4}">
+                <adec:decorative xmlns:adec="http://schemas.microsoft.com/office/drawing/2017/decorative" val="1"/>
+              </a:ext>
+            </a:extLst>
+          </p:cNvPr>
+          <p:cNvSpPr>
+            <a:spLocks noGrp="1" noRot="1" noChangeAspect="1" noMove="1" noResize="1" noEditPoints="1" noAdjustHandles="1" noChangeArrowheads="1" noChangeShapeType="1" noTextEdit="1"/>
+          </p:cNvSpPr>
+          <p:nvPr>
+            <p:extLst>
+              <p:ext uri="{386F3935-93C4-4BCD-93E2-E3B085C9AB24}">
+                <p16:designElem xmlns:p16="http://schemas.microsoft.com/office/powerpoint/2015/main" val="1"/>
+              </p:ext>
+            </p:extLst>
+          </p:nvPr>
+        </p:nvSpPr>
+        <p:spPr>
+          <a:xfrm>
+            <a:off x="965199" y="965202"/>
+            <a:ext cx="16357600" cy="8356599"/>
+          </a:xfrm>
+          <a:prstGeom prst="rect">
+            <a:avLst/>
+          </a:prstGeom>
+          <a:solidFill>
+            <a:srgbClr val="FFFFFF"/>
+          </a:solidFill>
+          <a:ln>
+            <a:noFill/>
+          </a:ln>
+        </p:spPr>
+        <p:style>
+          <a:lnRef idx="2">
+            <a:schemeClr val="accent1">
+              <a:shade val="50000"/>
+            </a:schemeClr>
+          </a:lnRef>
+          <a:fillRef idx="1">
+            <a:schemeClr val="accent1"/>
+          </a:fillRef>
+          <a:effectRef idx="0">
+            <a:schemeClr val="accent1"/>
+          </a:effectRef>
+          <a:fontRef idx="minor">
+            <a:schemeClr val="lt1"/>
+          </a:fontRef>
+        </p:style>
+        <p:txBody>
+          <a:bodyPr rtlCol="0" anchor="ctr"/>
+          <a:lstStyle/>
+          <a:p>
+            <a:pPr algn="ctr"/>
+            <a:endParaRPr lang="en-US"/>
+          </a:p>
+        </p:txBody>
+      </p:sp>
+      <p:pic>
+        <p:nvPicPr>
+          <p:cNvPr id="5" name="Content Placeholder 4" descr="Graphical user interface, text, application&#10;&#10;Description automatically generated">
+            <a:extLst>
+              <a:ext uri="{FF2B5EF4-FFF2-40B4-BE49-F238E27FC236}">
+                <a16:creationId xmlns:a16="http://schemas.microsoft.com/office/drawing/2014/main" id="{A6C62C2B-75D3-5CD8-A6D9-12751C33B39D}"/>
+              </a:ext>
+            </a:extLst>
+          </p:cNvPr>
+          <p:cNvPicPr>
+            <a:picLocks noGrp="1" noChangeAspect="1"/>
+          </p:cNvPicPr>
+          <p:nvPr>
+            <p:ph idx="1"/>
+          </p:nvPr>
+        </p:nvPicPr>
+        <p:blipFill>
+          <a:blip r:embed="rId2"/>
+          <a:stretch>
+            <a:fillRect/>
+          </a:stretch>
+        </p:blipFill>
+        <p:spPr>
+          <a:xfrm>
+            <a:off x="2023171" y="1685290"/>
+            <a:ext cx="14241649" cy="6907200"/>
+          </a:xfrm>
+          <a:prstGeom prst="rect">
+            <a:avLst/>
+          </a:prstGeom>
+        </p:spPr>
+      </p:pic>
+    </p:spTree>
+    <p:extLst>
+      <p:ext uri="{BB962C8B-B14F-4D97-AF65-F5344CB8AC3E}">
+        <p14:creationId xmlns:p14="http://schemas.microsoft.com/office/powerpoint/2010/main" val="2558389078"/>
+      </p:ext>
+    </p:extLst>
+  </p:cSld>
+  <p:clrMapOvr>
+    <a:masterClrMapping/>
+  </p:clrMapOvr>
+</p:sld>
+</file>
+
+<file path=ppt/slides/slide25.xml><?xml version="1.0" encoding="utf-8"?>
+<p:sld xmlns:a="http://schemas.openxmlformats.org/drawingml/2006/main" xmlns:r="http://schemas.openxmlformats.org/officeDocument/2006/relationships" xmlns:p="http://schemas.openxmlformats.org/presentationml/2006/main">
+  <p:cSld>
+    <p:spTree>
+      <p:nvGrpSpPr>
+        <p:cNvPr id="1" name=""/>
+        <p:cNvGrpSpPr/>
+        <p:nvPr/>
+      </p:nvGrpSpPr>
+      <p:grpSpPr>
+        <a:xfrm>
+          <a:off x="0" y="0"/>
+          <a:ext cx="0" cy="0"/>
+          <a:chOff x="0" y="0"/>
+          <a:chExt cx="0" cy="0"/>
+        </a:xfrm>
+      </p:grpSpPr>
+      <p:sp>
+        <p:nvSpPr>
+          <p:cNvPr id="2" name="Title 1">
+            <a:extLst>
+              <a:ext uri="{FF2B5EF4-FFF2-40B4-BE49-F238E27FC236}">
+                <a16:creationId xmlns:a16="http://schemas.microsoft.com/office/drawing/2014/main" id="{0322006A-3E5D-AA04-8988-AB8B0B19CEFA}"/>
+              </a:ext>
+            </a:extLst>
+          </p:cNvPr>
+          <p:cNvSpPr>
+            <a:spLocks noGrp="1"/>
+          </p:cNvSpPr>
+          <p:nvPr>
+            <p:ph type="title"/>
+          </p:nvPr>
+        </p:nvSpPr>
+        <p:spPr/>
+        <p:txBody>
+          <a:bodyPr/>
+          <a:lstStyle/>
+          <a:p>
+            <a:r>
+              <a:rPr lang="en-CA" dirty="0"/>
+              <a:t>Still not ideal: </a:t>
+            </a:r>
+          </a:p>
+        </p:txBody>
+      </p:sp>
+      <p:sp>
+        <p:nvSpPr>
+          <p:cNvPr id="3" name="Content Placeholder 2">
+            <a:extLst>
+              <a:ext uri="{FF2B5EF4-FFF2-40B4-BE49-F238E27FC236}">
+                <a16:creationId xmlns:a16="http://schemas.microsoft.com/office/drawing/2014/main" id="{91101F61-052F-1ECC-0B72-D2ED62515C75}"/>
+              </a:ext>
+            </a:extLst>
+          </p:cNvPr>
+          <p:cNvSpPr>
+            <a:spLocks noGrp="1"/>
+          </p:cNvSpPr>
+          <p:nvPr>
+            <p:ph idx="1"/>
+          </p:nvPr>
+        </p:nvSpPr>
+        <p:spPr/>
+        <p:txBody>
+          <a:bodyPr/>
+          <a:lstStyle/>
+          <a:p>
+            <a:r>
+              <a:rPr lang="en-CA" dirty="0"/>
+              <a:t>Using the function is complex</a:t>
+            </a:r>
+          </a:p>
+          <a:p>
+            <a:r>
+              <a:rPr lang="en-CA" dirty="0"/>
+              <a:t>What if there are a lot of base classes</a:t>
+            </a:r>
+          </a:p>
+          <a:p>
+            <a:r>
+              <a:rPr lang="en-CA" dirty="0"/>
+              <a:t>What if we want to write a number of functions for </a:t>
+            </a:r>
+            <a:r>
+              <a:rPr lang="en-CA" dirty="0" err="1"/>
+              <a:t>ScheduledItem</a:t>
+            </a:r>
+            <a:endParaRPr lang="en-CA" dirty="0"/>
+          </a:p>
+          <a:p>
+            <a:r>
+              <a:rPr lang="en-CA" dirty="0"/>
+              <a:t>Ideally we want that complexity hidden in the class</a:t>
+            </a:r>
+          </a:p>
+          <a:p>
+            <a:r>
+              <a:rPr lang="en-CA" dirty="0"/>
+              <a:t>This is where “virtual” functions come in useful</a:t>
+            </a:r>
+          </a:p>
+        </p:txBody>
+      </p:sp>
+    </p:spTree>
+    <p:extLst>
+      <p:ext uri="{BB962C8B-B14F-4D97-AF65-F5344CB8AC3E}">
+        <p14:creationId xmlns:p14="http://schemas.microsoft.com/office/powerpoint/2010/main" val="1235265439"/>
+      </p:ext>
+    </p:extLst>
+  </p:cSld>
+  <p:clrMapOvr>
+    <a:masterClrMapping/>
+  </p:clrMapOvr>
+</p:sld>
+</file>
+
+<file path=ppt/slides/slide26.xml><?xml version="1.0" encoding="utf-8"?>
+<p:sld xmlns:a="http://schemas.openxmlformats.org/drawingml/2006/main" xmlns:r="http://schemas.openxmlformats.org/officeDocument/2006/relationships" xmlns:p="http://schemas.openxmlformats.org/presentationml/2006/main">
+  <p:cSld>
+    <p:bg>
+      <p:bgPr>
+        <a:solidFill>
+          <a:schemeClr val="accent1"/>
+        </a:solidFill>
+        <a:effectLst/>
+      </p:bgPr>
+    </p:bg>
+    <p:spTree>
+      <p:nvGrpSpPr>
+        <p:cNvPr id="1" name=""/>
+        <p:cNvGrpSpPr/>
+        <p:nvPr/>
+      </p:nvGrpSpPr>
+      <p:grpSpPr>
+        <a:xfrm>
+          <a:off x="0" y="0"/>
+          <a:ext cx="0" cy="0"/>
+          <a:chOff x="0" y="0"/>
+          <a:chExt cx="0" cy="0"/>
+        </a:xfrm>
+      </p:grpSpPr>
+      <p:sp>
+        <p:nvSpPr>
+          <p:cNvPr id="10" name="Rectangle 9">
+            <a:extLst>
+              <a:ext uri="{FF2B5EF4-FFF2-40B4-BE49-F238E27FC236}">
+                <a16:creationId xmlns:a16="http://schemas.microsoft.com/office/drawing/2014/main" id="{809C0BCD-BEE9-423F-A51C-BCCD8E5EAADA}"/>
+              </a:ext>
+              <a:ext uri="{C183D7F6-B498-43B3-948B-1728B52AA6E4}">
+                <adec:decorative xmlns:adec="http://schemas.microsoft.com/office/drawing/2017/decorative" val="1"/>
+              </a:ext>
+            </a:extLst>
+          </p:cNvPr>
+          <p:cNvSpPr>
+            <a:spLocks noGrp="1" noRot="1" noChangeAspect="1" noMove="1" noResize="1" noEditPoints="1" noAdjustHandles="1" noChangeArrowheads="1" noChangeShapeType="1" noTextEdit="1"/>
+          </p:cNvSpPr>
+          <p:nvPr>
+            <p:extLst>
+              <p:ext uri="{386F3935-93C4-4BCD-93E2-E3B085C9AB24}">
+                <p16:designElem xmlns:p16="http://schemas.microsoft.com/office/powerpoint/2015/main" val="1"/>
+              </p:ext>
+            </p:extLst>
+          </p:nvPr>
+        </p:nvSpPr>
+        <p:spPr>
+          <a:xfrm>
+            <a:off x="346710" y="365760"/>
+            <a:ext cx="17586960" cy="9566908"/>
+          </a:xfrm>
+          <a:prstGeom prst="rect">
+            <a:avLst/>
+          </a:prstGeom>
+          <a:solidFill>
+            <a:schemeClr val="bg1"/>
+          </a:solidFill>
+          <a:ln w="12700">
+            <a:noFill/>
+          </a:ln>
+        </p:spPr>
+        <p:style>
+          <a:lnRef idx="2">
+            <a:schemeClr val="accent1">
+              <a:shade val="50000"/>
+            </a:schemeClr>
+          </a:lnRef>
+          <a:fillRef idx="1">
+            <a:schemeClr val="accent1"/>
+          </a:fillRef>
+          <a:effectRef idx="0">
+            <a:schemeClr val="accent1"/>
+          </a:effectRef>
+          <a:fontRef idx="minor">
+            <a:schemeClr val="lt1"/>
+          </a:fontRef>
+        </p:style>
+      </p:sp>
+      <p:sp>
+        <p:nvSpPr>
+          <p:cNvPr id="12" name="Rectangle 11">
+            <a:extLst>
+              <a:ext uri="{FF2B5EF4-FFF2-40B4-BE49-F238E27FC236}">
+                <a16:creationId xmlns:a16="http://schemas.microsoft.com/office/drawing/2014/main" id="{9998D094-42B2-42BA-AA14-E8FBE073A5D8}"/>
+              </a:ext>
+              <a:ext uri="{C183D7F6-B498-43B3-948B-1728B52AA6E4}">
+                <adec:decorative xmlns:adec="http://schemas.microsoft.com/office/drawing/2017/decorative" val="1"/>
+              </a:ext>
+            </a:extLst>
+          </p:cNvPr>
+          <p:cNvSpPr>
+            <a:spLocks noGrp="1" noRot="1" noChangeAspect="1" noMove="1" noResize="1" noEditPoints="1" noAdjustHandles="1" noChangeArrowheads="1" noChangeShapeType="1" noTextEdit="1"/>
+          </p:cNvSpPr>
+          <p:nvPr>
+            <p:extLst>
+              <p:ext uri="{386F3935-93C4-4BCD-93E2-E3B085C9AB24}">
+                <p16:designElem xmlns:p16="http://schemas.microsoft.com/office/powerpoint/2015/main" val="1"/>
+              </p:ext>
+            </p:extLst>
+          </p:nvPr>
+        </p:nvSpPr>
+        <p:spPr>
+          <a:xfrm>
+            <a:off x="346710" y="365760"/>
+            <a:ext cx="17586960" cy="9566908"/>
+          </a:xfrm>
+          <a:prstGeom prst="rect">
+            <a:avLst/>
+          </a:prstGeom>
+          <a:solidFill>
+            <a:schemeClr val="accent1"/>
+          </a:solidFill>
+          <a:ln w="12700">
+            <a:solidFill>
+              <a:srgbClr val="FFFFFF"/>
+            </a:solidFill>
+          </a:ln>
+        </p:spPr>
+        <p:style>
+          <a:lnRef idx="2">
+            <a:schemeClr val="accent1">
+              <a:shade val="50000"/>
+            </a:schemeClr>
+          </a:lnRef>
+          <a:fillRef idx="1">
+            <a:schemeClr val="accent1"/>
+          </a:fillRef>
+          <a:effectRef idx="0">
+            <a:schemeClr val="accent1"/>
+          </a:effectRef>
+          <a:fontRef idx="minor">
+            <a:schemeClr val="lt1"/>
+          </a:fontRef>
+        </p:style>
+      </p:sp>
+      <p:cxnSp>
+        <p:nvCxnSpPr>
+          <p:cNvPr id="14" name="Straight Connector 13">
+            <a:extLst>
+              <a:ext uri="{FF2B5EF4-FFF2-40B4-BE49-F238E27FC236}">
+                <a16:creationId xmlns:a16="http://schemas.microsoft.com/office/drawing/2014/main" id="{8465D64B-59F4-4BDC-B833-A17EF1E04697}"/>
+              </a:ext>
+              <a:ext uri="{C183D7F6-B498-43B3-948B-1728B52AA6E4}">
+                <adec:decorative xmlns:adec="http://schemas.microsoft.com/office/drawing/2017/decorative" val="1"/>
+              </a:ext>
+            </a:extLst>
+          </p:cNvPr>
+          <p:cNvCxnSpPr>
+            <a:cxnSpLocks noGrp="1" noRot="1" noChangeAspect="1" noMove="1" noResize="1" noEditPoints="1" noAdjustHandles="1" noChangeArrowheads="1" noChangeShapeType="1"/>
+          </p:cNvCxnSpPr>
+          <p:nvPr>
+            <p:extLst>
+              <p:ext uri="{386F3935-93C4-4BCD-93E2-E3B085C9AB24}">
+                <p16:designElem xmlns:p16="http://schemas.microsoft.com/office/powerpoint/2015/main" val="1"/>
+              </p:ext>
+            </p:extLst>
+          </p:nvPr>
+        </p:nvCxnSpPr>
+        <p:spPr>
+          <a:xfrm>
+            <a:off x="2967990" y="5600700"/>
+            <a:ext cx="12344401" cy="0"/>
+          </a:xfrm>
+          <a:prstGeom prst="line">
+            <a:avLst/>
+          </a:prstGeom>
+          <a:ln>
+            <a:solidFill>
+              <a:srgbClr val="FFFFFF"/>
+            </a:solidFill>
+          </a:ln>
+        </p:spPr>
+        <p:style>
+          <a:lnRef idx="1">
+            <a:schemeClr val="accent1"/>
+          </a:lnRef>
+          <a:fillRef idx="0">
+            <a:schemeClr val="accent1"/>
+          </a:fillRef>
+          <a:effectRef idx="0">
+            <a:schemeClr val="accent1"/>
+          </a:effectRef>
+          <a:fontRef idx="minor">
+            <a:schemeClr val="tx1"/>
+          </a:fontRef>
+        </p:style>
+      </p:cxnSp>
+      <p:sp>
+        <p:nvSpPr>
+          <p:cNvPr id="16" name="Rectangle 15">
+            <a:extLst>
+              <a:ext uri="{FF2B5EF4-FFF2-40B4-BE49-F238E27FC236}">
+                <a16:creationId xmlns:a16="http://schemas.microsoft.com/office/drawing/2014/main" id="{63FE6F10-B3AD-4403-94CA-F5115528699D}"/>
+              </a:ext>
+              <a:ext uri="{C183D7F6-B498-43B3-948B-1728B52AA6E4}">
+                <adec:decorative xmlns:adec="http://schemas.microsoft.com/office/drawing/2017/decorative" val="1"/>
+              </a:ext>
+            </a:extLst>
+          </p:cNvPr>
+          <p:cNvSpPr>
+            <a:spLocks noGrp="1" noRot="1" noChangeAspect="1" noMove="1" noResize="1" noEditPoints="1" noAdjustHandles="1" noChangeArrowheads="1" noChangeShapeType="1" noTextEdit="1"/>
+          </p:cNvSpPr>
+          <p:nvPr>
+            <p:extLst>
+              <p:ext uri="{386F3935-93C4-4BCD-93E2-E3B085C9AB24}">
+                <p16:designElem xmlns:p16="http://schemas.microsoft.com/office/powerpoint/2015/main" val="1"/>
+              </p:ext>
+            </p:extLst>
+          </p:nvPr>
+        </p:nvSpPr>
+        <p:spPr>
+          <a:xfrm>
+            <a:off x="346710" y="365760"/>
+            <a:ext cx="17583150" cy="9566908"/>
+          </a:xfrm>
+          <a:prstGeom prst="rect">
+            <a:avLst/>
+          </a:prstGeom>
+          <a:solidFill>
+            <a:schemeClr val="bg1"/>
+          </a:solidFill>
+          <a:ln w="12700">
+            <a:solidFill>
+              <a:srgbClr val="FFFFFF"/>
+            </a:solidFill>
+          </a:ln>
+        </p:spPr>
+        <p:style>
+          <a:lnRef idx="2">
+            <a:schemeClr val="accent1">
+              <a:shade val="50000"/>
+            </a:schemeClr>
+          </a:lnRef>
+          <a:fillRef idx="1">
+            <a:schemeClr val="accent1"/>
+          </a:fillRef>
+          <a:effectRef idx="0">
+            <a:schemeClr val="accent1"/>
+          </a:effectRef>
+          <a:fontRef idx="minor">
+            <a:schemeClr val="lt1"/>
+          </a:fontRef>
+        </p:style>
+      </p:sp>
+      <p:sp useBgFill="1">
+        <p:nvSpPr>
+          <p:cNvPr id="18" name="Rectangle 17">
+            <a:extLst>
+              <a:ext uri="{FF2B5EF4-FFF2-40B4-BE49-F238E27FC236}">
+                <a16:creationId xmlns:a16="http://schemas.microsoft.com/office/drawing/2014/main" id="{364D6A39-A4F7-4B00-9F42-3BC67177DB1F}"/>
+              </a:ext>
+              <a:ext uri="{C183D7F6-B498-43B3-948B-1728B52AA6E4}">
+                <adec:decorative xmlns:adec="http://schemas.microsoft.com/office/drawing/2017/decorative" val="1"/>
+              </a:ext>
+            </a:extLst>
+          </p:cNvPr>
+          <p:cNvSpPr>
+            <a:spLocks noGrp="1" noRot="1" noChangeAspect="1" noMove="1" noResize="1" noEditPoints="1" noAdjustHandles="1" noChangeArrowheads="1" noChangeShapeType="1" noTextEdit="1"/>
+          </p:cNvSpPr>
+          <p:nvPr>
+            <p:extLst>
+              <p:ext uri="{386F3935-93C4-4BCD-93E2-E3B085C9AB24}">
+                <p16:designElem xmlns:p16="http://schemas.microsoft.com/office/powerpoint/2015/main" val="1"/>
+              </p:ext>
+            </p:extLst>
+          </p:nvPr>
+        </p:nvSpPr>
+        <p:spPr>
+          <a:xfrm>
+            <a:off x="11329416" y="370330"/>
+            <a:ext cx="6596632" cy="9566909"/>
+          </a:xfrm>
+          <a:prstGeom prst="rect">
+            <a:avLst/>
+          </a:prstGeom>
+          <a:ln w="12700">
+            <a:solidFill>
+              <a:srgbClr val="FFFFFF"/>
+            </a:solidFill>
+          </a:ln>
+        </p:spPr>
+        <p:style>
+          <a:lnRef idx="2">
+            <a:schemeClr val="accent1">
+              <a:shade val="50000"/>
+            </a:schemeClr>
+          </a:lnRef>
+          <a:fillRef idx="1">
+            <a:schemeClr val="accent1"/>
+          </a:fillRef>
+          <a:effectRef idx="0">
+            <a:schemeClr val="accent1"/>
+          </a:effectRef>
+          <a:fontRef idx="minor">
+            <a:schemeClr val="lt1"/>
+          </a:fontRef>
+        </p:style>
+      </p:sp>
+      <p:cxnSp>
+        <p:nvCxnSpPr>
+          <p:cNvPr id="20" name="Straight Connector 19">
+            <a:extLst>
+              <a:ext uri="{FF2B5EF4-FFF2-40B4-BE49-F238E27FC236}">
+                <a16:creationId xmlns:a16="http://schemas.microsoft.com/office/drawing/2014/main" id="{13553ADF-88A1-4645-B819-890CA3DF7D5B}"/>
+              </a:ext>
+              <a:ext uri="{C183D7F6-B498-43B3-948B-1728B52AA6E4}">
+                <adec:decorative xmlns:adec="http://schemas.microsoft.com/office/drawing/2017/decorative" val="1"/>
+              </a:ext>
+            </a:extLst>
+          </p:cNvPr>
+          <p:cNvCxnSpPr>
+            <a:cxnSpLocks noGrp="1" noRot="1" noChangeAspect="1" noMove="1" noResize="1" noEditPoints="1" noAdjustHandles="1" noChangeArrowheads="1" noChangeShapeType="1"/>
+          </p:cNvCxnSpPr>
+          <p:nvPr>
+            <p:extLst>
+              <p:ext uri="{386F3935-93C4-4BCD-93E2-E3B085C9AB24}">
+                <p16:designElem xmlns:p16="http://schemas.microsoft.com/office/powerpoint/2015/main" val="1"/>
+              </p:ext>
+            </p:extLst>
+          </p:nvPr>
+        </p:nvCxnSpPr>
+        <p:spPr>
+          <a:xfrm>
+            <a:off x="12555426" y="6608794"/>
+            <a:ext cx="4144612" cy="0"/>
+          </a:xfrm>
+          <a:prstGeom prst="line">
+            <a:avLst/>
+          </a:prstGeom>
+          <a:ln>
+            <a:solidFill>
+              <a:srgbClr val="FFFFFF"/>
+            </a:solidFill>
+          </a:ln>
+        </p:spPr>
+        <p:style>
+          <a:lnRef idx="1">
+            <a:schemeClr val="accent1"/>
+          </a:lnRef>
+          <a:fillRef idx="0">
+            <a:schemeClr val="accent1"/>
+          </a:fillRef>
+          <a:effectRef idx="0">
+            <a:schemeClr val="accent1"/>
+          </a:effectRef>
+          <a:fontRef idx="minor">
+            <a:schemeClr val="tx1"/>
+          </a:fontRef>
+        </p:style>
+      </p:cxnSp>
+      <p:sp>
+        <p:nvSpPr>
+          <p:cNvPr id="22" name="Rectangle 21">
+            <a:extLst>
+              <a:ext uri="{FF2B5EF4-FFF2-40B4-BE49-F238E27FC236}">
+                <a16:creationId xmlns:a16="http://schemas.microsoft.com/office/drawing/2014/main" id="{B5D0D97D-7911-4A25-88E2-4D81FD4AB294}"/>
+              </a:ext>
+              <a:ext uri="{C183D7F6-B498-43B3-948B-1728B52AA6E4}">
+                <adec:decorative xmlns:adec="http://schemas.microsoft.com/office/drawing/2017/decorative" val="1"/>
+              </a:ext>
+            </a:extLst>
+          </p:cNvPr>
+          <p:cNvSpPr>
+            <a:spLocks noGrp="1" noRot="1" noChangeAspect="1" noMove="1" noResize="1" noEditPoints="1" noAdjustHandles="1" noChangeArrowheads="1" noChangeShapeType="1" noTextEdit="1"/>
+          </p:cNvSpPr>
+          <p:nvPr>
+            <p:extLst>
+              <p:ext uri="{386F3935-93C4-4BCD-93E2-E3B085C9AB24}">
+                <p16:designElem xmlns:p16="http://schemas.microsoft.com/office/powerpoint/2015/main" val="1"/>
+              </p:ext>
+            </p:extLst>
+          </p:nvPr>
+        </p:nvSpPr>
+        <p:spPr>
+          <a:xfrm>
+            <a:off x="342900" y="370332"/>
+            <a:ext cx="17586960" cy="9566908"/>
+          </a:xfrm>
+          <a:prstGeom prst="rect">
+            <a:avLst/>
+          </a:prstGeom>
+          <a:noFill/>
+          <a:ln w="12700">
+            <a:solidFill>
+              <a:srgbClr val="FFFFFF"/>
+            </a:solidFill>
+          </a:ln>
+        </p:spPr>
+        <p:style>
+          <a:lnRef idx="2">
+            <a:schemeClr val="accent1">
+              <a:shade val="50000"/>
+            </a:schemeClr>
+          </a:lnRef>
+          <a:fillRef idx="1">
+            <a:schemeClr val="accent1"/>
+          </a:fillRef>
+          <a:effectRef idx="0">
+            <a:schemeClr val="accent1"/>
+          </a:effectRef>
+          <a:fontRef idx="minor">
+            <a:schemeClr val="lt1"/>
+          </a:fontRef>
+        </p:style>
+      </p:sp>
+      <p:sp>
+        <p:nvSpPr>
+          <p:cNvPr id="2" name="Title 1">
+            <a:extLst>
+              <a:ext uri="{FF2B5EF4-FFF2-40B4-BE49-F238E27FC236}">
+                <a16:creationId xmlns:a16="http://schemas.microsoft.com/office/drawing/2014/main" id="{DA87A599-175D-4F7C-D0F0-91ADF5D41DBB}"/>
+              </a:ext>
+            </a:extLst>
+          </p:cNvPr>
+          <p:cNvSpPr>
+            <a:spLocks noGrp="1"/>
+          </p:cNvSpPr>
+          <p:nvPr>
+            <p:ph type="title"/>
+          </p:nvPr>
+        </p:nvSpPr>
+        <p:spPr>
+          <a:xfrm>
+            <a:off x="12292707" y="1286512"/>
+            <a:ext cx="4670049" cy="5434266"/>
+          </a:xfrm>
+        </p:spPr>
+        <p:txBody>
+          <a:bodyPr vert="horz" lIns="91440" tIns="45720" rIns="91440" bIns="45720" rtlCol="0" anchor="b">
+            <a:normAutofit/>
+          </a:bodyPr>
+          <a:lstStyle/>
+          <a:p>
+            <a:pPr algn="ctr" defTabSz="914400">
+              <a:lnSpc>
+                <a:spcPct val="85000"/>
+              </a:lnSpc>
+            </a:pPr>
+            <a:r>
+              <a:rPr lang="en-US" sz="6900" b="1" cap="all">
+                <a:solidFill>
+                  <a:srgbClr val="FFFFFF"/>
+                </a:solidFill>
+              </a:rPr>
+              <a:t>Using a virtual function</a:t>
+            </a:r>
+          </a:p>
+        </p:txBody>
+      </p:sp>
+      <p:pic>
+        <p:nvPicPr>
+          <p:cNvPr id="5" name="Content Placeholder 4" descr="Graphical user interface, text&#10;&#10;Description automatically generated with medium confidence">
+            <a:extLst>
+              <a:ext uri="{FF2B5EF4-FFF2-40B4-BE49-F238E27FC236}">
+                <a16:creationId xmlns:a16="http://schemas.microsoft.com/office/drawing/2014/main" id="{F58808A4-2E15-7849-6A9A-9EE4AC914BE6}"/>
+              </a:ext>
+            </a:extLst>
+          </p:cNvPr>
+          <p:cNvPicPr>
+            <a:picLocks noGrp="1" noChangeAspect="1"/>
+          </p:cNvPicPr>
+          <p:nvPr>
+            <p:ph idx="1"/>
+          </p:nvPr>
+        </p:nvPicPr>
+        <p:blipFill rotWithShape="1">
+          <a:blip r:embed="rId2"/>
+          <a:srcRect r="25910" b="-1"/>
+          <a:stretch/>
+        </p:blipFill>
+        <p:spPr>
+          <a:xfrm>
+            <a:off x="1308096" y="1286512"/>
+            <a:ext cx="9068364" cy="7711004"/>
+          </a:xfrm>
+          <a:prstGeom prst="rect">
+            <a:avLst/>
+          </a:prstGeom>
+        </p:spPr>
+      </p:pic>
+    </p:spTree>
+    <p:extLst>
+      <p:ext uri="{BB962C8B-B14F-4D97-AF65-F5344CB8AC3E}">
+        <p14:creationId xmlns:p14="http://schemas.microsoft.com/office/powerpoint/2010/main" val="1408162056"/>
+      </p:ext>
+    </p:extLst>
+  </p:cSld>
+  <p:clrMapOvr>
+    <a:masterClrMapping/>
+  </p:clrMapOvr>
+</p:sld>
+</file>
+
+<file path=ppt/slides/slide27.xml><?xml version="1.0" encoding="utf-8"?>
+<p:sld xmlns:a="http://schemas.openxmlformats.org/drawingml/2006/main" xmlns:r="http://schemas.openxmlformats.org/officeDocument/2006/relationships" xmlns:p="http://schemas.openxmlformats.org/presentationml/2006/main">
+  <p:cSld>
+    <p:bg>
+      <p:bgPr>
+        <a:solidFill>
+          <a:schemeClr val="accent1"/>
+        </a:solidFill>
+        <a:effectLst/>
+      </p:bgPr>
+    </p:bg>
+    <p:spTree>
+      <p:nvGrpSpPr>
+        <p:cNvPr id="1" name=""/>
+        <p:cNvGrpSpPr/>
+        <p:nvPr/>
+      </p:nvGrpSpPr>
+      <p:grpSpPr>
+        <a:xfrm>
+          <a:off x="0" y="0"/>
+          <a:ext cx="0" cy="0"/>
+          <a:chOff x="0" y="0"/>
+          <a:chExt cx="0" cy="0"/>
+        </a:xfrm>
+      </p:grpSpPr>
+      <p:sp>
+        <p:nvSpPr>
+          <p:cNvPr id="10" name="Rectangle 9">
+            <a:extLst>
+              <a:ext uri="{FF2B5EF4-FFF2-40B4-BE49-F238E27FC236}">
+                <a16:creationId xmlns:a16="http://schemas.microsoft.com/office/drawing/2014/main" id="{79CBD3C9-4E66-426D-948E-7CF4778107E8}"/>
+              </a:ext>
+              <a:ext uri="{C183D7F6-B498-43B3-948B-1728B52AA6E4}">
+                <adec:decorative xmlns:adec="http://schemas.microsoft.com/office/drawing/2017/decorative" val="1"/>
+              </a:ext>
+            </a:extLst>
+          </p:cNvPr>
+          <p:cNvSpPr>
+            <a:spLocks noGrp="1" noRot="1" noChangeAspect="1" noMove="1" noResize="1" noEditPoints="1" noAdjustHandles="1" noChangeArrowheads="1" noChangeShapeType="1" noTextEdit="1"/>
+          </p:cNvSpPr>
+          <p:nvPr>
+            <p:extLst>
+              <p:ext uri="{386F3935-93C4-4BCD-93E2-E3B085C9AB24}">
+                <p16:designElem xmlns:p16="http://schemas.microsoft.com/office/powerpoint/2015/main" val="1"/>
+              </p:ext>
+            </p:extLst>
+          </p:nvPr>
+        </p:nvSpPr>
+        <p:spPr>
+          <a:xfrm>
+            <a:off x="346710" y="365760"/>
+            <a:ext cx="17586960" cy="9566908"/>
+          </a:xfrm>
+          <a:prstGeom prst="rect">
+            <a:avLst/>
+          </a:prstGeom>
+          <a:solidFill>
+            <a:schemeClr val="bg1"/>
+          </a:solidFill>
+          <a:ln w="12700">
+            <a:noFill/>
+          </a:ln>
+        </p:spPr>
+        <p:style>
+          <a:lnRef idx="2">
+            <a:schemeClr val="accent1">
+              <a:shade val="50000"/>
+            </a:schemeClr>
+          </a:lnRef>
+          <a:fillRef idx="1">
+            <a:schemeClr val="accent1"/>
+          </a:fillRef>
+          <a:effectRef idx="0">
+            <a:schemeClr val="accent1"/>
+          </a:effectRef>
+          <a:fontRef idx="minor">
+            <a:schemeClr val="lt1"/>
+          </a:fontRef>
+        </p:style>
+      </p:sp>
+      <p:sp>
+        <p:nvSpPr>
+          <p:cNvPr id="12" name="Rectangle 11">
+            <a:extLst>
+              <a:ext uri="{FF2B5EF4-FFF2-40B4-BE49-F238E27FC236}">
+                <a16:creationId xmlns:a16="http://schemas.microsoft.com/office/drawing/2014/main" id="{DDB95FCF-AD96-482F-9FB8-CD95725E6EFF}"/>
+              </a:ext>
+              <a:ext uri="{C183D7F6-B498-43B3-948B-1728B52AA6E4}">
+                <adec:decorative xmlns:adec="http://schemas.microsoft.com/office/drawing/2017/decorative" val="1"/>
+              </a:ext>
+            </a:extLst>
+          </p:cNvPr>
+          <p:cNvSpPr>
+            <a:spLocks noGrp="1" noRot="1" noChangeAspect="1" noMove="1" noResize="1" noEditPoints="1" noAdjustHandles="1" noChangeArrowheads="1" noChangeShapeType="1" noTextEdit="1"/>
+          </p:cNvSpPr>
+          <p:nvPr>
+            <p:extLst>
+              <p:ext uri="{386F3935-93C4-4BCD-93E2-E3B085C9AB24}">
+                <p16:designElem xmlns:p16="http://schemas.microsoft.com/office/powerpoint/2015/main" val="1"/>
+              </p:ext>
+            </p:extLst>
+          </p:nvPr>
+        </p:nvSpPr>
+        <p:spPr>
+          <a:xfrm>
+            <a:off x="346710" y="365760"/>
+            <a:ext cx="17586960" cy="9566908"/>
+          </a:xfrm>
+          <a:prstGeom prst="rect">
+            <a:avLst/>
+          </a:prstGeom>
+          <a:solidFill>
+            <a:schemeClr val="accent1"/>
+          </a:solidFill>
+          <a:ln w="12700">
+            <a:solidFill>
+              <a:srgbClr val="FFFFFF"/>
+            </a:solidFill>
+          </a:ln>
+        </p:spPr>
+        <p:style>
+          <a:lnRef idx="2">
+            <a:schemeClr val="accent1">
+              <a:shade val="50000"/>
+            </a:schemeClr>
+          </a:lnRef>
+          <a:fillRef idx="1">
+            <a:schemeClr val="accent1"/>
+          </a:fillRef>
+          <a:effectRef idx="0">
+            <a:schemeClr val="accent1"/>
+          </a:effectRef>
+          <a:fontRef idx="minor">
+            <a:schemeClr val="lt1"/>
+          </a:fontRef>
+        </p:style>
+      </p:sp>
+      <p:cxnSp>
+        <p:nvCxnSpPr>
+          <p:cNvPr id="14" name="Straight Connector 13">
+            <a:extLst>
+              <a:ext uri="{FF2B5EF4-FFF2-40B4-BE49-F238E27FC236}">
+                <a16:creationId xmlns:a16="http://schemas.microsoft.com/office/drawing/2014/main" id="{64EEEC00-AD80-4734-BEE6-04CBDEC830C9}"/>
+              </a:ext>
+              <a:ext uri="{C183D7F6-B498-43B3-948B-1728B52AA6E4}">
+                <adec:decorative xmlns:adec="http://schemas.microsoft.com/office/drawing/2017/decorative" val="1"/>
+              </a:ext>
+            </a:extLst>
+          </p:cNvPr>
+          <p:cNvCxnSpPr>
+            <a:cxnSpLocks noGrp="1" noRot="1" noChangeAspect="1" noMove="1" noResize="1" noEditPoints="1" noAdjustHandles="1" noChangeArrowheads="1" noChangeShapeType="1"/>
+          </p:cNvCxnSpPr>
+          <p:nvPr>
+            <p:extLst>
+              <p:ext uri="{386F3935-93C4-4BCD-93E2-E3B085C9AB24}">
+                <p16:designElem xmlns:p16="http://schemas.microsoft.com/office/powerpoint/2015/main" val="1"/>
+              </p:ext>
+            </p:extLst>
+          </p:nvPr>
+        </p:nvCxnSpPr>
+        <p:spPr>
+          <a:xfrm>
+            <a:off x="2967990" y="5600700"/>
+            <a:ext cx="12344401" cy="0"/>
+          </a:xfrm>
+          <a:prstGeom prst="line">
+            <a:avLst/>
+          </a:prstGeom>
+          <a:ln>
+            <a:solidFill>
+              <a:srgbClr val="FFFFFF"/>
+            </a:solidFill>
+          </a:ln>
+        </p:spPr>
+        <p:style>
+          <a:lnRef idx="1">
+            <a:schemeClr val="accent1"/>
+          </a:lnRef>
+          <a:fillRef idx="0">
+            <a:schemeClr val="accent1"/>
+          </a:fillRef>
+          <a:effectRef idx="0">
+            <a:schemeClr val="accent1"/>
+          </a:effectRef>
+          <a:fontRef idx="minor">
+            <a:schemeClr val="tx1"/>
+          </a:fontRef>
+        </p:style>
+      </p:cxnSp>
+      <p:cxnSp>
+        <p:nvCxnSpPr>
+          <p:cNvPr id="16" name="Straight Connector 15">
+            <a:extLst>
+              <a:ext uri="{FF2B5EF4-FFF2-40B4-BE49-F238E27FC236}">
+                <a16:creationId xmlns:a16="http://schemas.microsoft.com/office/drawing/2014/main" id="{6C6896D1-BFB1-4C84-82DD-31073BED3F03}"/>
+              </a:ext>
+              <a:ext uri="{C183D7F6-B498-43B3-948B-1728B52AA6E4}">
+                <adec:decorative xmlns:adec="http://schemas.microsoft.com/office/drawing/2017/decorative" val="1"/>
+              </a:ext>
+            </a:extLst>
+          </p:cNvPr>
+          <p:cNvCxnSpPr>
+            <a:cxnSpLocks noGrp="1" noRot="1" noChangeAspect="1" noMove="1" noResize="1" noEditPoints="1" noAdjustHandles="1" noChangeArrowheads="1" noChangeShapeType="1"/>
+          </p:cNvCxnSpPr>
+          <p:nvPr>
+            <p:extLst>
+              <p:ext uri="{386F3935-93C4-4BCD-93E2-E3B085C9AB24}">
+                <p16:designElem xmlns:p16="http://schemas.microsoft.com/office/powerpoint/2015/main" val="1"/>
+              </p:ext>
+            </p:extLst>
+          </p:nvPr>
+        </p:nvCxnSpPr>
+        <p:spPr>
+          <a:xfrm>
+            <a:off x="2967990" y="8193687"/>
+            <a:ext cx="12344401" cy="0"/>
+          </a:xfrm>
+          <a:prstGeom prst="line">
+            <a:avLst/>
+          </a:prstGeom>
+          <a:ln>
+            <a:solidFill>
+              <a:srgbClr val="FFFFFF"/>
+            </a:solidFill>
+          </a:ln>
+        </p:spPr>
+        <p:style>
+          <a:lnRef idx="1">
+            <a:schemeClr val="accent1"/>
+          </a:lnRef>
+          <a:fillRef idx="0">
+            <a:schemeClr val="accent1"/>
+          </a:fillRef>
+          <a:effectRef idx="0">
+            <a:schemeClr val="accent1"/>
+          </a:effectRef>
+          <a:fontRef idx="minor">
+            <a:schemeClr val="tx1"/>
+          </a:fontRef>
+        </p:style>
+      </p:cxnSp>
+      <p:sp>
+        <p:nvSpPr>
+          <p:cNvPr id="2" name="Title 1">
+            <a:extLst>
+              <a:ext uri="{FF2B5EF4-FFF2-40B4-BE49-F238E27FC236}">
+                <a16:creationId xmlns:a16="http://schemas.microsoft.com/office/drawing/2014/main" id="{9CC0CD2F-525B-9D05-EC49-B29BE8954B9E}"/>
+              </a:ext>
+            </a:extLst>
+          </p:cNvPr>
+          <p:cNvSpPr>
+            <a:spLocks noGrp="1"/>
+          </p:cNvSpPr>
+          <p:nvPr>
+            <p:ph type="title"/>
+          </p:nvPr>
+        </p:nvSpPr>
+        <p:spPr>
+          <a:xfrm>
+            <a:off x="1664970" y="6312636"/>
+            <a:ext cx="14950440" cy="1988820"/>
+          </a:xfrm>
+        </p:spPr>
+        <p:txBody>
+          <a:bodyPr vert="horz" lIns="91440" tIns="45720" rIns="91440" bIns="45720" rtlCol="0" anchor="b">
+            <a:normAutofit/>
+          </a:bodyPr>
+          <a:lstStyle/>
+          <a:p>
+            <a:pPr algn="ctr" defTabSz="914400">
+              <a:lnSpc>
+                <a:spcPct val="85000"/>
+              </a:lnSpc>
+            </a:pPr>
+            <a:r>
+              <a:rPr lang="en-US" sz="6900" b="1" cap="all" dirty="0">
+                <a:solidFill>
+                  <a:srgbClr val="FFFFFF"/>
+                </a:solidFill>
+              </a:rPr>
+              <a:t>Now the function is Simpler</a:t>
+            </a:r>
+          </a:p>
+        </p:txBody>
+      </p:sp>
+      <p:sp>
+        <p:nvSpPr>
+          <p:cNvPr id="18" name="Rectangle 17">
+            <a:extLst>
+              <a:ext uri="{FF2B5EF4-FFF2-40B4-BE49-F238E27FC236}">
+                <a16:creationId xmlns:a16="http://schemas.microsoft.com/office/drawing/2014/main" id="{8A2FDFB1-2B6D-49EB-B6C0-FA923806E0AF}"/>
+              </a:ext>
+              <a:ext uri="{C183D7F6-B498-43B3-948B-1728B52AA6E4}">
+                <adec:decorative xmlns:adec="http://schemas.microsoft.com/office/drawing/2017/decorative" val="1"/>
+              </a:ext>
+            </a:extLst>
+          </p:cNvPr>
+          <p:cNvSpPr>
+            <a:spLocks noGrp="1" noRot="1" noChangeAspect="1" noMove="1" noResize="1" noEditPoints="1" noAdjustHandles="1" noChangeArrowheads="1" noChangeShapeType="1" noTextEdit="1"/>
+          </p:cNvSpPr>
+          <p:nvPr>
+            <p:extLst>
+              <p:ext uri="{386F3935-93C4-4BCD-93E2-E3B085C9AB24}">
+                <p16:designElem xmlns:p16="http://schemas.microsoft.com/office/powerpoint/2015/main" val="1"/>
+              </p:ext>
+            </p:extLst>
+          </p:nvPr>
+        </p:nvSpPr>
+        <p:spPr>
+          <a:xfrm>
+            <a:off x="346710" y="365761"/>
+            <a:ext cx="17583150" cy="5946876"/>
+          </a:xfrm>
+          <a:prstGeom prst="rect">
+            <a:avLst/>
+          </a:prstGeom>
+          <a:solidFill>
+            <a:schemeClr val="bg1"/>
+          </a:solidFill>
+          <a:ln w="12700">
+            <a:solidFill>
+              <a:srgbClr val="FFFFFF"/>
+            </a:solidFill>
+          </a:ln>
+        </p:spPr>
+        <p:style>
+          <a:lnRef idx="2">
+            <a:schemeClr val="accent1">
+              <a:shade val="50000"/>
+            </a:schemeClr>
+          </a:lnRef>
+          <a:fillRef idx="1">
+            <a:schemeClr val="accent1"/>
+          </a:fillRef>
+          <a:effectRef idx="0">
+            <a:schemeClr val="accent1"/>
+          </a:effectRef>
+          <a:fontRef idx="minor">
+            <a:schemeClr val="lt1"/>
+          </a:fontRef>
+        </p:style>
+      </p:sp>
+      <p:pic>
+        <p:nvPicPr>
+          <p:cNvPr id="5" name="Content Placeholder 4">
+            <a:extLst>
+              <a:ext uri="{FF2B5EF4-FFF2-40B4-BE49-F238E27FC236}">
+                <a16:creationId xmlns:a16="http://schemas.microsoft.com/office/drawing/2014/main" id="{060B0905-E6AF-4A8D-80A9-E7AFB0C895C4}"/>
+              </a:ext>
+            </a:extLst>
+          </p:cNvPr>
+          <p:cNvPicPr>
+            <a:picLocks noGrp="1" noChangeAspect="1"/>
+          </p:cNvPicPr>
+          <p:nvPr>
+            <p:ph idx="1"/>
+          </p:nvPr>
+        </p:nvPicPr>
+        <p:blipFill>
+          <a:blip r:embed="rId2"/>
+          <a:stretch>
+            <a:fillRect/>
+          </a:stretch>
+        </p:blipFill>
+        <p:spPr>
+          <a:xfrm>
+            <a:off x="1073658" y="1601368"/>
+            <a:ext cx="16129252" cy="4032313"/>
+          </a:xfrm>
+          <a:prstGeom prst="rect">
+            <a:avLst/>
+          </a:prstGeom>
+        </p:spPr>
+      </p:pic>
+    </p:spTree>
+    <p:extLst>
+      <p:ext uri="{BB962C8B-B14F-4D97-AF65-F5344CB8AC3E}">
+        <p14:creationId xmlns:p14="http://schemas.microsoft.com/office/powerpoint/2010/main" val="2769281385"/>
+      </p:ext>
+    </p:extLst>
+  </p:cSld>
+  <p:clrMapOvr>
+    <a:masterClrMapping/>
+  </p:clrMapOvr>
+</p:sld>
+</file>
+
+<file path=ppt/slides/slide28.xml><?xml version="1.0" encoding="utf-8"?>
+<p:sld xmlns:a="http://schemas.openxmlformats.org/drawingml/2006/main" xmlns:r="http://schemas.openxmlformats.org/officeDocument/2006/relationships" xmlns:p="http://schemas.openxmlformats.org/presentationml/2006/main">
+  <p:cSld>
+    <p:spTree>
+      <p:nvGrpSpPr>
+        <p:cNvPr id="1" name=""/>
+        <p:cNvGrpSpPr/>
+        <p:nvPr/>
+      </p:nvGrpSpPr>
+      <p:grpSpPr>
+        <a:xfrm>
+          <a:off x="0" y="0"/>
+          <a:ext cx="0" cy="0"/>
+          <a:chOff x="0" y="0"/>
+          <a:chExt cx="0" cy="0"/>
+        </a:xfrm>
+      </p:grpSpPr>
+      <p:sp>
+        <p:nvSpPr>
+          <p:cNvPr id="2" name="Title 1">
+            <a:extLst>
+              <a:ext uri="{FF2B5EF4-FFF2-40B4-BE49-F238E27FC236}">
+                <a16:creationId xmlns:a16="http://schemas.microsoft.com/office/drawing/2014/main" id="{694815C1-32A8-CF68-CE87-1008C510B241}"/>
+              </a:ext>
+            </a:extLst>
+          </p:cNvPr>
+          <p:cNvSpPr>
+            <a:spLocks noGrp="1"/>
+          </p:cNvSpPr>
+          <p:nvPr>
+            <p:ph type="title"/>
+          </p:nvPr>
+        </p:nvSpPr>
+        <p:spPr/>
+        <p:txBody>
+          <a:bodyPr/>
+          <a:lstStyle/>
+          <a:p>
+            <a:r>
+              <a:rPr lang="en-CA" dirty="0"/>
+              <a:t>Understanding a Virtual Function</a:t>
+            </a:r>
+          </a:p>
+        </p:txBody>
+      </p:sp>
+      <p:sp>
+        <p:nvSpPr>
+          <p:cNvPr id="3" name="Content Placeholder 2">
+            <a:extLst>
+              <a:ext uri="{FF2B5EF4-FFF2-40B4-BE49-F238E27FC236}">
+                <a16:creationId xmlns:a16="http://schemas.microsoft.com/office/drawing/2014/main" id="{754A01B9-7587-8E0F-D21F-88D80E95F683}"/>
+              </a:ext>
+            </a:extLst>
+          </p:cNvPr>
+          <p:cNvSpPr>
+            <a:spLocks noGrp="1"/>
+          </p:cNvSpPr>
+          <p:nvPr>
+            <p:ph idx="1"/>
+          </p:nvPr>
+        </p:nvSpPr>
+        <p:spPr/>
+        <p:txBody>
+          <a:bodyPr/>
+          <a:lstStyle/>
+          <a:p>
+            <a:r>
+              <a:rPr lang="en-CA" dirty="0"/>
+              <a:t>When a virtual function is called on a base class </a:t>
+            </a:r>
+          </a:p>
+          <a:p>
+            <a:r>
+              <a:rPr lang="en-CA" dirty="0"/>
+              <a:t>If the run-time type of the value is different (a derived class)</a:t>
+            </a:r>
+          </a:p>
+          <a:p>
+            <a:r>
+              <a:rPr lang="en-CA" dirty="0"/>
+              <a:t>If an override of the virtual function exists (on the derived class)</a:t>
+            </a:r>
+          </a:p>
+          <a:p>
+            <a:r>
+              <a:rPr lang="en-CA" dirty="0"/>
+              <a:t>Then the override is called</a:t>
+            </a:r>
+          </a:p>
+          <a:p>
+            <a:r>
+              <a:rPr lang="en-CA" dirty="0"/>
+              <a:t>This is called “dynamic dispatch”</a:t>
+            </a:r>
+          </a:p>
+          <a:p>
+            <a:r>
+              <a:rPr lang="en-CA" dirty="0"/>
+              <a:t>It happens thanks to a “virtual method table”</a:t>
+            </a:r>
+          </a:p>
+          <a:p>
+            <a:r>
+              <a:rPr lang="en-CA" dirty="0"/>
+              <a:t>Please read the Microsoft Learn documentation for the </a:t>
+            </a:r>
+            <a:r>
+              <a:rPr lang="en-CA" dirty="0">
+                <a:hlinkClick r:id="rId2"/>
+              </a:rPr>
+              <a:t>virtual keyword</a:t>
+            </a:r>
+            <a:r>
+              <a:rPr lang="en-CA" dirty="0"/>
+              <a:t> for C#</a:t>
+            </a:r>
+          </a:p>
+          <a:p>
+            <a:endParaRPr lang="en-CA" dirty="0"/>
+          </a:p>
+          <a:p>
+            <a:pPr marL="68580" indent="0">
+              <a:buNone/>
+            </a:pPr>
+            <a:endParaRPr lang="en-CA" dirty="0"/>
+          </a:p>
+        </p:txBody>
+      </p:sp>
+    </p:spTree>
+    <p:extLst>
+      <p:ext uri="{BB962C8B-B14F-4D97-AF65-F5344CB8AC3E}">
+        <p14:creationId xmlns:p14="http://schemas.microsoft.com/office/powerpoint/2010/main" val="2482667762"/>
+      </p:ext>
+    </p:extLst>
+  </p:cSld>
+  <p:clrMapOvr>
+    <a:masterClrMapping/>
+  </p:clrMapOvr>
+</p:sld>
+</file>
+
+<file path=ppt/slides/slide29.xml><?xml version="1.0" encoding="utf-8"?>
+<p:sld xmlns:a="http://schemas.openxmlformats.org/drawingml/2006/main" xmlns:r="http://schemas.openxmlformats.org/officeDocument/2006/relationships" xmlns:p="http://schemas.openxmlformats.org/presentationml/2006/main">
+  <p:cSld>
+    <p:spTree>
+      <p:nvGrpSpPr>
+        <p:cNvPr id="1" name=""/>
+        <p:cNvGrpSpPr/>
+        <p:nvPr/>
+      </p:nvGrpSpPr>
+      <p:grpSpPr>
+        <a:xfrm>
+          <a:off x="0" y="0"/>
+          <a:ext cx="0" cy="0"/>
+          <a:chOff x="0" y="0"/>
+          <a:chExt cx="0" cy="0"/>
+        </a:xfrm>
+      </p:grpSpPr>
+      <p:sp>
+        <p:nvSpPr>
+          <p:cNvPr id="2" name="Title 1">
+            <a:extLst>
+              <a:ext uri="{FF2B5EF4-FFF2-40B4-BE49-F238E27FC236}">
+                <a16:creationId xmlns:a16="http://schemas.microsoft.com/office/drawing/2014/main" id="{2566E0E6-DBBA-E57E-2718-9C0D57B0A791}"/>
+              </a:ext>
+            </a:extLst>
+          </p:cNvPr>
+          <p:cNvSpPr>
+            <a:spLocks noGrp="1"/>
+          </p:cNvSpPr>
+          <p:nvPr>
+            <p:ph type="title"/>
+          </p:nvPr>
+        </p:nvSpPr>
+        <p:spPr/>
+        <p:txBody>
+          <a:bodyPr/>
+          <a:lstStyle/>
+          <a:p>
+            <a:r>
+              <a:rPr lang="en-CA" dirty="0"/>
+              <a:t>Examples of Virtual Functions</a:t>
+            </a:r>
+          </a:p>
+        </p:txBody>
+      </p:sp>
+      <p:sp>
+        <p:nvSpPr>
+          <p:cNvPr id="3" name="Content Placeholder 2">
+            <a:extLst>
+              <a:ext uri="{FF2B5EF4-FFF2-40B4-BE49-F238E27FC236}">
+                <a16:creationId xmlns:a16="http://schemas.microsoft.com/office/drawing/2014/main" id="{621687CD-500A-20F7-97A1-4559C7EE1605}"/>
+              </a:ext>
+            </a:extLst>
+          </p:cNvPr>
+          <p:cNvSpPr>
+            <a:spLocks noGrp="1"/>
+          </p:cNvSpPr>
+          <p:nvPr>
+            <p:ph idx="1"/>
+          </p:nvPr>
+        </p:nvSpPr>
+        <p:spPr/>
+        <p:txBody>
+          <a:bodyPr/>
+          <a:lstStyle/>
+          <a:p>
+            <a:r>
+              <a:rPr lang="en-CA" dirty="0"/>
+              <a:t>It is good practice to override virtual functions from </a:t>
+            </a:r>
+            <a:r>
+              <a:rPr lang="en-CA" dirty="0" err="1"/>
+              <a:t>System.Object</a:t>
+            </a:r>
+            <a:r>
+              <a:rPr lang="en-CA" dirty="0"/>
+              <a:t>.</a:t>
+            </a:r>
+          </a:p>
+          <a:p>
+            <a:r>
+              <a:rPr lang="en-CA" dirty="0"/>
+              <a:t>virtual string </a:t>
+            </a:r>
+            <a:r>
+              <a:rPr lang="en-CA" dirty="0" err="1"/>
+              <a:t>Object.ToString</a:t>
+            </a:r>
+            <a:r>
+              <a:rPr lang="en-CA" dirty="0"/>
+              <a:t>();</a:t>
+            </a:r>
+          </a:p>
+          <a:p>
+            <a:r>
+              <a:rPr lang="en-CA" dirty="0"/>
+              <a:t>virtual bool </a:t>
+            </a:r>
+            <a:r>
+              <a:rPr lang="en-CA" dirty="0" err="1"/>
+              <a:t>Object.Equals</a:t>
+            </a:r>
+            <a:r>
+              <a:rPr lang="en-CA" dirty="0"/>
+              <a:t>(object? other);</a:t>
+            </a:r>
+          </a:p>
+          <a:p>
+            <a:r>
+              <a:rPr lang="en-CA" dirty="0"/>
+              <a:t>virtual int </a:t>
+            </a:r>
+            <a:r>
+              <a:rPr lang="en-CA" dirty="0" err="1"/>
+              <a:t>Object.GetHashCode</a:t>
+            </a:r>
+            <a:r>
+              <a:rPr lang="en-CA" dirty="0"/>
+              <a:t>();</a:t>
+            </a:r>
+          </a:p>
+        </p:txBody>
+      </p:sp>
+    </p:spTree>
+    <p:extLst>
+      <p:ext uri="{BB962C8B-B14F-4D97-AF65-F5344CB8AC3E}">
+        <p14:creationId xmlns:p14="http://schemas.microsoft.com/office/powerpoint/2010/main" val="1619700465"/>
+      </p:ext>
+    </p:extLst>
+  </p:cSld>
+  <p:clrMapOvr>
+    <a:masterClrMapping/>
+  </p:clrMapOvr>
+</p:sld>
+</file>
+
+<file path=ppt/slides/slide3.xml><?xml version="1.0" encoding="utf-8"?>
+<p:sld xmlns:a="http://schemas.openxmlformats.org/drawingml/2006/main" xmlns:r="http://schemas.openxmlformats.org/officeDocument/2006/relationships" xmlns:p="http://schemas.openxmlformats.org/presentationml/2006/main">
+  <p:cSld>
+    <p:spTree>
+      <p:nvGrpSpPr>
+        <p:cNvPr id="1" name=""/>
+        <p:cNvGrpSpPr/>
+        <p:nvPr/>
+      </p:nvGrpSpPr>
+      <p:grpSpPr>
+        <a:xfrm>
+          <a:off x="0" y="0"/>
+          <a:ext cx="0" cy="0"/>
+          <a:chOff x="0" y="0"/>
+          <a:chExt cx="0" cy="0"/>
+        </a:xfrm>
+      </p:grpSpPr>
+      <p:sp>
+        <p:nvSpPr>
+          <p:cNvPr id="2" name="Title 1">
+            <a:extLst>
+              <a:ext uri="{FF2B5EF4-FFF2-40B4-BE49-F238E27FC236}">
+                <a16:creationId xmlns:a16="http://schemas.microsoft.com/office/drawing/2014/main" id="{31EA2607-E83B-AEB0-3770-3CFD5449DA3B}"/>
+              </a:ext>
+            </a:extLst>
+          </p:cNvPr>
+          <p:cNvSpPr>
+            <a:spLocks noGrp="1"/>
+          </p:cNvSpPr>
+          <p:nvPr>
+            <p:ph type="title"/>
+          </p:nvPr>
+        </p:nvSpPr>
+        <p:spPr/>
+        <p:txBody>
+          <a:bodyPr/>
+          <a:lstStyle/>
+          <a:p>
+            <a:r>
+              <a:rPr lang="en-CA" dirty="0"/>
+              <a:t>When Inheriting</a:t>
+            </a:r>
+          </a:p>
+        </p:txBody>
+      </p:sp>
+      <p:sp>
+        <p:nvSpPr>
+          <p:cNvPr id="3" name="Content Placeholder 2">
+            <a:extLst>
+              <a:ext uri="{FF2B5EF4-FFF2-40B4-BE49-F238E27FC236}">
+                <a16:creationId xmlns:a16="http://schemas.microsoft.com/office/drawing/2014/main" id="{41AEEC97-34A7-27EB-BEBB-606A07D5D907}"/>
+              </a:ext>
+            </a:extLst>
+          </p:cNvPr>
+          <p:cNvSpPr>
+            <a:spLocks noGrp="1"/>
+          </p:cNvSpPr>
+          <p:nvPr>
+            <p:ph idx="1"/>
+          </p:nvPr>
+        </p:nvSpPr>
+        <p:spPr/>
+        <p:txBody>
+          <a:bodyPr/>
+          <a:lstStyle/>
+          <a:p>
+            <a:r>
+              <a:rPr lang="en-CA" dirty="0"/>
+              <a:t>Derived class inherits all the members of base class</a:t>
+            </a:r>
+          </a:p>
+          <a:p>
+            <a:r>
+              <a:rPr lang="en-CA" dirty="0"/>
+              <a:t>Nothing can be removed</a:t>
+            </a:r>
+          </a:p>
+          <a:p>
+            <a:r>
+              <a:rPr lang="en-CA" dirty="0"/>
+              <a:t>Things can be added</a:t>
+            </a:r>
+          </a:p>
+          <a:p>
+            <a:r>
+              <a:rPr lang="en-CA" dirty="0"/>
+              <a:t>Things can be made more visible, not less visible</a:t>
+            </a:r>
+          </a:p>
+          <a:p>
+            <a:endParaRPr lang="en-CA" dirty="0"/>
+          </a:p>
+        </p:txBody>
+      </p:sp>
+    </p:spTree>
+    <p:extLst>
+      <p:ext uri="{BB962C8B-B14F-4D97-AF65-F5344CB8AC3E}">
+        <p14:creationId xmlns:p14="http://schemas.microsoft.com/office/powerpoint/2010/main" val="1670764733"/>
+      </p:ext>
+    </p:extLst>
+  </p:cSld>
+  <p:clrMapOvr>
+    <a:masterClrMapping/>
+  </p:clrMapOvr>
+</p:sld>
+</file>
+
+<file path=ppt/slides/slide30.xml><?xml version="1.0" encoding="utf-8"?>
+<p:sld xmlns:a="http://schemas.openxmlformats.org/drawingml/2006/main" xmlns:r="http://schemas.openxmlformats.org/officeDocument/2006/relationships" xmlns:p="http://schemas.openxmlformats.org/presentationml/2006/main">
+  <p:cSld>
+    <p:spTree>
+      <p:nvGrpSpPr>
+        <p:cNvPr id="1" name=""/>
+        <p:cNvGrpSpPr/>
+        <p:nvPr/>
+      </p:nvGrpSpPr>
+      <p:grpSpPr>
+        <a:xfrm>
+          <a:off x="0" y="0"/>
+          <a:ext cx="0" cy="0"/>
+          <a:chOff x="0" y="0"/>
+          <a:chExt cx="0" cy="0"/>
+        </a:xfrm>
+      </p:grpSpPr>
+      <p:sp>
+        <p:nvSpPr>
+          <p:cNvPr id="2" name="Title 1">
+            <a:extLst>
+              <a:ext uri="{FF2B5EF4-FFF2-40B4-BE49-F238E27FC236}">
+                <a16:creationId xmlns:a16="http://schemas.microsoft.com/office/drawing/2014/main" id="{C37AB919-2A76-FC9F-A98C-923E0C46A9B3}"/>
+              </a:ext>
+            </a:extLst>
+          </p:cNvPr>
+          <p:cNvSpPr>
+            <a:spLocks noGrp="1"/>
+          </p:cNvSpPr>
+          <p:nvPr>
+            <p:ph type="title"/>
+          </p:nvPr>
+        </p:nvSpPr>
+        <p:spPr/>
+        <p:txBody>
+          <a:bodyPr/>
+          <a:lstStyle/>
+          <a:p>
+            <a:r>
+              <a:rPr lang="en-CA" dirty="0"/>
+              <a:t>Should we use </a:t>
+            </a:r>
+            <a:r>
+              <a:rPr lang="en-CA" dirty="0" err="1"/>
+              <a:t>ScheduledItem</a:t>
+            </a:r>
+            <a:r>
+              <a:rPr lang="en-CA" dirty="0"/>
+              <a:t> directly?</a:t>
+            </a:r>
+          </a:p>
+        </p:txBody>
+      </p:sp>
+      <p:sp>
+        <p:nvSpPr>
+          <p:cNvPr id="3" name="Content Placeholder 2">
+            <a:extLst>
+              <a:ext uri="{FF2B5EF4-FFF2-40B4-BE49-F238E27FC236}">
+                <a16:creationId xmlns:a16="http://schemas.microsoft.com/office/drawing/2014/main" id="{6BC5A7CD-9814-C0E1-027E-BB7B6AB19FD5}"/>
+              </a:ext>
+            </a:extLst>
+          </p:cNvPr>
+          <p:cNvSpPr>
+            <a:spLocks noGrp="1"/>
+          </p:cNvSpPr>
+          <p:nvPr>
+            <p:ph idx="1"/>
+          </p:nvPr>
+        </p:nvSpPr>
+        <p:spPr/>
+        <p:txBody>
+          <a:bodyPr/>
+          <a:lstStyle/>
+          <a:p>
+            <a:r>
+              <a:rPr lang="en-CA" dirty="0"/>
+              <a:t>There are many things that are a </a:t>
+            </a:r>
+            <a:r>
+              <a:rPr lang="en-CA" dirty="0" err="1"/>
+              <a:t>ScheduledItem</a:t>
+            </a:r>
+            <a:r>
+              <a:rPr lang="en-CA" dirty="0"/>
+              <a:t> but what use it the class itself?</a:t>
+            </a:r>
+          </a:p>
+          <a:p>
+            <a:r>
+              <a:rPr lang="en-CA" dirty="0"/>
+              <a:t>It’s main role is to describe a family of types (it’s subtypes)</a:t>
+            </a:r>
+          </a:p>
+          <a:p>
+            <a:r>
+              <a:rPr lang="en-CA" dirty="0"/>
+              <a:t>So perhaps we should prevent it from being used directly</a:t>
+            </a:r>
+          </a:p>
+          <a:p>
+            <a:endParaRPr lang="en-CA" dirty="0"/>
+          </a:p>
+        </p:txBody>
+      </p:sp>
+    </p:spTree>
+    <p:extLst>
+      <p:ext uri="{BB962C8B-B14F-4D97-AF65-F5344CB8AC3E}">
+        <p14:creationId xmlns:p14="http://schemas.microsoft.com/office/powerpoint/2010/main" val="71004922"/>
+      </p:ext>
+    </p:extLst>
+  </p:cSld>
+  <p:clrMapOvr>
+    <a:masterClrMapping/>
+  </p:clrMapOvr>
+</p:sld>
+</file>
+
+<file path=ppt/slides/slide31.xml><?xml version="1.0" encoding="utf-8"?>
+<p:sld xmlns:a="http://schemas.openxmlformats.org/drawingml/2006/main" xmlns:r="http://schemas.openxmlformats.org/officeDocument/2006/relationships" xmlns:p="http://schemas.openxmlformats.org/presentationml/2006/main">
+  <p:cSld>
+    <p:spTree>
+      <p:nvGrpSpPr>
+        <p:cNvPr id="1" name=""/>
+        <p:cNvGrpSpPr/>
+        <p:nvPr/>
+      </p:nvGrpSpPr>
+      <p:grpSpPr>
+        <a:xfrm>
+          <a:off x="0" y="0"/>
+          <a:ext cx="0" cy="0"/>
+          <a:chOff x="0" y="0"/>
+          <a:chExt cx="0" cy="0"/>
+        </a:xfrm>
+      </p:grpSpPr>
+      <p:sp>
+        <p:nvSpPr>
+          <p:cNvPr id="2" name="Title 1">
+            <a:extLst>
+              <a:ext uri="{FF2B5EF4-FFF2-40B4-BE49-F238E27FC236}">
+                <a16:creationId xmlns:a16="http://schemas.microsoft.com/office/drawing/2014/main" id="{3CFC6BB5-889E-70D6-7A8C-D46230AFD7D4}"/>
+              </a:ext>
+            </a:extLst>
+          </p:cNvPr>
+          <p:cNvSpPr>
+            <a:spLocks noGrp="1"/>
+          </p:cNvSpPr>
+          <p:nvPr>
+            <p:ph type="title"/>
+          </p:nvPr>
+        </p:nvSpPr>
+        <p:spPr/>
+        <p:txBody>
+          <a:bodyPr/>
+          <a:lstStyle/>
+          <a:p>
+            <a:r>
+              <a:rPr lang="en-CA" dirty="0"/>
+              <a:t>Abstract Class</a:t>
+            </a:r>
+          </a:p>
+        </p:txBody>
+      </p:sp>
+      <p:sp>
+        <p:nvSpPr>
+          <p:cNvPr id="3" name="Content Placeholder 2">
+            <a:extLst>
+              <a:ext uri="{FF2B5EF4-FFF2-40B4-BE49-F238E27FC236}">
+                <a16:creationId xmlns:a16="http://schemas.microsoft.com/office/drawing/2014/main" id="{51D8F579-D443-6181-661C-4BCE732210F7}"/>
+              </a:ext>
+            </a:extLst>
+          </p:cNvPr>
+          <p:cNvSpPr>
+            <a:spLocks noGrp="1"/>
+          </p:cNvSpPr>
+          <p:nvPr>
+            <p:ph idx="1"/>
+          </p:nvPr>
+        </p:nvSpPr>
+        <p:spPr/>
+        <p:txBody>
+          <a:bodyPr/>
+          <a:lstStyle/>
+          <a:p>
+            <a:r>
+              <a:rPr lang="en-CA" dirty="0"/>
+              <a:t>The </a:t>
+            </a:r>
+            <a:r>
+              <a:rPr lang="en-CA" dirty="0">
+                <a:hlinkClick r:id="rId2"/>
+              </a:rPr>
+              <a:t>abstract keyword</a:t>
+            </a:r>
+            <a:r>
+              <a:rPr lang="en-CA" dirty="0"/>
+              <a:t> (on a class) prevents it from being instantiated directly</a:t>
+            </a:r>
+          </a:p>
+          <a:p>
+            <a:r>
+              <a:rPr lang="en-CA" dirty="0"/>
+              <a:t>In other words you can’t call “new” on it</a:t>
+            </a:r>
+          </a:p>
+          <a:p>
+            <a:r>
+              <a:rPr lang="en-CA" dirty="0"/>
+              <a:t>It enables you to introduce abstract methods</a:t>
+            </a:r>
+          </a:p>
+        </p:txBody>
+      </p:sp>
+    </p:spTree>
+    <p:extLst>
+      <p:ext uri="{BB962C8B-B14F-4D97-AF65-F5344CB8AC3E}">
+        <p14:creationId xmlns:p14="http://schemas.microsoft.com/office/powerpoint/2010/main" val="4242759945"/>
+      </p:ext>
+    </p:extLst>
+  </p:cSld>
+  <p:clrMapOvr>
+    <a:masterClrMapping/>
+  </p:clrMapOvr>
+</p:sld>
+</file>
+
+<file path=ppt/slides/slide32.xml><?xml version="1.0" encoding="utf-8"?>
+<p:sld xmlns:a="http://schemas.openxmlformats.org/drawingml/2006/main" xmlns:r="http://schemas.openxmlformats.org/officeDocument/2006/relationships" xmlns:p="http://schemas.openxmlformats.org/presentationml/2006/main">
+  <p:cSld>
+    <p:spTree>
+      <p:nvGrpSpPr>
+        <p:cNvPr id="1" name=""/>
+        <p:cNvGrpSpPr/>
+        <p:nvPr/>
+      </p:nvGrpSpPr>
+      <p:grpSpPr>
+        <a:xfrm>
+          <a:off x="0" y="0"/>
+          <a:ext cx="0" cy="0"/>
+          <a:chOff x="0" y="0"/>
+          <a:chExt cx="0" cy="0"/>
+        </a:xfrm>
+      </p:grpSpPr>
+      <p:sp>
+        <p:nvSpPr>
+          <p:cNvPr id="2" name="Title 1">
+            <a:extLst>
+              <a:ext uri="{FF2B5EF4-FFF2-40B4-BE49-F238E27FC236}">
+                <a16:creationId xmlns:a16="http://schemas.microsoft.com/office/drawing/2014/main" id="{A0781A36-78D8-2840-2109-A530E8BFE1E4}"/>
+              </a:ext>
+            </a:extLst>
+          </p:cNvPr>
+          <p:cNvSpPr>
+            <a:spLocks noGrp="1"/>
+          </p:cNvSpPr>
+          <p:nvPr>
+            <p:ph type="title"/>
+          </p:nvPr>
+        </p:nvSpPr>
+        <p:spPr/>
+        <p:txBody>
+          <a:bodyPr/>
+          <a:lstStyle/>
+          <a:p>
+            <a:r>
+              <a:rPr lang="en-CA" dirty="0"/>
+              <a:t>Abstract Class with Abstract Method</a:t>
+            </a:r>
+          </a:p>
+        </p:txBody>
+      </p:sp>
+      <p:pic>
+        <p:nvPicPr>
+          <p:cNvPr id="4" name="Content Placeholder 3">
+            <a:extLst>
+              <a:ext uri="{FF2B5EF4-FFF2-40B4-BE49-F238E27FC236}">
+                <a16:creationId xmlns:a16="http://schemas.microsoft.com/office/drawing/2014/main" id="{01B91799-4311-527B-925E-F7D88707D7AF}"/>
+              </a:ext>
+            </a:extLst>
+          </p:cNvPr>
+          <p:cNvPicPr>
+            <a:picLocks noGrp="1" noChangeAspect="1"/>
+          </p:cNvPicPr>
+          <p:nvPr>
+            <p:ph idx="1"/>
+          </p:nvPr>
+        </p:nvPicPr>
+        <p:blipFill>
+          <a:blip r:embed="rId2"/>
+          <a:stretch>
+            <a:fillRect/>
+          </a:stretch>
+        </p:blipFill>
+        <p:spPr>
+          <a:xfrm>
+            <a:off x="2819400" y="3771900"/>
+            <a:ext cx="11687125" cy="3276600"/>
+          </a:xfrm>
+          <a:prstGeom prst="rect">
+            <a:avLst/>
+          </a:prstGeom>
+        </p:spPr>
+      </p:pic>
+    </p:spTree>
+    <p:extLst>
+      <p:ext uri="{BB962C8B-B14F-4D97-AF65-F5344CB8AC3E}">
+        <p14:creationId xmlns:p14="http://schemas.microsoft.com/office/powerpoint/2010/main" val="184375926"/>
+      </p:ext>
+    </p:extLst>
+  </p:cSld>
+  <p:clrMapOvr>
+    <a:masterClrMapping/>
+  </p:clrMapOvr>
+</p:sld>
+</file>
+
+<file path=ppt/slides/slide33.xml><?xml version="1.0" encoding="utf-8"?>
+<p:sld xmlns:a="http://schemas.openxmlformats.org/drawingml/2006/main" xmlns:r="http://schemas.openxmlformats.org/officeDocument/2006/relationships" xmlns:p="http://schemas.openxmlformats.org/presentationml/2006/main">
+  <p:cSld>
+    <p:spTree>
+      <p:nvGrpSpPr>
+        <p:cNvPr id="1" name=""/>
+        <p:cNvGrpSpPr/>
+        <p:nvPr/>
+      </p:nvGrpSpPr>
+      <p:grpSpPr>
+        <a:xfrm>
+          <a:off x="0" y="0"/>
+          <a:ext cx="0" cy="0"/>
+          <a:chOff x="0" y="0"/>
+          <a:chExt cx="0" cy="0"/>
+        </a:xfrm>
+      </p:grpSpPr>
+      <p:sp>
+        <p:nvSpPr>
+          <p:cNvPr id="2" name="Title 1">
+            <a:extLst>
+              <a:ext uri="{FF2B5EF4-FFF2-40B4-BE49-F238E27FC236}">
+                <a16:creationId xmlns:a16="http://schemas.microsoft.com/office/drawing/2014/main" id="{699EDE30-67EE-A7CC-65F9-CF993BEE1FA9}"/>
+              </a:ext>
+            </a:extLst>
+          </p:cNvPr>
+          <p:cNvSpPr>
+            <a:spLocks noGrp="1"/>
+          </p:cNvSpPr>
+          <p:nvPr>
+            <p:ph type="title"/>
+          </p:nvPr>
+        </p:nvSpPr>
+        <p:spPr/>
+        <p:txBody>
+          <a:bodyPr/>
+          <a:lstStyle/>
+          <a:p>
+            <a:r>
+              <a:rPr lang="en-CA" dirty="0"/>
+              <a:t>Abstract Method</a:t>
+            </a:r>
+          </a:p>
+        </p:txBody>
+      </p:sp>
+      <p:sp>
+        <p:nvSpPr>
+          <p:cNvPr id="3" name="Content Placeholder 2">
+            <a:extLst>
+              <a:ext uri="{FF2B5EF4-FFF2-40B4-BE49-F238E27FC236}">
+                <a16:creationId xmlns:a16="http://schemas.microsoft.com/office/drawing/2014/main" id="{9EE977F6-B97E-5508-E2E8-30064F098331}"/>
+              </a:ext>
+            </a:extLst>
+          </p:cNvPr>
+          <p:cNvSpPr>
+            <a:spLocks noGrp="1"/>
+          </p:cNvSpPr>
+          <p:nvPr>
+            <p:ph idx="1"/>
+          </p:nvPr>
+        </p:nvSpPr>
+        <p:spPr/>
+        <p:txBody>
+          <a:bodyPr/>
+          <a:lstStyle/>
+          <a:p>
+            <a:r>
+              <a:rPr lang="en-CA" dirty="0"/>
+              <a:t>An abstract method is a virtual function with no body </a:t>
+            </a:r>
+          </a:p>
+          <a:p>
+            <a:r>
+              <a:rPr lang="en-CA" dirty="0"/>
+              <a:t>It is only allowed on abstract classes</a:t>
+            </a:r>
+          </a:p>
+          <a:p>
+            <a:r>
+              <a:rPr lang="en-CA" dirty="0"/>
+              <a:t>All classes that derive from the class, </a:t>
+            </a:r>
+            <a:r>
+              <a:rPr lang="en-CA" b="1" i="1" dirty="0"/>
+              <a:t>must</a:t>
+            </a:r>
+            <a:r>
+              <a:rPr lang="en-CA" dirty="0"/>
+              <a:t> override the abstract method</a:t>
+            </a:r>
+          </a:p>
+          <a:p>
+            <a:endParaRPr lang="en-CA" dirty="0"/>
+          </a:p>
+        </p:txBody>
+      </p:sp>
+    </p:spTree>
+    <p:extLst>
+      <p:ext uri="{BB962C8B-B14F-4D97-AF65-F5344CB8AC3E}">
+        <p14:creationId xmlns:p14="http://schemas.microsoft.com/office/powerpoint/2010/main" val="2931700002"/>
+      </p:ext>
+    </p:extLst>
+  </p:cSld>
+  <p:clrMapOvr>
+    <a:masterClrMapping/>
+  </p:clrMapOvr>
+</p:sld>
+</file>
+
+<file path=ppt/slides/slide4.xml><?xml version="1.0" encoding="utf-8"?>
+<p:sld xmlns:a="http://schemas.openxmlformats.org/drawingml/2006/main" xmlns:r="http://schemas.openxmlformats.org/officeDocument/2006/relationships" xmlns:p="http://schemas.openxmlformats.org/presentationml/2006/main">
+  <p:cSld>
+    <p:spTree>
+      <p:nvGrpSpPr>
+        <p:cNvPr id="1" name=""/>
+        <p:cNvGrpSpPr/>
+        <p:nvPr/>
+      </p:nvGrpSpPr>
+      <p:grpSpPr>
+        <a:xfrm>
+          <a:off x="0" y="0"/>
+          <a:ext cx="0" cy="0"/>
+          <a:chOff x="0" y="0"/>
+          <a:chExt cx="0" cy="0"/>
+        </a:xfrm>
+      </p:grpSpPr>
+      <p:sp>
+        <p:nvSpPr>
+          <p:cNvPr id="2" name="Title 1">
+            <a:extLst>
+              <a:ext uri="{FF2B5EF4-FFF2-40B4-BE49-F238E27FC236}">
+                <a16:creationId xmlns:a16="http://schemas.microsoft.com/office/drawing/2014/main" id="{6410A5D4-50C3-DEAC-C46E-7E0C47EF9E8E}"/>
+              </a:ext>
+            </a:extLst>
+          </p:cNvPr>
+          <p:cNvSpPr>
+            <a:spLocks noGrp="1"/>
+          </p:cNvSpPr>
+          <p:nvPr>
+            <p:ph type="title"/>
+          </p:nvPr>
+        </p:nvSpPr>
+        <p:spPr/>
+        <p:txBody>
+          <a:bodyPr/>
+          <a:lstStyle/>
+          <a:p>
+            <a:r>
+              <a:rPr lang="en-CA" dirty="0"/>
+              <a:t>Some rules of inheritance for C#</a:t>
+            </a:r>
+          </a:p>
+        </p:txBody>
+      </p:sp>
+      <p:sp>
+        <p:nvSpPr>
+          <p:cNvPr id="3" name="Content Placeholder 2">
+            <a:extLst>
+              <a:ext uri="{FF2B5EF4-FFF2-40B4-BE49-F238E27FC236}">
+                <a16:creationId xmlns:a16="http://schemas.microsoft.com/office/drawing/2014/main" id="{FCD3B3D8-FEA8-D06B-5D43-78901C9AF4D8}"/>
+              </a:ext>
+            </a:extLst>
+          </p:cNvPr>
+          <p:cNvSpPr>
+            <a:spLocks noGrp="1"/>
+          </p:cNvSpPr>
+          <p:nvPr>
+            <p:ph idx="1"/>
+          </p:nvPr>
+        </p:nvSpPr>
+        <p:spPr/>
+        <p:txBody>
+          <a:bodyPr/>
+          <a:lstStyle/>
+          <a:p>
+            <a:r>
+              <a:rPr lang="en-CA" dirty="0"/>
+              <a:t>A class can only inherit from one other class</a:t>
+            </a:r>
+          </a:p>
+          <a:p>
+            <a:r>
+              <a:rPr lang="en-CA" dirty="0"/>
+              <a:t>Classes cannot inherit from a struct </a:t>
+            </a:r>
+          </a:p>
+          <a:p>
+            <a:r>
+              <a:rPr lang="en-CA" dirty="0"/>
+              <a:t>Structs cannot inherit from anything</a:t>
+            </a:r>
+          </a:p>
+          <a:p>
+            <a:r>
+              <a:rPr lang="en-CA" dirty="0"/>
+              <a:t>If you don’t specify a base class, the class inherits from </a:t>
+            </a:r>
+            <a:r>
+              <a:rPr lang="en-CA" dirty="0" err="1"/>
+              <a:t>System.Object</a:t>
+            </a:r>
+            <a:r>
+              <a:rPr lang="en-CA" dirty="0"/>
+              <a:t> </a:t>
+            </a:r>
+          </a:p>
+        </p:txBody>
+      </p:sp>
+    </p:spTree>
+    <p:extLst>
+      <p:ext uri="{BB962C8B-B14F-4D97-AF65-F5344CB8AC3E}">
+        <p14:creationId xmlns:p14="http://schemas.microsoft.com/office/powerpoint/2010/main" val="140220203"/>
+      </p:ext>
+    </p:extLst>
+  </p:cSld>
+  <p:clrMapOvr>
+    <a:masterClrMapping/>
+  </p:clrMapOvr>
+</p:sld>
+</file>
+
+<file path=ppt/slides/slide5.xml><?xml version="1.0" encoding="utf-8"?>
+<p:sld xmlns:a="http://schemas.openxmlformats.org/drawingml/2006/main" xmlns:r="http://schemas.openxmlformats.org/officeDocument/2006/relationships" xmlns:p="http://schemas.openxmlformats.org/presentationml/2006/main">
+  <p:cSld>
+    <p:spTree>
+      <p:nvGrpSpPr>
+        <p:cNvPr id="1" name=""/>
+        <p:cNvGrpSpPr/>
+        <p:nvPr/>
+      </p:nvGrpSpPr>
+      <p:grpSpPr>
+        <a:xfrm>
+          <a:off x="0" y="0"/>
+          <a:ext cx="0" cy="0"/>
+          <a:chOff x="0" y="0"/>
+          <a:chExt cx="0" cy="0"/>
+        </a:xfrm>
+      </p:grpSpPr>
+      <p:sp>
+        <p:nvSpPr>
+          <p:cNvPr id="2" name="Title 1">
+            <a:extLst>
+              <a:ext uri="{FF2B5EF4-FFF2-40B4-BE49-F238E27FC236}">
+                <a16:creationId xmlns:a16="http://schemas.microsoft.com/office/drawing/2014/main" id="{6C181841-6392-1148-C342-7B68BB3D3E16}"/>
+              </a:ext>
+            </a:extLst>
+          </p:cNvPr>
+          <p:cNvSpPr>
+            <a:spLocks noGrp="1"/>
+          </p:cNvSpPr>
+          <p:nvPr>
+            <p:ph type="title"/>
+          </p:nvPr>
+        </p:nvSpPr>
+        <p:spPr/>
+        <p:txBody>
+          <a:bodyPr/>
+          <a:lstStyle/>
+          <a:p>
+            <a:r>
+              <a:rPr lang="en-CA" dirty="0"/>
+              <a:t>Inheritance is used in different ways</a:t>
+            </a:r>
+          </a:p>
+        </p:txBody>
+      </p:sp>
+      <p:sp>
+        <p:nvSpPr>
+          <p:cNvPr id="3" name="Content Placeholder 2">
+            <a:extLst>
+              <a:ext uri="{FF2B5EF4-FFF2-40B4-BE49-F238E27FC236}">
+                <a16:creationId xmlns:a16="http://schemas.microsoft.com/office/drawing/2014/main" id="{792E41D8-BE1A-0AB6-52A7-13E83FC74D77}"/>
+              </a:ext>
+            </a:extLst>
+          </p:cNvPr>
+          <p:cNvSpPr>
+            <a:spLocks noGrp="1"/>
+          </p:cNvSpPr>
+          <p:nvPr>
+            <p:ph idx="1"/>
+          </p:nvPr>
+        </p:nvSpPr>
+        <p:spPr/>
+        <p:txBody>
+          <a:bodyPr/>
+          <a:lstStyle/>
+          <a:p>
+            <a:r>
+              <a:rPr lang="en-CA" dirty="0"/>
+              <a:t>To reuse code</a:t>
+            </a:r>
+          </a:p>
+          <a:p>
+            <a:r>
+              <a:rPr lang="en-CA" dirty="0"/>
+              <a:t>To describe is-a relationship between entities </a:t>
+            </a:r>
+          </a:p>
+          <a:p>
+            <a:r>
+              <a:rPr lang="en-CA" dirty="0"/>
+              <a:t>To provide a supertype / subtype </a:t>
+            </a:r>
+          </a:p>
+          <a:p>
+            <a:r>
+              <a:rPr lang="en-CA" dirty="0"/>
+              <a:t>To write functions that operate on groups of types</a:t>
+            </a:r>
+          </a:p>
+        </p:txBody>
+      </p:sp>
+    </p:spTree>
+    <p:extLst>
+      <p:ext uri="{BB962C8B-B14F-4D97-AF65-F5344CB8AC3E}">
+        <p14:creationId xmlns:p14="http://schemas.microsoft.com/office/powerpoint/2010/main" val="2519220814"/>
+      </p:ext>
+    </p:extLst>
+  </p:cSld>
+  <p:clrMapOvr>
+    <a:masterClrMapping/>
+  </p:clrMapOvr>
+</p:sld>
+</file>
+
+<file path=ppt/slides/slide6.xml><?xml version="1.0" encoding="utf-8"?>
+<p:sld xmlns:a="http://schemas.openxmlformats.org/drawingml/2006/main" xmlns:r="http://schemas.openxmlformats.org/officeDocument/2006/relationships" xmlns:p="http://schemas.openxmlformats.org/presentationml/2006/main">
+  <p:cSld>
+    <p:spTree>
+      <p:nvGrpSpPr>
+        <p:cNvPr id="1" name=""/>
+        <p:cNvGrpSpPr/>
+        <p:nvPr/>
+      </p:nvGrpSpPr>
+      <p:grpSpPr>
+        <a:xfrm>
+          <a:off x="0" y="0"/>
+          <a:ext cx="0" cy="0"/>
+          <a:chOff x="0" y="0"/>
+          <a:chExt cx="0" cy="0"/>
+        </a:xfrm>
+      </p:grpSpPr>
+      <p:sp>
+        <p:nvSpPr>
+          <p:cNvPr id="2" name="Title 1">
+            <a:extLst>
+              <a:ext uri="{FF2B5EF4-FFF2-40B4-BE49-F238E27FC236}">
+                <a16:creationId xmlns:a16="http://schemas.microsoft.com/office/drawing/2014/main" id="{798FF082-C030-6818-EFB7-D717812526C6}"/>
+              </a:ext>
+            </a:extLst>
+          </p:cNvPr>
+          <p:cNvSpPr>
+            <a:spLocks noGrp="1"/>
+          </p:cNvSpPr>
+          <p:nvPr>
+            <p:ph type="title"/>
+          </p:nvPr>
+        </p:nvSpPr>
+        <p:spPr/>
+        <p:txBody>
+          <a:bodyPr/>
+          <a:lstStyle/>
+          <a:p>
+            <a:r>
+              <a:rPr lang="en-CA" dirty="0"/>
+              <a:t>Subtype</a:t>
+            </a:r>
+          </a:p>
+        </p:txBody>
+      </p:sp>
+      <p:sp>
+        <p:nvSpPr>
+          <p:cNvPr id="3" name="Content Placeholder 2">
+            <a:extLst>
+              <a:ext uri="{FF2B5EF4-FFF2-40B4-BE49-F238E27FC236}">
+                <a16:creationId xmlns:a16="http://schemas.microsoft.com/office/drawing/2014/main" id="{A39ECFDE-052D-2472-5E0B-CE8FCA95F80D}"/>
+              </a:ext>
+            </a:extLst>
+          </p:cNvPr>
+          <p:cNvSpPr>
+            <a:spLocks noGrp="1"/>
+          </p:cNvSpPr>
+          <p:nvPr>
+            <p:ph idx="1"/>
+          </p:nvPr>
+        </p:nvSpPr>
+        <p:spPr/>
+        <p:txBody>
+          <a:bodyPr/>
+          <a:lstStyle/>
+          <a:p>
+            <a:r>
+              <a:rPr lang="en-CA" dirty="0"/>
+              <a:t>An instance of Class C can be used wherever an instance of Class B is requested</a:t>
+            </a:r>
+          </a:p>
+          <a:p>
+            <a:r>
+              <a:rPr lang="en-CA" dirty="0"/>
+              <a:t>This means that C is a “subtype” of B</a:t>
+            </a:r>
+          </a:p>
+          <a:p>
+            <a:r>
+              <a:rPr lang="en-CA" dirty="0"/>
+              <a:t>We can also call C a “specialization” of B</a:t>
+            </a:r>
+          </a:p>
+          <a:p>
+            <a:r>
+              <a:rPr lang="en-CA" dirty="0"/>
+              <a:t>Conversely, B is a “supertype” of C</a:t>
+            </a:r>
+          </a:p>
+          <a:p>
+            <a:r>
+              <a:rPr lang="en-CA" dirty="0"/>
+              <a:t>We can also say B is a “generalization” of B</a:t>
+            </a:r>
+          </a:p>
+        </p:txBody>
+      </p:sp>
+    </p:spTree>
+    <p:extLst>
+      <p:ext uri="{BB962C8B-B14F-4D97-AF65-F5344CB8AC3E}">
+        <p14:creationId xmlns:p14="http://schemas.microsoft.com/office/powerpoint/2010/main" val="130391505"/>
+      </p:ext>
+    </p:extLst>
+  </p:cSld>
+  <p:clrMapOvr>
+    <a:masterClrMapping/>
+  </p:clrMapOvr>
+</p:sld>
+</file>
+
+<file path=ppt/slides/slide7.xml><?xml version="1.0" encoding="utf-8"?>
+<p:sld xmlns:a="http://schemas.openxmlformats.org/drawingml/2006/main" xmlns:r="http://schemas.openxmlformats.org/officeDocument/2006/relationships" xmlns:p="http://schemas.openxmlformats.org/presentationml/2006/main">
+  <p:cSld>
+    <p:spTree>
+      <p:nvGrpSpPr>
+        <p:cNvPr id="1" name=""/>
+        <p:cNvGrpSpPr/>
+        <p:nvPr/>
+      </p:nvGrpSpPr>
+      <p:grpSpPr>
+        <a:xfrm>
+          <a:off x="0" y="0"/>
+          <a:ext cx="0" cy="0"/>
+          <a:chOff x="0" y="0"/>
+          <a:chExt cx="0" cy="0"/>
+        </a:xfrm>
+      </p:grpSpPr>
+      <p:sp>
+        <p:nvSpPr>
+          <p:cNvPr id="2" name="Title 1">
+            <a:extLst>
+              <a:ext uri="{FF2B5EF4-FFF2-40B4-BE49-F238E27FC236}">
+                <a16:creationId xmlns:a16="http://schemas.microsoft.com/office/drawing/2014/main" id="{2986E010-1C56-1395-8ABD-5038BD9BC924}"/>
+              </a:ext>
+            </a:extLst>
+          </p:cNvPr>
+          <p:cNvSpPr>
+            <a:spLocks noGrp="1"/>
+          </p:cNvSpPr>
+          <p:nvPr>
+            <p:ph type="title"/>
+          </p:nvPr>
+        </p:nvSpPr>
+        <p:spPr/>
+        <p:txBody>
+          <a:bodyPr/>
+          <a:lstStyle/>
+          <a:p>
+            <a:r>
+              <a:rPr lang="en-CA" dirty="0"/>
+              <a:t>Multiple Kinds of Polymorphism</a:t>
+            </a:r>
+          </a:p>
+        </p:txBody>
+      </p:sp>
+      <p:sp>
+        <p:nvSpPr>
+          <p:cNvPr id="3" name="Content Placeholder 2">
+            <a:extLst>
+              <a:ext uri="{FF2B5EF4-FFF2-40B4-BE49-F238E27FC236}">
+                <a16:creationId xmlns:a16="http://schemas.microsoft.com/office/drawing/2014/main" id="{1BF4C16E-7320-5B7D-D874-C96B010B81AD}"/>
+              </a:ext>
+            </a:extLst>
+          </p:cNvPr>
+          <p:cNvSpPr>
+            <a:spLocks noGrp="1"/>
+          </p:cNvSpPr>
+          <p:nvPr>
+            <p:ph idx="1"/>
+          </p:nvPr>
+        </p:nvSpPr>
+        <p:spPr/>
+        <p:txBody>
+          <a:bodyPr/>
+          <a:lstStyle/>
+          <a:p>
+            <a:r>
+              <a:rPr lang="en-CA" dirty="0"/>
+              <a:t>Ad-hoc polymorphism – a.k.a. function overloading</a:t>
+            </a:r>
+          </a:p>
+          <a:p>
+            <a:r>
+              <a:rPr lang="en-CA" dirty="0"/>
+              <a:t>Parametric polymorphism – e.g., generic methods</a:t>
+            </a:r>
+          </a:p>
+          <a:p>
+            <a:r>
+              <a:rPr lang="en-CA" dirty="0"/>
+              <a:t>Subtyping – e.g., when implied by inheritance in C# or Java</a:t>
+            </a:r>
+          </a:p>
+          <a:p>
+            <a:r>
+              <a:rPr lang="en-CA" dirty="0"/>
+              <a:t>Discussed quite well on </a:t>
+            </a:r>
+            <a:r>
+              <a:rPr lang="en-CA" dirty="0">
+                <a:hlinkClick r:id="rId2"/>
+              </a:rPr>
+              <a:t>Wikipedia</a:t>
+            </a:r>
+            <a:endParaRPr lang="en-CA" dirty="0"/>
+          </a:p>
+        </p:txBody>
+      </p:sp>
+    </p:spTree>
+    <p:extLst>
+      <p:ext uri="{BB962C8B-B14F-4D97-AF65-F5344CB8AC3E}">
+        <p14:creationId xmlns:p14="http://schemas.microsoft.com/office/powerpoint/2010/main" val="2365768289"/>
+      </p:ext>
+    </p:extLst>
+  </p:cSld>
+  <p:clrMapOvr>
+    <a:masterClrMapping/>
+  </p:clrMapOvr>
+</p:sld>
+</file>
+
+<file path=ppt/slides/slide8.xml><?xml version="1.0" encoding="utf-8"?>
+<p:sld xmlns:a="http://schemas.openxmlformats.org/drawingml/2006/main" xmlns:r="http://schemas.openxmlformats.org/officeDocument/2006/relationships" xmlns:p="http://schemas.openxmlformats.org/presentationml/2006/main">
+  <p:cSld>
+    <p:spTree>
+      <p:nvGrpSpPr>
+        <p:cNvPr id="1" name=""/>
+        <p:cNvGrpSpPr/>
+        <p:nvPr/>
+      </p:nvGrpSpPr>
+      <p:grpSpPr>
+        <a:xfrm>
+          <a:off x="0" y="0"/>
+          <a:ext cx="0" cy="0"/>
+          <a:chOff x="0" y="0"/>
+          <a:chExt cx="0" cy="0"/>
+        </a:xfrm>
+      </p:grpSpPr>
+      <p:sp>
+        <p:nvSpPr>
+          <p:cNvPr id="2" name="Title 1">
+            <a:extLst>
+              <a:ext uri="{FF2B5EF4-FFF2-40B4-BE49-F238E27FC236}">
+                <a16:creationId xmlns:a16="http://schemas.microsoft.com/office/drawing/2014/main" id="{DE0B3F7F-62B1-1076-2E9B-EF640F8F757D}"/>
+              </a:ext>
+            </a:extLst>
+          </p:cNvPr>
+          <p:cNvSpPr>
+            <a:spLocks noGrp="1"/>
+          </p:cNvSpPr>
+          <p:nvPr>
+            <p:ph type="title"/>
+          </p:nvPr>
+        </p:nvSpPr>
+        <p:spPr/>
+        <p:txBody>
+          <a:bodyPr/>
+          <a:lstStyle/>
+          <a:p>
+            <a:r>
+              <a:rPr lang="en-CA" dirty="0"/>
+              <a:t>Subtype Polymorphism</a:t>
+            </a:r>
+          </a:p>
+        </p:txBody>
+      </p:sp>
+      <p:sp>
+        <p:nvSpPr>
+          <p:cNvPr id="3" name="Content Placeholder 2">
+            <a:extLst>
+              <a:ext uri="{FF2B5EF4-FFF2-40B4-BE49-F238E27FC236}">
+                <a16:creationId xmlns:a16="http://schemas.microsoft.com/office/drawing/2014/main" id="{6CF6EA5E-B4E8-D6DA-BD53-D8522B6D47E5}"/>
+              </a:ext>
+            </a:extLst>
+          </p:cNvPr>
+          <p:cNvSpPr>
+            <a:spLocks noGrp="1"/>
+          </p:cNvSpPr>
+          <p:nvPr>
+            <p:ph idx="1"/>
+          </p:nvPr>
+        </p:nvSpPr>
+        <p:spPr/>
+        <p:txBody>
+          <a:bodyPr/>
+          <a:lstStyle/>
+          <a:p>
+            <a:r>
+              <a:rPr lang="en-CA" dirty="0"/>
+              <a:t>In OOP context, the most common meaning of polymorphism</a:t>
+            </a:r>
+          </a:p>
+          <a:p>
+            <a:r>
+              <a:rPr lang="en-CA" dirty="0"/>
+              <a:t>The ability for a type identifier to represent a set of types </a:t>
+            </a:r>
+          </a:p>
+          <a:p>
+            <a:r>
+              <a:rPr lang="en-CA" dirty="0"/>
+              <a:t>Within the context of a function or interface </a:t>
+            </a:r>
+          </a:p>
+          <a:p>
+            <a:r>
+              <a:rPr lang="en-CA" dirty="0"/>
+              <a:t>In this case the base class is polymorphic</a:t>
+            </a:r>
+          </a:p>
+          <a:p>
+            <a:r>
+              <a:rPr lang="en-CA" dirty="0"/>
+              <a:t>As is any function consuming a base class</a:t>
+            </a:r>
+          </a:p>
+          <a:p>
+            <a:r>
+              <a:rPr lang="en-CA" dirty="0"/>
+              <a:t>Recommend reading about subtype polymorphism on </a:t>
+            </a:r>
+            <a:r>
+              <a:rPr lang="en-CA" dirty="0">
+                <a:hlinkClick r:id="rId2"/>
+              </a:rPr>
+              <a:t>Microsoft Learn</a:t>
+            </a:r>
+            <a:r>
+              <a:rPr lang="en-CA" dirty="0"/>
+              <a:t>.</a:t>
+            </a:r>
+          </a:p>
+          <a:p>
+            <a:pPr marL="68580" indent="0">
+              <a:buNone/>
+            </a:pPr>
+            <a:endParaRPr lang="en-CA" dirty="0"/>
+          </a:p>
+          <a:p>
+            <a:pPr marL="68580" indent="0">
+              <a:buNone/>
+            </a:pPr>
+            <a:endParaRPr lang="en-CA" dirty="0"/>
+          </a:p>
+          <a:p>
+            <a:pPr marL="68580" indent="0">
+              <a:buNone/>
+            </a:pPr>
+            <a:endParaRPr lang="en-CA" dirty="0"/>
+          </a:p>
+        </p:txBody>
+      </p:sp>
+    </p:spTree>
+    <p:extLst>
+      <p:ext uri="{BB962C8B-B14F-4D97-AF65-F5344CB8AC3E}">
+        <p14:creationId xmlns:p14="http://schemas.microsoft.com/office/powerpoint/2010/main" val="2721729606"/>
+      </p:ext>
+    </p:extLst>
+  </p:cSld>
+  <p:clrMapOvr>
+    <a:masterClrMapping/>
+  </p:clrMapOvr>
+</p:sld>
+</file>
+
+<file path=ppt/slides/slide9.xml><?xml version="1.0" encoding="utf-8"?>
+<p:sld xmlns:a="http://schemas.openxmlformats.org/drawingml/2006/main" xmlns:r="http://schemas.openxmlformats.org/officeDocument/2006/relationships" xmlns:p="http://schemas.openxmlformats.org/presentationml/2006/main">
+  <p:cSld>
+    <p:spTree>
+      <p:nvGrpSpPr>
+        <p:cNvPr id="1" name=""/>
+        <p:cNvGrpSpPr/>
+        <p:nvPr/>
+      </p:nvGrpSpPr>
+      <p:grpSpPr>
+        <a:xfrm>
+          <a:off x="0" y="0"/>
+          <a:ext cx="0" cy="0"/>
+          <a:chOff x="0" y="0"/>
+          <a:chExt cx="0" cy="0"/>
+        </a:xfrm>
+      </p:grpSpPr>
+      <p:sp>
+        <p:nvSpPr>
+          <p:cNvPr id="2" name="Title 1">
+            <a:extLst>
+              <a:ext uri="{FF2B5EF4-FFF2-40B4-BE49-F238E27FC236}">
+                <a16:creationId xmlns:a16="http://schemas.microsoft.com/office/drawing/2014/main" id="{AD0C7E24-268D-B5A5-FB50-A184CB593798}"/>
+              </a:ext>
+            </a:extLst>
+          </p:cNvPr>
+          <p:cNvSpPr>
+            <a:spLocks noGrp="1"/>
+          </p:cNvSpPr>
+          <p:nvPr>
+            <p:ph type="title"/>
+          </p:nvPr>
+        </p:nvSpPr>
+        <p:spPr/>
+        <p:txBody>
+          <a:bodyPr/>
+          <a:lstStyle/>
+          <a:p>
+            <a:r>
+              <a:rPr lang="en-CA" dirty="0"/>
+              <a:t>Is Inheritance Equal to Subtyping?</a:t>
+            </a:r>
+          </a:p>
+        </p:txBody>
+      </p:sp>
+      <p:sp>
+        <p:nvSpPr>
+          <p:cNvPr id="3" name="Content Placeholder 2">
+            <a:extLst>
+              <a:ext uri="{FF2B5EF4-FFF2-40B4-BE49-F238E27FC236}">
+                <a16:creationId xmlns:a16="http://schemas.microsoft.com/office/drawing/2014/main" id="{A58636C8-A662-8D95-4C48-BF1A155413F8}"/>
+              </a:ext>
+            </a:extLst>
+          </p:cNvPr>
+          <p:cNvSpPr>
+            <a:spLocks noGrp="1"/>
+          </p:cNvSpPr>
+          <p:nvPr>
+            <p:ph idx="1"/>
+          </p:nvPr>
+        </p:nvSpPr>
+        <p:spPr/>
+        <p:txBody>
+          <a:bodyPr/>
+          <a:lstStyle/>
+          <a:p>
+            <a:r>
+              <a:rPr lang="en-CA" dirty="0"/>
+              <a:t>Formally, in C# the answer is yes</a:t>
+            </a:r>
+          </a:p>
+          <a:p>
+            <a:r>
+              <a:rPr lang="en-CA" dirty="0"/>
+              <a:t>Not precisely true for all languages</a:t>
+            </a:r>
+          </a:p>
+          <a:p>
+            <a:r>
+              <a:rPr lang="en-CA" dirty="0"/>
+              <a:t>We are only talking from the point of view of the type system</a:t>
+            </a:r>
+          </a:p>
+          <a:p>
+            <a:r>
+              <a:rPr lang="en-CA" dirty="0"/>
+              <a:t>Remember type-system validates expressions (not values)</a:t>
+            </a:r>
+          </a:p>
+          <a:p>
+            <a:r>
+              <a:rPr lang="en-CA" dirty="0"/>
+              <a:t>Run-time is a different story </a:t>
+            </a:r>
+          </a:p>
+          <a:p>
+            <a:endParaRPr lang="en-CA" dirty="0"/>
+          </a:p>
+          <a:p>
+            <a:endParaRPr lang="en-CA" dirty="0"/>
+          </a:p>
+        </p:txBody>
+      </p:sp>
+    </p:spTree>
+    <p:extLst>
+      <p:ext uri="{BB962C8B-B14F-4D97-AF65-F5344CB8AC3E}">
+        <p14:creationId xmlns:p14="http://schemas.microsoft.com/office/powerpoint/2010/main" val="628877783"/>
       </p:ext>
     </p:extLst>
   </p:cSld>
